--- a/NLP Project - G5.pptx
+++ b/NLP Project - G5.pptx
@@ -5,7 +5,7 @@
     <p:sldMasterId id="2147483648" r:id="rId1"/>
   </p:sldMasterIdLst>
   <p:sldIdLst>
-    <p:sldId id="256" r:id="rId2"/>
+    <p:sldId id="263" r:id="rId2"/>
     <p:sldId id="257" r:id="rId3"/>
     <p:sldId id="258" r:id="rId4"/>
     <p:sldId id="259" r:id="rId5"/>
@@ -110,13 +110,18 @@
       </a:defRPr>
     </a:lvl9pPr>
   </p:defaultTextStyle>
+  <p:extLst>
+    <p:ext uri="{EFAFB233-063F-42B5-8137-9DF3F51BA10A}">
+      <p15:sldGuideLst xmlns:p15="http://schemas.microsoft.com/office/powerpoint/2012/main"/>
+    </p:ext>
+  </p:extLst>
 </p:presentation>
 </file>
 
 <file path=ppt/charts/chart1.xml><?xml version="1.0" encoding="utf-8"?>
 <c:chartSpace xmlns:c="http://schemas.openxmlformats.org/drawingml/2006/chart" xmlns:a="http://schemas.openxmlformats.org/drawingml/2006/main" xmlns:r="http://schemas.openxmlformats.org/officeDocument/2006/relationships" xmlns:c16r2="http://schemas.microsoft.com/office/drawing/2015/06/chart">
   <c:date1904 val="0"/>
-  <c:lang val="en-US"/>
+  <c:lang val="pt-PT"/>
   <c:roundedCorners val="0"/>
   <mc:AlternateContent xmlns:mc="http://schemas.openxmlformats.org/markup-compatibility/2006">
     <mc:Choice xmlns:c14="http://schemas.microsoft.com/office/drawing/2007/8/2/chart" Requires="c14">
@@ -178,7 +183,7 @@
               <a:cs typeface="+mn-cs"/>
             </a:defRPr>
           </a:pPr>
-          <a:endParaRPr lang="en-US"/>
+          <a:endParaRPr lang="pt-PT"/>
         </a:p>
       </c:txPr>
     </c:title>
@@ -389,7 +394,7 @@
                 <a:cs typeface="+mn-cs"/>
               </a:defRPr>
             </a:pPr>
-            <a:endParaRPr lang="en-US"/>
+            <a:endParaRPr lang="pt-PT"/>
           </a:p>
         </c:txPr>
         <c:crossAx val="109778767"/>
@@ -448,7 +453,7 @@
                 <a:cs typeface="+mn-cs"/>
               </a:defRPr>
             </a:pPr>
-            <a:endParaRPr lang="en-US"/>
+            <a:endParaRPr lang="pt-PT"/>
           </a:p>
         </c:txPr>
         <c:crossAx val="109254431"/>
@@ -490,7 +495,7 @@
               <a:cs typeface="+mn-cs"/>
             </a:defRPr>
           </a:pPr>
-          <a:endParaRPr lang="en-US"/>
+          <a:endParaRPr lang="pt-PT"/>
         </a:p>
       </c:txPr>
     </c:legend>
@@ -519,7 +524,7 @@
       <a:pPr>
         <a:defRPr/>
       </a:pPr>
-      <a:endParaRPr lang="en-US"/>
+      <a:endParaRPr lang="pt-PT"/>
     </a:p>
   </c:txPr>
   <c:externalData r:id="rId3">
@@ -531,7 +536,7 @@
 <file path=ppt/charts/chart2.xml><?xml version="1.0" encoding="utf-8"?>
 <c:chartSpace xmlns:c="http://schemas.openxmlformats.org/drawingml/2006/chart" xmlns:a="http://schemas.openxmlformats.org/drawingml/2006/main" xmlns:r="http://schemas.openxmlformats.org/officeDocument/2006/relationships" xmlns:c16r2="http://schemas.microsoft.com/office/drawing/2015/06/chart">
   <c:date1904 val="0"/>
-  <c:lang val="en-US"/>
+  <c:lang val="pt-PT"/>
   <c:roundedCorners val="0"/>
   <mc:AlternateContent xmlns:mc="http://schemas.openxmlformats.org/markup-compatibility/2006">
     <mc:Choice xmlns:c14="http://schemas.microsoft.com/office/drawing/2007/8/2/chart" Requires="c14">
@@ -593,7 +598,7 @@
               <a:cs typeface="+mn-cs"/>
             </a:defRPr>
           </a:pPr>
-          <a:endParaRPr lang="en-US"/>
+          <a:endParaRPr lang="pt-PT"/>
         </a:p>
       </c:txPr>
     </c:title>
@@ -878,7 +883,7 @@
                 <a:cs typeface="+mn-cs"/>
               </a:defRPr>
             </a:pPr>
-            <a:endParaRPr lang="en-US"/>
+            <a:endParaRPr lang="pt-PT"/>
           </a:p>
         </c:txPr>
         <c:crossAx val="109778767"/>
@@ -937,7 +942,7 @@
                 <a:cs typeface="+mn-cs"/>
               </a:defRPr>
             </a:pPr>
-            <a:endParaRPr lang="en-US"/>
+            <a:endParaRPr lang="pt-PT"/>
           </a:p>
         </c:txPr>
         <c:crossAx val="109254431"/>
@@ -979,7 +984,7 @@
               <a:cs typeface="+mn-cs"/>
             </a:defRPr>
           </a:pPr>
-          <a:endParaRPr lang="en-US"/>
+          <a:endParaRPr lang="pt-PT"/>
         </a:p>
       </c:txPr>
     </c:legend>
@@ -1008,7 +1013,7 @@
       <a:pPr>
         <a:defRPr/>
       </a:pPr>
-      <a:endParaRPr lang="en-US"/>
+      <a:endParaRPr lang="pt-PT"/>
     </a:p>
   </c:txPr>
   <c:externalData r:id="rId3">
@@ -1020,7 +1025,7 @@
 <file path=ppt/charts/chart3.xml><?xml version="1.0" encoding="utf-8"?>
 <c:chartSpace xmlns:c="http://schemas.openxmlformats.org/drawingml/2006/chart" xmlns:a="http://schemas.openxmlformats.org/drawingml/2006/main" xmlns:r="http://schemas.openxmlformats.org/officeDocument/2006/relationships" xmlns:c16r2="http://schemas.microsoft.com/office/drawing/2015/06/chart">
   <c:date1904 val="0"/>
-  <c:lang val="en-US"/>
+  <c:lang val="pt-PT"/>
   <c:roundedCorners val="0"/>
   <mc:AlternateContent xmlns:mc="http://schemas.openxmlformats.org/markup-compatibility/2006">
     <mc:Choice xmlns:c14="http://schemas.microsoft.com/office/drawing/2007/8/2/chart" Requires="c14">
@@ -1082,7 +1087,7 @@
               <a:cs typeface="+mn-cs"/>
             </a:defRPr>
           </a:pPr>
-          <a:endParaRPr lang="en-US"/>
+          <a:endParaRPr lang="pt-PT"/>
         </a:p>
       </c:txPr>
     </c:title>
@@ -1359,7 +1364,7 @@
                 <a:cs typeface="+mn-cs"/>
               </a:defRPr>
             </a:pPr>
-            <a:endParaRPr lang="en-US"/>
+            <a:endParaRPr lang="pt-PT"/>
           </a:p>
         </c:txPr>
         <c:crossAx val="109778767"/>
@@ -1418,7 +1423,7 @@
                 <a:cs typeface="+mn-cs"/>
               </a:defRPr>
             </a:pPr>
-            <a:endParaRPr lang="en-US"/>
+            <a:endParaRPr lang="pt-PT"/>
           </a:p>
         </c:txPr>
         <c:crossAx val="109254431"/>
@@ -1460,7 +1465,7 @@
               <a:cs typeface="+mn-cs"/>
             </a:defRPr>
           </a:pPr>
-          <a:endParaRPr lang="en-US"/>
+          <a:endParaRPr lang="pt-PT"/>
         </a:p>
       </c:txPr>
     </c:legend>
@@ -1489,7 +1494,7 @@
       <a:pPr>
         <a:defRPr/>
       </a:pPr>
-      <a:endParaRPr lang="en-US"/>
+      <a:endParaRPr lang="pt-PT"/>
     </a:p>
   </c:txPr>
   <c:externalData r:id="rId3">
@@ -1501,7 +1506,7 @@
 <file path=ppt/charts/chart4.xml><?xml version="1.0" encoding="utf-8"?>
 <c:chartSpace xmlns:c="http://schemas.openxmlformats.org/drawingml/2006/chart" xmlns:a="http://schemas.openxmlformats.org/drawingml/2006/main" xmlns:r="http://schemas.openxmlformats.org/officeDocument/2006/relationships" xmlns:c16r2="http://schemas.microsoft.com/office/drawing/2015/06/chart">
   <c:date1904 val="0"/>
-  <c:lang val="en-US"/>
+  <c:lang val="pt-PT"/>
   <c:roundedCorners val="0"/>
   <mc:AlternateContent xmlns:mc="http://schemas.openxmlformats.org/markup-compatibility/2006">
     <mc:Choice xmlns:c14="http://schemas.microsoft.com/office/drawing/2007/8/2/chart" Requires="c14">
@@ -1563,7 +1568,7 @@
               <a:cs typeface="+mn-cs"/>
             </a:defRPr>
           </a:pPr>
-          <a:endParaRPr lang="en-US"/>
+          <a:endParaRPr lang="pt-PT"/>
         </a:p>
       </c:txPr>
     </c:title>
@@ -1786,7 +1791,7 @@
                 <a:cs typeface="+mn-cs"/>
               </a:defRPr>
             </a:pPr>
-            <a:endParaRPr lang="en-US"/>
+            <a:endParaRPr lang="pt-PT"/>
           </a:p>
         </c:txPr>
         <c:crossAx val="109778767"/>
@@ -1847,7 +1852,7 @@
                 <a:cs typeface="+mn-cs"/>
               </a:defRPr>
             </a:pPr>
-            <a:endParaRPr lang="en-US"/>
+            <a:endParaRPr lang="pt-PT"/>
           </a:p>
         </c:txPr>
         <c:crossAx val="109254431"/>
@@ -1889,7 +1894,7 @@
               <a:cs typeface="+mn-cs"/>
             </a:defRPr>
           </a:pPr>
-          <a:endParaRPr lang="en-US"/>
+          <a:endParaRPr lang="pt-PT"/>
         </a:p>
       </c:txPr>
     </c:legend>
@@ -1918,7 +1923,7 @@
       <a:pPr>
         <a:defRPr/>
       </a:pPr>
-      <a:endParaRPr lang="en-US"/>
+      <a:endParaRPr lang="pt-PT"/>
     </a:p>
   </c:txPr>
   <c:externalData r:id="rId3">
@@ -4297,7 +4302,7 @@
           <a:lstStyle/>
           <a:p>
             <a:fld id="{83F8789F-F040-1246-9F38-E63023A0164B}" type="datetimeFigureOut">
-              <a:t>10/3/24</a:t>
+              <a:t>04/10/2024</a:t>
             </a:fld>
             <a:endParaRPr lang="en-US"/>
           </a:p>
@@ -4350,7 +4355,7 @@
           <a:lstStyle/>
           <a:p>
             <a:fld id="{68C28C03-D10A-AE46-9567-8D9AA2376AB0}" type="slidenum">
-              <a:t>‹#›</a:t>
+              <a:t>‹nº›</a:t>
             </a:fld>
             <a:endParaRPr lang="en-US"/>
           </a:p>
@@ -4493,7 +4498,7 @@
           <a:lstStyle/>
           <a:p>
             <a:fld id="{83F8789F-F040-1246-9F38-E63023A0164B}" type="datetimeFigureOut">
-              <a:t>10/3/24</a:t>
+              <a:t>04/10/2024</a:t>
             </a:fld>
             <a:endParaRPr lang="en-US"/>
           </a:p>
@@ -4546,7 +4551,7 @@
           <a:lstStyle/>
           <a:p>
             <a:fld id="{68C28C03-D10A-AE46-9567-8D9AA2376AB0}" type="slidenum">
-              <a:t>‹#›</a:t>
+              <a:t>‹nº›</a:t>
             </a:fld>
             <a:endParaRPr lang="en-US"/>
           </a:p>
@@ -4699,7 +4704,7 @@
           <a:lstStyle/>
           <a:p>
             <a:fld id="{83F8789F-F040-1246-9F38-E63023A0164B}" type="datetimeFigureOut">
-              <a:t>10/3/24</a:t>
+              <a:t>04/10/2024</a:t>
             </a:fld>
             <a:endParaRPr lang="en-US"/>
           </a:p>
@@ -4752,7 +4757,7 @@
           <a:lstStyle/>
           <a:p>
             <a:fld id="{68C28C03-D10A-AE46-9567-8D9AA2376AB0}" type="slidenum">
-              <a:t>‹#›</a:t>
+              <a:t>‹nº›</a:t>
             </a:fld>
             <a:endParaRPr lang="en-US"/>
           </a:p>
@@ -4895,7 +4900,7 @@
           <a:lstStyle/>
           <a:p>
             <a:fld id="{83F8789F-F040-1246-9F38-E63023A0164B}" type="datetimeFigureOut">
-              <a:t>10/3/24</a:t>
+              <a:t>04/10/2024</a:t>
             </a:fld>
             <a:endParaRPr lang="en-US"/>
           </a:p>
@@ -4948,7 +4953,7 @@
           <a:lstStyle/>
           <a:p>
             <a:fld id="{68C28C03-D10A-AE46-9567-8D9AA2376AB0}" type="slidenum">
-              <a:t>‹#›</a:t>
+              <a:t>‹nº›</a:t>
             </a:fld>
             <a:endParaRPr lang="en-US"/>
           </a:p>
@@ -5168,7 +5173,7 @@
           <a:lstStyle/>
           <a:p>
             <a:fld id="{83F8789F-F040-1246-9F38-E63023A0164B}" type="datetimeFigureOut">
-              <a:t>10/3/24</a:t>
+              <a:t>04/10/2024</a:t>
             </a:fld>
             <a:endParaRPr lang="en-US"/>
           </a:p>
@@ -5221,7 +5226,7 @@
           <a:lstStyle/>
           <a:p>
             <a:fld id="{68C28C03-D10A-AE46-9567-8D9AA2376AB0}" type="slidenum">
-              <a:t>‹#›</a:t>
+              <a:t>‹nº›</a:t>
             </a:fld>
             <a:endParaRPr lang="en-US"/>
           </a:p>
@@ -5431,7 +5436,7 @@
           <a:lstStyle/>
           <a:p>
             <a:fld id="{83F8789F-F040-1246-9F38-E63023A0164B}" type="datetimeFigureOut">
-              <a:t>10/3/24</a:t>
+              <a:t>04/10/2024</a:t>
             </a:fld>
             <a:endParaRPr lang="en-US"/>
           </a:p>
@@ -5484,7 +5489,7 @@
           <a:lstStyle/>
           <a:p>
             <a:fld id="{68C28C03-D10A-AE46-9567-8D9AA2376AB0}" type="slidenum">
-              <a:t>‹#›</a:t>
+              <a:t>‹nº›</a:t>
             </a:fld>
             <a:endParaRPr lang="en-US"/>
           </a:p>
@@ -5841,7 +5846,7 @@
           <a:lstStyle/>
           <a:p>
             <a:fld id="{83F8789F-F040-1246-9F38-E63023A0164B}" type="datetimeFigureOut">
-              <a:t>10/3/24</a:t>
+              <a:t>04/10/2024</a:t>
             </a:fld>
             <a:endParaRPr lang="en-US"/>
           </a:p>
@@ -5894,7 +5899,7 @@
           <a:lstStyle/>
           <a:p>
             <a:fld id="{68C28C03-D10A-AE46-9567-8D9AA2376AB0}" type="slidenum">
-              <a:t>‹#›</a:t>
+              <a:t>‹nº›</a:t>
             </a:fld>
             <a:endParaRPr lang="en-US"/>
           </a:p>
@@ -5980,7 +5985,7 @@
           <a:lstStyle/>
           <a:p>
             <a:fld id="{83F8789F-F040-1246-9F38-E63023A0164B}" type="datetimeFigureOut">
-              <a:t>10/3/24</a:t>
+              <a:t>04/10/2024</a:t>
             </a:fld>
             <a:endParaRPr lang="en-US"/>
           </a:p>
@@ -6033,7 +6038,7 @@
           <a:lstStyle/>
           <a:p>
             <a:fld id="{68C28C03-D10A-AE46-9567-8D9AA2376AB0}" type="slidenum">
-              <a:t>‹#›</a:t>
+              <a:t>‹nº›</a:t>
             </a:fld>
             <a:endParaRPr lang="en-US"/>
           </a:p>
@@ -6091,7 +6096,7 @@
           <a:lstStyle/>
           <a:p>
             <a:fld id="{83F8789F-F040-1246-9F38-E63023A0164B}" type="datetimeFigureOut">
-              <a:t>10/3/24</a:t>
+              <a:t>04/10/2024</a:t>
             </a:fld>
             <a:endParaRPr lang="en-US"/>
           </a:p>
@@ -6144,7 +6149,7 @@
           <a:lstStyle/>
           <a:p>
             <a:fld id="{68C28C03-D10A-AE46-9567-8D9AA2376AB0}" type="slidenum">
-              <a:t>‹#›</a:t>
+              <a:t>‹nº›</a:t>
             </a:fld>
             <a:endParaRPr lang="en-US"/>
           </a:p>
@@ -6400,7 +6405,7 @@
           <a:lstStyle/>
           <a:p>
             <a:fld id="{83F8789F-F040-1246-9F38-E63023A0164B}" type="datetimeFigureOut">
-              <a:t>10/3/24</a:t>
+              <a:t>04/10/2024</a:t>
             </a:fld>
             <a:endParaRPr lang="en-US"/>
           </a:p>
@@ -6453,7 +6458,7 @@
           <a:lstStyle/>
           <a:p>
             <a:fld id="{68C28C03-D10A-AE46-9567-8D9AA2376AB0}" type="slidenum">
-              <a:t>‹#›</a:t>
+              <a:t>‹nº›</a:t>
             </a:fld>
             <a:endParaRPr lang="en-US"/>
           </a:p>
@@ -6686,7 +6691,7 @@
           <a:lstStyle/>
           <a:p>
             <a:fld id="{83F8789F-F040-1246-9F38-E63023A0164B}" type="datetimeFigureOut">
-              <a:t>10/3/24</a:t>
+              <a:t>04/10/2024</a:t>
             </a:fld>
             <a:endParaRPr lang="en-US"/>
           </a:p>
@@ -6739,7 +6744,7 @@
           <a:lstStyle/>
           <a:p>
             <a:fld id="{68C28C03-D10A-AE46-9567-8D9AA2376AB0}" type="slidenum">
-              <a:t>‹#›</a:t>
+              <a:t>‹nº›</a:t>
             </a:fld>
             <a:endParaRPr lang="en-US"/>
           </a:p>
@@ -6925,7 +6930,7 @@
           </a:lstStyle>
           <a:p>
             <a:fld id="{83F8789F-F040-1246-9F38-E63023A0164B}" type="datetimeFigureOut">
-              <a:t>10/3/24</a:t>
+              <a:t>04/10/2024</a:t>
             </a:fld>
             <a:endParaRPr lang="en-US"/>
           </a:p>
@@ -7014,7 +7019,7 @@
           </a:lstStyle>
           <a:p>
             <a:fld id="{68C28C03-D10A-AE46-9567-8D9AA2376AB0}" type="slidenum">
-              <a:t>‹#›</a:t>
+              <a:t>‹nº›</a:t>
             </a:fld>
             <a:endParaRPr lang="en-US"/>
           </a:p>
@@ -7343,10 +7348,273 @@
       </p:grpSpPr>
       <p:sp>
         <p:nvSpPr>
-          <p:cNvPr id="2" name="Title 1">
+          <p:cNvPr id="2" name="Title 1"/>
+          <p:cNvSpPr>
+            <a:spLocks noGrp="1"/>
+          </p:cNvSpPr>
+          <p:nvPr>
+            <p:ph type="title"/>
+          </p:nvPr>
+        </p:nvSpPr>
+        <p:spPr/>
+        <p:txBody>
+          <a:bodyPr/>
+          <a:lstStyle/>
+          <a:p>
+            <a:pPr algn="ctr"/>
+            <a:r>
+              <a:rPr lang="pt-PT" sz="1800" dirty="0" err="1">
+                <a:solidFill>
+                  <a:srgbClr val="32C3FF"/>
+                </a:solidFill>
+                <a:latin typeface="+mn-lt"/>
+                <a:ea typeface="+mn-ea"/>
+                <a:cs typeface="+mn-cs"/>
+              </a:rPr>
+              <a:t>The</a:t>
+            </a:r>
+            <a:r>
+              <a:rPr lang="pt-PT" sz="1800" dirty="0">
+                <a:solidFill>
+                  <a:srgbClr val="32C3FF"/>
+                </a:solidFill>
+                <a:latin typeface="+mn-lt"/>
+                <a:ea typeface="+mn-ea"/>
+                <a:cs typeface="+mn-cs"/>
+              </a:rPr>
+              <a:t> </a:t>
+            </a:r>
+            <a:r>
+              <a:rPr lang="pt-PT" sz="1800" dirty="0" err="1">
+                <a:solidFill>
+                  <a:srgbClr val="32C3FF"/>
+                </a:solidFill>
+                <a:latin typeface="+mn-lt"/>
+                <a:ea typeface="+mn-ea"/>
+                <a:cs typeface="+mn-cs"/>
+              </a:rPr>
+              <a:t>fabulous</a:t>
+            </a:r>
+            <a:r>
+              <a:rPr lang="pt-PT" sz="1800" dirty="0">
+                <a:solidFill>
+                  <a:srgbClr val="32C3FF"/>
+                </a:solidFill>
+                <a:latin typeface="+mn-lt"/>
+                <a:ea typeface="+mn-ea"/>
+                <a:cs typeface="+mn-cs"/>
+              </a:rPr>
+              <a:t> G5</a:t>
+            </a:r>
+            <a:endParaRPr sz="1800" dirty="0">
+              <a:solidFill>
+                <a:srgbClr val="32C3FF"/>
+              </a:solidFill>
+              <a:latin typeface="+mn-lt"/>
+              <a:ea typeface="+mn-ea"/>
+              <a:cs typeface="+mn-cs"/>
+            </a:endParaRPr>
+          </a:p>
+        </p:txBody>
+      </p:sp>
+      <p:pic>
+        <p:nvPicPr>
+          <p:cNvPr id="5" name="Imagem 4">
             <a:extLst>
               <a:ext uri="{FF2B5EF4-FFF2-40B4-BE49-F238E27FC236}">
-                <a16:creationId xmlns:a16="http://schemas.microsoft.com/office/drawing/2014/main" id="{C8912072-214B-34B9-0483-263E7F504A87}"/>
+                <a16:creationId xmlns:a16="http://schemas.microsoft.com/office/drawing/2014/main" id="{9A179358-77E6-8CC1-CE18-88C62392F68D}"/>
+              </a:ext>
+            </a:extLst>
+          </p:cNvPr>
+          <p:cNvPicPr>
+            <a:picLocks noChangeAspect="1"/>
+          </p:cNvPicPr>
+          <p:nvPr/>
+        </p:nvPicPr>
+        <p:blipFill>
+          <a:blip r:embed="rId2"/>
+          <a:stretch>
+            <a:fillRect/>
+          </a:stretch>
+        </p:blipFill>
+        <p:spPr>
+          <a:xfrm>
+            <a:off x="5416296" y="2546763"/>
+            <a:ext cx="1828800" cy="1828800"/>
+          </a:xfrm>
+          <a:prstGeom prst="ellipse">
+            <a:avLst/>
+          </a:prstGeom>
+          <a:ln w="63500" cap="rnd">
+            <a:solidFill>
+              <a:schemeClr val="bg1"/>
+            </a:solidFill>
+          </a:ln>
+          <a:effectLst>
+            <a:outerShdw blurRad="381000" dist="292100" dir="5400000" sx="-80000" sy="-18000" rotWithShape="0">
+              <a:srgbClr val="000000">
+                <a:alpha val="22000"/>
+              </a:srgbClr>
+            </a:outerShdw>
+          </a:effectLst>
+          <a:scene3d>
+            <a:camera prst="orthographicFront"/>
+            <a:lightRig rig="contrasting" dir="t">
+              <a:rot lat="0" lon="0" rev="3000000"/>
+            </a:lightRig>
+          </a:scene3d>
+          <a:sp3d contourW="7620">
+            <a:bevelT w="95250" h="31750"/>
+            <a:contourClr>
+              <a:srgbClr val="333333"/>
+            </a:contourClr>
+          </a:sp3d>
+        </p:spPr>
+      </p:pic>
+      <p:sp>
+        <p:nvSpPr>
+          <p:cNvPr id="8" name="CaixaDeTexto 7">
+            <a:extLst>
+              <a:ext uri="{FF2B5EF4-FFF2-40B4-BE49-F238E27FC236}">
+                <a16:creationId xmlns:a16="http://schemas.microsoft.com/office/drawing/2014/main" id="{0E802480-A68C-C828-2C8E-BD13DD8A3C23}"/>
+              </a:ext>
+            </a:extLst>
+          </p:cNvPr>
+          <p:cNvSpPr txBox="1"/>
+          <p:nvPr/>
+        </p:nvSpPr>
+        <p:spPr>
+          <a:xfrm>
+            <a:off x="8526780" y="4549194"/>
+            <a:ext cx="1828800" cy="369332"/>
+          </a:xfrm>
+          <a:prstGeom prst="rect">
+            <a:avLst/>
+          </a:prstGeom>
+          <a:noFill/>
+        </p:spPr>
+        <p:txBody>
+          <a:bodyPr wrap="square" rtlCol="0">
+            <a:spAutoFit/>
+          </a:bodyPr>
+          <a:lstStyle/>
+          <a:p>
+            <a:r>
+              <a:rPr lang="pt-PT" dirty="0" err="1">
+                <a:solidFill>
+                  <a:srgbClr val="32C3FF"/>
+                </a:solidFill>
+              </a:rPr>
+              <a:t>Karthik</a:t>
+            </a:r>
+            <a:endParaRPr lang="pt-PT" dirty="0">
+              <a:solidFill>
+                <a:srgbClr val="32C3FF"/>
+              </a:solidFill>
+            </a:endParaRPr>
+          </a:p>
+        </p:txBody>
+      </p:sp>
+      <p:sp>
+        <p:nvSpPr>
+          <p:cNvPr id="10" name="CaixaDeTexto 9">
+            <a:extLst>
+              <a:ext uri="{FF2B5EF4-FFF2-40B4-BE49-F238E27FC236}">
+                <a16:creationId xmlns:a16="http://schemas.microsoft.com/office/drawing/2014/main" id="{E6425457-F38D-6BF9-92D2-52230B132A01}"/>
+              </a:ext>
+            </a:extLst>
+          </p:cNvPr>
+          <p:cNvSpPr txBox="1"/>
+          <p:nvPr/>
+        </p:nvSpPr>
+        <p:spPr>
+          <a:xfrm>
+            <a:off x="5416296" y="4581880"/>
+            <a:ext cx="1828800" cy="369332"/>
+          </a:xfrm>
+          <a:prstGeom prst="rect">
+            <a:avLst/>
+          </a:prstGeom>
+          <a:noFill/>
+        </p:spPr>
+        <p:txBody>
+          <a:bodyPr wrap="square" rtlCol="0">
+            <a:spAutoFit/>
+          </a:bodyPr>
+          <a:lstStyle/>
+          <a:p>
+            <a:r>
+              <a:rPr lang="pt-PT" dirty="0">
+                <a:solidFill>
+                  <a:srgbClr val="32C3FF"/>
+                </a:solidFill>
+              </a:rPr>
+              <a:t>Mónia Gomes</a:t>
+            </a:r>
+          </a:p>
+        </p:txBody>
+      </p:sp>
+      <p:sp>
+        <p:nvSpPr>
+          <p:cNvPr id="11" name="CaixaDeTexto 10">
+            <a:extLst>
+              <a:ext uri="{FF2B5EF4-FFF2-40B4-BE49-F238E27FC236}">
+                <a16:creationId xmlns:a16="http://schemas.microsoft.com/office/drawing/2014/main" id="{34343FF2-65D1-4942-1E31-B4B96E38F45D}"/>
+              </a:ext>
+            </a:extLst>
+          </p:cNvPr>
+          <p:cNvSpPr txBox="1"/>
+          <p:nvPr/>
+        </p:nvSpPr>
+        <p:spPr>
+          <a:xfrm>
+            <a:off x="2299716" y="4549194"/>
+            <a:ext cx="1828800" cy="369332"/>
+          </a:xfrm>
+          <a:prstGeom prst="rect">
+            <a:avLst/>
+          </a:prstGeom>
+          <a:noFill/>
+        </p:spPr>
+        <p:txBody>
+          <a:bodyPr wrap="square" rtlCol="0">
+            <a:spAutoFit/>
+          </a:bodyPr>
+          <a:lstStyle/>
+          <a:p>
+            <a:r>
+              <a:rPr lang="pt-PT" dirty="0">
+                <a:solidFill>
+                  <a:srgbClr val="32C3FF"/>
+                </a:solidFill>
+              </a:rPr>
+              <a:t>Javi </a:t>
+            </a:r>
+            <a:r>
+              <a:rPr lang="pt-PT" dirty="0" err="1">
+                <a:solidFill>
+                  <a:srgbClr val="32C3FF"/>
+                </a:solidFill>
+              </a:rPr>
+              <a:t>Ansoleaga</a:t>
+            </a:r>
+            <a:r>
+              <a:rPr lang="pt-PT" dirty="0">
+                <a:solidFill>
+                  <a:srgbClr val="32C3FF"/>
+                </a:solidFill>
+              </a:rPr>
+              <a:t> </a:t>
+            </a:r>
+          </a:p>
+        </p:txBody>
+      </p:sp>
+      <p:sp>
+        <p:nvSpPr>
+          <p:cNvPr id="15" name="Marcador de Posição do Rodapé 14">
+            <a:extLst>
+              <a:ext uri="{FF2B5EF4-FFF2-40B4-BE49-F238E27FC236}">
+                <a16:creationId xmlns:a16="http://schemas.microsoft.com/office/drawing/2014/main" id="{D5E7FE57-1F3B-C194-6186-938A13E362ED}"/>
               </a:ext>
             </a:extLst>
           </p:cNvPr>
@@ -7354,7 +7622,7 @@
             <a:spLocks noGrp="1"/>
           </p:cNvSpPr>
           <p:nvPr>
-            <p:ph type="ctrTitle"/>
+            <p:ph type="ftr" sz="quarter" idx="11"/>
           </p:nvPr>
         </p:nvSpPr>
         <p:spPr/>
@@ -7363,18 +7631,22 @@
           <a:lstStyle/>
           <a:p>
             <a:r>
-              <a:rPr lang="en-US"/>
-              <a:t>Title slide</a:t>
+              <a:rPr lang="en-US" dirty="0">
+                <a:solidFill>
+                  <a:srgbClr val="32C3FF"/>
+                </a:solidFill>
+              </a:rPr>
+              <a:t>Fabulous G5</a:t>
             </a:r>
           </a:p>
         </p:txBody>
       </p:sp>
       <p:sp>
         <p:nvSpPr>
-          <p:cNvPr id="3" name="Subtitle 2">
+          <p:cNvPr id="16" name="Marcador de Posição do Número do Diapositivo 15">
             <a:extLst>
               <a:ext uri="{FF2B5EF4-FFF2-40B4-BE49-F238E27FC236}">
-                <a16:creationId xmlns:a16="http://schemas.microsoft.com/office/drawing/2014/main" id="{A0BCBB67-62C0-A220-9432-762B0C346EE6}"/>
+                <a16:creationId xmlns:a16="http://schemas.microsoft.com/office/drawing/2014/main" id="{D612389E-6037-B545-F14B-371BA38E1360}"/>
               </a:ext>
             </a:extLst>
           </p:cNvPr>
@@ -7382,7 +7654,7 @@
             <a:spLocks noGrp="1"/>
           </p:cNvSpPr>
           <p:nvPr>
-            <p:ph type="subTitle" idx="1"/>
+            <p:ph type="sldNum" sz="quarter" idx="12"/>
           </p:nvPr>
         </p:nvSpPr>
         <p:spPr/>
@@ -7390,19 +7662,15 @@
           <a:bodyPr/>
           <a:lstStyle/>
           <a:p>
-            <a:r>
-              <a:rPr lang="en-US"/>
-              <a:t>Group name and members</a:t>
-            </a:r>
+            <a:fld id="{C1FF6DA9-008F-8B48-92A6-B652298478BF}" type="slidenum">
+              <a:rPr lang="en-US" smtClean="0"/>
+              <a:t>1</a:t>
+            </a:fld>
+            <a:endParaRPr lang="en-US"/>
           </a:p>
         </p:txBody>
       </p:sp>
     </p:spTree>
-    <p:extLst>
-      <p:ext uri="{BB962C8B-B14F-4D97-AF65-F5344CB8AC3E}">
-        <p14:creationId xmlns:p14="http://schemas.microsoft.com/office/powerpoint/2010/main" val="2735999561"/>
-      </p:ext>
-    </p:extLst>
   </p:cSld>
   <p:clrMapOvr>
     <a:masterClrMapping/>
@@ -7482,25 +7750,25 @@
           <a:lstStyle/>
           <a:p>
             <a:r>
-              <a:rPr lang="en-US"/>
+              <a:rPr lang="en-US" dirty="0"/>
               <a:t>Final result (i.e. accuracy achieved) </a:t>
             </a:r>
           </a:p>
           <a:p>
             <a:r>
-              <a:rPr lang="en-US"/>
+              <a:rPr lang="en-US" dirty="0"/>
               <a:t>Model used</a:t>
             </a:r>
           </a:p>
           <a:p>
             <a:r>
-              <a:rPr lang="en-US"/>
+              <a:rPr lang="en-US" dirty="0"/>
               <a:t>Quick recap of alternatives considered</a:t>
             </a:r>
           </a:p>
           <a:p>
             <a:r>
-              <a:rPr lang="en-US"/>
+              <a:rPr lang="en-US" dirty="0"/>
               <a:t>Other important methodology or considerations</a:t>
             </a:r>
           </a:p>

--- a/NLP Project - G5.pptx
+++ b/NLP Project - G5.pptx
@@ -4,6 +4,9 @@
   <p:sldMasterIdLst>
     <p:sldMasterId id="2147483648" r:id="rId1"/>
   </p:sldMasterIdLst>
+  <p:notesMasterIdLst>
+    <p:notesMasterId r:id="rId9"/>
+  </p:notesMasterIdLst>
   <p:sldIdLst>
     <p:sldId id="263" r:id="rId2"/>
     <p:sldId id="257" r:id="rId3"/>
@@ -135,135 +138,100 @@
     <c:title>
       <c:tx>
         <c:rich>
-          <a:bodyPr rot="0" spcFirstLastPara="1" vertOverflow="ellipsis" vert="horz" wrap="square" anchor="ctr" anchorCtr="1"/>
+          <a:bodyPr/>
           <a:lstStyle/>
           <a:p>
             <a:pPr>
-              <a:defRPr sz="1862" b="0" i="0" u="none" strike="noStrike" kern="1200" spc="0" baseline="0">
-                <a:solidFill>
-                  <a:schemeClr val="tx1">
-                    <a:lumMod val="65000"/>
-                    <a:lumOff val="35000"/>
-                  </a:schemeClr>
-                </a:solidFill>
-                <a:latin typeface="+mn-lt"/>
-                <a:ea typeface="+mn-ea"/>
-                <a:cs typeface="+mn-cs"/>
-              </a:defRPr>
+              <a:defRPr/>
             </a:pPr>
             <a:r>
-              <a:rPr lang="en-US"/>
-              <a:t>Best models</a:t>
-            </a:r>
+              <a:rPr lang="de-DE" dirty="0"/>
+              <a:t>Model </a:t>
+            </a:r>
+            <a:r>
+              <a:rPr lang="de-DE" dirty="0" err="1"/>
+              <a:t>Accuracy</a:t>
+            </a:r>
+            <a:r>
+              <a:rPr lang="de-DE" baseline="0" dirty="0"/>
+              <a:t> </a:t>
+            </a:r>
+            <a:r>
+              <a:rPr lang="de-DE" baseline="0" dirty="0" err="1"/>
+              <a:t>Comparison</a:t>
+            </a:r>
+            <a:endParaRPr lang="de-DE" dirty="0"/>
           </a:p>
         </c:rich>
       </c:tx>
       <c:overlay val="0"/>
-      <c:spPr>
-        <a:noFill/>
-        <a:ln>
-          <a:noFill/>
-        </a:ln>
-        <a:effectLst/>
-      </c:spPr>
-      <c:txPr>
-        <a:bodyPr rot="0" spcFirstLastPara="1" vertOverflow="ellipsis" vert="horz" wrap="square" anchor="ctr" anchorCtr="1"/>
-        <a:lstStyle/>
-        <a:p>
-          <a:pPr>
-            <a:defRPr sz="1862" b="0" i="0" u="none" strike="noStrike" kern="1200" spc="0" baseline="0">
-              <a:solidFill>
-                <a:schemeClr val="tx1">
-                  <a:lumMod val="65000"/>
-                  <a:lumOff val="35000"/>
-                </a:schemeClr>
-              </a:solidFill>
-              <a:latin typeface="+mn-lt"/>
-              <a:ea typeface="+mn-ea"/>
-              <a:cs typeface="+mn-cs"/>
-            </a:defRPr>
-          </a:pPr>
-          <a:endParaRPr lang="pt-PT"/>
-        </a:p>
-      </c:txPr>
     </c:title>
     <c:autoTitleDeleted val="0"/>
     <c:plotArea>
       <c:layout/>
-      <c:lineChart>
-        <c:grouping val="standard"/>
+      <c:barChart>
+        <c:barDir val="col"/>
+        <c:grouping val="clustered"/>
         <c:varyColors val="0"/>
         <c:ser>
           <c:idx val="0"/>
           <c:order val="0"/>
           <c:tx>
             <c:strRef>
-              <c:f>Sheet1!$B$1</c:f>
+              <c:f>main!$D$3</c:f>
               <c:strCache>
                 <c:ptCount val="1"/>
                 <c:pt idx="0">
-                  <c:v>Preprocessing A</c:v>
+                  <c:v> Word2vec</c:v>
                 </c:pt>
               </c:strCache>
             </c:strRef>
           </c:tx>
-          <c:spPr>
-            <a:ln w="28575" cap="rnd">
-              <a:solidFill>
-                <a:schemeClr val="accent1"/>
-              </a:solidFill>
-              <a:round/>
-            </a:ln>
-            <a:effectLst/>
-          </c:spPr>
-          <c:marker>
-            <c:symbol val="none"/>
-          </c:marker>
+          <c:invertIfNegative val="0"/>
           <c:cat>
             <c:strRef>
-              <c:f>Sheet1!$A$2:$A$5</c:f>
+              <c:f>main!$C$4:$C$7</c:f>
               <c:strCache>
                 <c:ptCount val="4"/>
                 <c:pt idx="0">
-                  <c:v>Model 1</c:v>
+                  <c:v>XGBoost</c:v>
                 </c:pt>
                 <c:pt idx="1">
-                  <c:v>Model 2</c:v>
+                  <c:v>Naive Bayes</c:v>
                 </c:pt>
                 <c:pt idx="2">
-                  <c:v>Model 3</c:v>
+                  <c:v>LogR</c:v>
                 </c:pt>
                 <c:pt idx="3">
-                  <c:v>Model 4</c:v>
+                  <c:v>SVM</c:v>
                 </c:pt>
               </c:strCache>
             </c:strRef>
           </c:cat>
           <c:val>
             <c:numRef>
-              <c:f>Sheet1!$B$2:$B$5</c:f>
+              <c:f>main!$D$4:$D$7</c:f>
               <c:numCache>
                 <c:formatCode>General</c:formatCode>
                 <c:ptCount val="4"/>
                 <c:pt idx="0">
-                  <c:v>75</c:v>
+                  <c:v>0.83599999999999997</c:v>
                 </c:pt>
                 <c:pt idx="1">
-                  <c:v>70</c:v>
+                  <c:v>0.83899999999999997</c:v>
                 </c:pt>
                 <c:pt idx="2">
-                  <c:v>80</c:v>
+                  <c:v>0.8962</c:v>
                 </c:pt>
                 <c:pt idx="3">
-                  <c:v>84</c:v>
+                  <c:v>0.80259999999999998</c:v>
                 </c:pt>
               </c:numCache>
             </c:numRef>
           </c:val>
-          <c:smooth val="0"/>
           <c:extLst>
             <c:ext xmlns:c16="http://schemas.microsoft.com/office/drawing/2014/chart" uri="{C3380CC4-5D6E-409C-BE32-E72D297353CC}">
-              <c16:uniqueId val="{00000000-B4F6-8B4F-B359-7E3DEF79D9F1}"/>
+              <c16:uniqueId val="{00000000-3F3D-452D-99FF-6BE7A9FD722D}"/>
             </c:ext>
           </c:extLst>
         </c:ser>
@@ -272,72 +240,143 @@
           <c:order val="1"/>
           <c:tx>
             <c:strRef>
-              <c:f>Sheet1!$C$1</c:f>
+              <c:f>main!$E$3</c:f>
               <c:strCache>
                 <c:ptCount val="1"/>
                 <c:pt idx="0">
-                  <c:v>Preprocessing B</c:v>
+                  <c:v>BoW</c:v>
                 </c:pt>
               </c:strCache>
             </c:strRef>
           </c:tx>
-          <c:spPr>
-            <a:ln w="28575" cap="rnd">
-              <a:solidFill>
-                <a:schemeClr val="accent2"/>
-              </a:solidFill>
-              <a:round/>
-            </a:ln>
-            <a:effectLst/>
-          </c:spPr>
-          <c:marker>
-            <c:symbol val="none"/>
-          </c:marker>
+          <c:invertIfNegative val="0"/>
           <c:cat>
             <c:strRef>
-              <c:f>Sheet1!$A$2:$A$5</c:f>
+              <c:f>main!$C$4:$C$7</c:f>
               <c:strCache>
                 <c:ptCount val="4"/>
                 <c:pt idx="0">
-                  <c:v>Model 1</c:v>
+                  <c:v>XGBoost</c:v>
                 </c:pt>
                 <c:pt idx="1">
-                  <c:v>Model 2</c:v>
+                  <c:v>Naive Bayes</c:v>
                 </c:pt>
                 <c:pt idx="2">
-                  <c:v>Model 3</c:v>
+                  <c:v>LogR</c:v>
                 </c:pt>
                 <c:pt idx="3">
-                  <c:v>Model 4</c:v>
+                  <c:v>SVM</c:v>
                 </c:pt>
               </c:strCache>
             </c:strRef>
           </c:cat>
           <c:val>
             <c:numRef>
-              <c:f>Sheet1!$C$2:$C$5</c:f>
+              <c:f>main!$E$4:$E$7</c:f>
               <c:numCache>
                 <c:formatCode>General</c:formatCode>
                 <c:ptCount val="4"/>
                 <c:pt idx="0">
-                  <c:v>85</c:v>
+                  <c:v>0.90839999999999999</c:v>
                 </c:pt>
                 <c:pt idx="1">
-                  <c:v>93</c:v>
+                  <c:v>0.91790000000000005</c:v>
                 </c:pt>
                 <c:pt idx="2">
-                  <c:v>98</c:v>
+                  <c:v>0.92679999999999996</c:v>
                 </c:pt>
                 <c:pt idx="3">
-                  <c:v>99</c:v>
+                  <c:v>0.9264</c:v>
                 </c:pt>
               </c:numCache>
             </c:numRef>
           </c:val>
-          <c:smooth val="0"/>
           <c:extLst>
             <c:ext xmlns:c16="http://schemas.microsoft.com/office/drawing/2014/chart" uri="{C3380CC4-5D6E-409C-BE32-E72D297353CC}">
-              <c16:uniqueId val="{00000001-B4F6-8B4F-B359-7E3DEF79D9F1}"/>
+              <c16:uniqueId val="{00000001-3F3D-452D-99FF-6BE7A9FD722D}"/>
+            </c:ext>
+          </c:extLst>
+        </c:ser>
+        <c:ser>
+          <c:idx val="2"/>
+          <c:order val="2"/>
+          <c:tx>
+            <c:strRef>
+              <c:f>main!$F$3</c:f>
+              <c:strCache>
+                <c:ptCount val="1"/>
+                <c:pt idx="0">
+                  <c:v>With TFIDF</c:v>
+                </c:pt>
+              </c:strCache>
+            </c:strRef>
+          </c:tx>
+          <c:invertIfNegative val="0"/>
+          <c:dLbls>
+            <c:spPr>
+              <a:noFill/>
+              <a:ln>
+                <a:noFill/>
+              </a:ln>
+              <a:effectLst/>
+            </c:spPr>
+            <c:showLegendKey val="0"/>
+            <c:showVal val="1"/>
+            <c:showCatName val="0"/>
+            <c:showSerName val="0"/>
+            <c:showPercent val="0"/>
+            <c:showBubbleSize val="0"/>
+            <c:showLeaderLines val="0"/>
+            <c:extLst>
+              <c:ext xmlns:c15="http://schemas.microsoft.com/office/drawing/2012/chart" uri="{CE6537A1-D6FC-4f65-9D91-7224C49458BB}">
+                <c15:showLeaderLines val="0"/>
+              </c:ext>
+            </c:extLst>
+          </c:dLbls>
+          <c:cat>
+            <c:strRef>
+              <c:f>main!$C$4:$C$7</c:f>
+              <c:strCache>
+                <c:ptCount val="4"/>
+                <c:pt idx="0">
+                  <c:v>XGBoost</c:v>
+                </c:pt>
+                <c:pt idx="1">
+                  <c:v>Naive Bayes</c:v>
+                </c:pt>
+                <c:pt idx="2">
+                  <c:v>LogR</c:v>
+                </c:pt>
+                <c:pt idx="3">
+                  <c:v>SVM</c:v>
+                </c:pt>
+              </c:strCache>
+            </c:strRef>
+          </c:cat>
+          <c:val>
+            <c:numRef>
+              <c:f>main!$F$4:$F$7</c:f>
+              <c:numCache>
+                <c:formatCode>General</c:formatCode>
+                <c:ptCount val="4"/>
+                <c:pt idx="0">
+                  <c:v>0.90400000000000003</c:v>
+                </c:pt>
+                <c:pt idx="1">
+                  <c:v>0.91069999999999995</c:v>
+                </c:pt>
+                <c:pt idx="2">
+                  <c:v>0.92579999999999996</c:v>
+                </c:pt>
+                <c:pt idx="3">
+                  <c:v>0.9264</c:v>
+                </c:pt>
+              </c:numCache>
+            </c:numRef>
+          </c:val>
+          <c:extLst>
+            <c:ext xmlns:c16="http://schemas.microsoft.com/office/drawing/2014/chart" uri="{C3380CC4-5D6E-409C-BE32-E72D297353CC}">
+              <c16:uniqueId val="{00000002-3F3D-452D-99FF-6BE7A9FD722D}"/>
             </c:ext>
           </c:extLst>
         </c:ser>
@@ -349,55 +388,40 @@
           <c:showPercent val="0"/>
           <c:showBubbleSize val="0"/>
         </c:dLbls>
-        <c:smooth val="0"/>
-        <c:axId val="109254431"/>
-        <c:axId val="109778767"/>
-      </c:lineChart>
+        <c:gapWidth val="150"/>
+        <c:axId val="218051328"/>
+        <c:axId val="218052864"/>
+      </c:barChart>
       <c:catAx>
-        <c:axId val="109254431"/>
+        <c:axId val="218051328"/>
         <c:scaling>
           <c:orientation val="minMax"/>
         </c:scaling>
         <c:delete val="0"/>
         <c:axPos val="b"/>
-        <c:numFmt formatCode="General" sourceLinked="1"/>
-        <c:majorTickMark val="none"/>
+        <c:title>
+          <c:tx>
+            <c:rich>
+              <a:bodyPr/>
+              <a:lstStyle/>
+              <a:p>
+                <a:pPr>
+                  <a:defRPr sz="1200"/>
+                </a:pPr>
+                <a:r>
+                  <a:rPr lang="de-DE" sz="1200"/>
+                  <a:t>Models</a:t>
+                </a:r>
+              </a:p>
+            </c:rich>
+          </c:tx>
+          <c:overlay val="0"/>
+        </c:title>
+        <c:numFmt formatCode="General" sourceLinked="0"/>
+        <c:majorTickMark val="out"/>
         <c:minorTickMark val="none"/>
         <c:tickLblPos val="nextTo"/>
-        <c:spPr>
-          <a:noFill/>
-          <a:ln w="9525" cap="flat" cmpd="sng" algn="ctr">
-            <a:solidFill>
-              <a:schemeClr val="tx1">
-                <a:lumMod val="15000"/>
-                <a:lumOff val="85000"/>
-              </a:schemeClr>
-            </a:solidFill>
-            <a:round/>
-          </a:ln>
-          <a:effectLst/>
-        </c:spPr>
-        <c:txPr>
-          <a:bodyPr rot="-60000000" spcFirstLastPara="1" vertOverflow="ellipsis" vert="horz" wrap="square" anchor="ctr" anchorCtr="1"/>
-          <a:lstStyle/>
-          <a:p>
-            <a:pPr>
-              <a:defRPr sz="1197" b="0" i="0" u="none" strike="noStrike" kern="1200" baseline="0">
-                <a:solidFill>
-                  <a:schemeClr val="tx1">
-                    <a:lumMod val="65000"/>
-                    <a:lumOff val="35000"/>
-                  </a:schemeClr>
-                </a:solidFill>
-                <a:latin typeface="+mn-lt"/>
-                <a:ea typeface="+mn-ea"/>
-                <a:cs typeface="+mn-cs"/>
-              </a:defRPr>
-            </a:pPr>
-            <a:endParaRPr lang="pt-PT"/>
-          </a:p>
-        </c:txPr>
-        <c:crossAx val="109778767"/>
+        <c:crossAx val="218052864"/>
         <c:crosses val="autoZero"/>
         <c:auto val="1"/>
         <c:lblAlgn val="ctr"/>
@@ -405,129 +429,49 @@
         <c:noMultiLvlLbl val="0"/>
       </c:catAx>
       <c:valAx>
-        <c:axId val="109778767"/>
+        <c:axId val="218052864"/>
         <c:scaling>
           <c:orientation val="minMax"/>
         </c:scaling>
         <c:delete val="0"/>
         <c:axPos val="l"/>
-        <c:majorGridlines>
-          <c:spPr>
-            <a:ln w="9525" cap="flat" cmpd="sng" algn="ctr">
-              <a:solidFill>
-                <a:schemeClr val="tx1">
-                  <a:lumMod val="15000"/>
-                  <a:lumOff val="85000"/>
-                </a:schemeClr>
-              </a:solidFill>
-              <a:round/>
-            </a:ln>
-            <a:effectLst/>
-          </c:spPr>
-        </c:majorGridlines>
+        <c:majorGridlines/>
+        <c:title>
+          <c:tx>
+            <c:rich>
+              <a:bodyPr rot="-5400000" vert="horz"/>
+              <a:lstStyle/>
+              <a:p>
+                <a:pPr>
+                  <a:defRPr sz="1200"/>
+                </a:pPr>
+                <a:r>
+                  <a:rPr lang="de-DE" sz="1200"/>
+                  <a:t>Accuracy </a:t>
+                </a:r>
+              </a:p>
+            </c:rich>
+          </c:tx>
+          <c:overlay val="0"/>
+        </c:title>
         <c:numFmt formatCode="General" sourceLinked="1"/>
-        <c:majorTickMark val="none"/>
+        <c:majorTickMark val="out"/>
         <c:minorTickMark val="none"/>
         <c:tickLblPos val="nextTo"/>
-        <c:spPr>
-          <a:noFill/>
-          <a:ln>
-            <a:noFill/>
-          </a:ln>
-          <a:effectLst/>
-        </c:spPr>
-        <c:txPr>
-          <a:bodyPr rot="-60000000" spcFirstLastPara="1" vertOverflow="ellipsis" vert="horz" wrap="square" anchor="ctr" anchorCtr="1"/>
-          <a:lstStyle/>
-          <a:p>
-            <a:pPr>
-              <a:defRPr sz="1197" b="0" i="0" u="none" strike="noStrike" kern="1200" baseline="0">
-                <a:solidFill>
-                  <a:schemeClr val="tx1">
-                    <a:lumMod val="65000"/>
-                    <a:lumOff val="35000"/>
-                  </a:schemeClr>
-                </a:solidFill>
-                <a:latin typeface="+mn-lt"/>
-                <a:ea typeface="+mn-ea"/>
-                <a:cs typeface="+mn-cs"/>
-              </a:defRPr>
-            </a:pPr>
-            <a:endParaRPr lang="pt-PT"/>
-          </a:p>
-        </c:txPr>
-        <c:crossAx val="109254431"/>
+        <c:crossAx val="218051328"/>
         <c:crosses val="autoZero"/>
         <c:crossBetween val="between"/>
       </c:valAx>
-      <c:spPr>
-        <a:noFill/>
-        <a:ln>
-          <a:noFill/>
-        </a:ln>
-        <a:effectLst/>
-      </c:spPr>
     </c:plotArea>
     <c:legend>
-      <c:legendPos val="b"/>
+      <c:legendPos val="t"/>
       <c:overlay val="0"/>
-      <c:spPr>
-        <a:noFill/>
-        <a:ln>
-          <a:noFill/>
-        </a:ln>
-        <a:effectLst/>
-      </c:spPr>
-      <c:txPr>
-        <a:bodyPr rot="0" spcFirstLastPara="1" vertOverflow="ellipsis" vert="horz" wrap="square" anchor="ctr" anchorCtr="1"/>
-        <a:lstStyle/>
-        <a:p>
-          <a:pPr>
-            <a:defRPr sz="1197" b="0" i="0" u="none" strike="noStrike" kern="1200" baseline="0">
-              <a:solidFill>
-                <a:schemeClr val="tx1">
-                  <a:lumMod val="65000"/>
-                  <a:lumOff val="35000"/>
-                </a:schemeClr>
-              </a:solidFill>
-              <a:latin typeface="+mn-lt"/>
-              <a:ea typeface="+mn-ea"/>
-              <a:cs typeface="+mn-cs"/>
-            </a:defRPr>
-          </a:pPr>
-          <a:endParaRPr lang="pt-PT"/>
-        </a:p>
-      </c:txPr>
     </c:legend>
     <c:plotVisOnly val="1"/>
     <c:dispBlanksAs val="gap"/>
-    <c:extLst>
-      <c:ext xmlns:c16r3="http://schemas.microsoft.com/office/drawing/2017/03/chart" uri="{56B9EC1D-385E-4148-901F-78D8002777C0}">
-        <c16r3:dataDisplayOptions16>
-          <c16r3:dispNaAsBlank val="1"/>
-        </c16r3:dataDisplayOptions16>
-      </c:ext>
-    </c:extLst>
     <c:showDLblsOverMax val="0"/>
   </c:chart>
-  <c:spPr>
-    <a:noFill/>
-    <a:ln>
-      <a:noFill/>
-    </a:ln>
-    <a:effectLst/>
-  </c:spPr>
-  <c:txPr>
-    <a:bodyPr/>
-    <a:lstStyle/>
-    <a:p>
-      <a:pPr>
-        <a:defRPr/>
-      </a:pPr>
-      <a:endParaRPr lang="pt-PT"/>
-    </a:p>
-  </c:txPr>
-  <c:externalData r:id="rId3">
+  <c:externalData r:id="rId1">
     <c:autoUpdate val="0"/>
   </c:externalData>
 </c:chartSpace>
@@ -546,139 +490,97 @@
       <c:style val="2"/>
     </mc:Fallback>
   </mc:AlternateContent>
+  <c:clrMapOvr bg1="lt1" tx1="dk1" bg2="lt2" tx2="dk2" accent1="accent1" accent2="accent2" accent3="accent3" accent4="accent4" accent5="accent5" accent6="accent6" hlink="hlink" folHlink="folHlink"/>
   <c:chart>
     <c:title>
       <c:tx>
         <c:rich>
-          <a:bodyPr rot="0" spcFirstLastPara="1" vertOverflow="ellipsis" vert="horz" wrap="square" anchor="ctr" anchorCtr="1"/>
+          <a:bodyPr/>
           <a:lstStyle/>
           <a:p>
             <a:pPr>
-              <a:defRPr sz="1862" b="0" i="0" u="none" strike="noStrike" kern="1200" spc="0" baseline="0">
-                <a:solidFill>
-                  <a:schemeClr val="tx1">
-                    <a:lumMod val="65000"/>
-                    <a:lumOff val="35000"/>
-                  </a:schemeClr>
-                </a:solidFill>
-                <a:latin typeface="+mn-lt"/>
-                <a:ea typeface="+mn-ea"/>
-                <a:cs typeface="+mn-cs"/>
-              </a:defRPr>
+              <a:defRPr/>
             </a:pPr>
             <a:r>
-              <a:rPr lang="en-US"/>
-              <a:t>Preprocessing techniques</a:t>
-            </a:r>
+              <a:rPr lang="de-DE"/>
+              <a:t>Model Accuracy</a:t>
+            </a:r>
+            <a:r>
+              <a:rPr lang="de-DE" baseline="0"/>
+              <a:t> vs Pre-processing (on TFIDF)</a:t>
+            </a:r>
+            <a:endParaRPr lang="de-DE"/>
           </a:p>
         </c:rich>
       </c:tx>
       <c:overlay val="0"/>
-      <c:spPr>
-        <a:noFill/>
-        <a:ln>
-          <a:noFill/>
-        </a:ln>
-        <a:effectLst/>
-      </c:spPr>
-      <c:txPr>
-        <a:bodyPr rot="0" spcFirstLastPara="1" vertOverflow="ellipsis" vert="horz" wrap="square" anchor="ctr" anchorCtr="1"/>
-        <a:lstStyle/>
-        <a:p>
-          <a:pPr>
-            <a:defRPr sz="1862" b="0" i="0" u="none" strike="noStrike" kern="1200" spc="0" baseline="0">
-              <a:solidFill>
-                <a:schemeClr val="tx1">
-                  <a:lumMod val="65000"/>
-                  <a:lumOff val="35000"/>
-                </a:schemeClr>
-              </a:solidFill>
-              <a:latin typeface="+mn-lt"/>
-              <a:ea typeface="+mn-ea"/>
-              <a:cs typeface="+mn-cs"/>
-            </a:defRPr>
-          </a:pPr>
-          <a:endParaRPr lang="pt-PT"/>
-        </a:p>
-      </c:txPr>
     </c:title>
     <c:autoTitleDeleted val="0"/>
     <c:plotArea>
       <c:layout/>
-      <c:lineChart>
-        <c:grouping val="standard"/>
+      <c:barChart>
+        <c:barDir val="col"/>
+        <c:grouping val="clustered"/>
         <c:varyColors val="0"/>
         <c:ser>
           <c:idx val="0"/>
           <c:order val="0"/>
           <c:tx>
             <c:strRef>
-              <c:f>Sheet1!$B$1</c:f>
+              <c:f>main!$H$11</c:f>
               <c:strCache>
                 <c:ptCount val="1"/>
                 <c:pt idx="0">
-                  <c:v>Model A</c:v>
+                  <c:v>No Prep</c:v>
                 </c:pt>
               </c:strCache>
             </c:strRef>
           </c:tx>
-          <c:spPr>
-            <a:ln w="28575" cap="rnd">
-              <a:solidFill>
-                <a:schemeClr val="accent1"/>
-              </a:solidFill>
-              <a:round/>
-            </a:ln>
-            <a:effectLst/>
-          </c:spPr>
-          <c:marker>
-            <c:symbol val="none"/>
-          </c:marker>
+          <c:invertIfNegative val="0"/>
           <c:cat>
             <c:strRef>
-              <c:f>Sheet1!$A$2:$A$5</c:f>
+              <c:f>main!$I$10:$L$10</c:f>
               <c:strCache>
                 <c:ptCount val="4"/>
                 <c:pt idx="0">
-                  <c:v>No preprocessing</c:v>
+                  <c:v>XGB</c:v>
                 </c:pt>
                 <c:pt idx="1">
-                  <c:v>Tokenization</c:v>
+                  <c:v>Naive Bayes</c:v>
                 </c:pt>
                 <c:pt idx="2">
-                  <c:v>Stemming</c:v>
+                  <c:v>LogR</c:v>
                 </c:pt>
                 <c:pt idx="3">
-                  <c:v>Lemmatization</c:v>
+                  <c:v>SVM</c:v>
                 </c:pt>
               </c:strCache>
             </c:strRef>
           </c:cat>
           <c:val>
             <c:numRef>
-              <c:f>Sheet1!$B$2:$B$5</c:f>
+              <c:f>main!$I$11:$L$11</c:f>
               <c:numCache>
                 <c:formatCode>General</c:formatCode>
                 <c:ptCount val="4"/>
                 <c:pt idx="0">
-                  <c:v>75</c:v>
+                  <c:v>0.90700000000000003</c:v>
                 </c:pt>
                 <c:pt idx="1">
-                  <c:v>70</c:v>
+                  <c:v>0.90910000000000002</c:v>
                 </c:pt>
                 <c:pt idx="2">
-                  <c:v>80</c:v>
+                  <c:v>0.92479999999999996</c:v>
                 </c:pt>
                 <c:pt idx="3">
-                  <c:v>84</c:v>
+                  <c:v>0.92559999999999998</c:v>
                 </c:pt>
               </c:numCache>
             </c:numRef>
           </c:val>
-          <c:smooth val="0"/>
           <c:extLst>
             <c:ext xmlns:c16="http://schemas.microsoft.com/office/drawing/2014/chart" uri="{C3380CC4-5D6E-409C-BE32-E72D297353CC}">
-              <c16:uniqueId val="{00000000-4D92-8543-80F9-E273A3A8231D}"/>
+              <c16:uniqueId val="{00000000-2F91-42D3-B1CE-CA722F4F4977}"/>
             </c:ext>
           </c:extLst>
         </c:ser>
@@ -687,72 +589,60 @@
           <c:order val="1"/>
           <c:tx>
             <c:strRef>
-              <c:f>Sheet1!$C$1</c:f>
+              <c:f>main!$H$12</c:f>
               <c:strCache>
                 <c:ptCount val="1"/>
                 <c:pt idx="0">
-                  <c:v>Model B</c:v>
+                  <c:v>Clean &amp; Tokenized</c:v>
                 </c:pt>
               </c:strCache>
             </c:strRef>
           </c:tx>
-          <c:spPr>
-            <a:ln w="28575" cap="rnd">
-              <a:solidFill>
-                <a:schemeClr val="accent2"/>
-              </a:solidFill>
-              <a:round/>
-            </a:ln>
-            <a:effectLst/>
-          </c:spPr>
-          <c:marker>
-            <c:symbol val="none"/>
-          </c:marker>
+          <c:invertIfNegative val="0"/>
           <c:cat>
             <c:strRef>
-              <c:f>Sheet1!$A$2:$A$5</c:f>
+              <c:f>main!$I$10:$L$10</c:f>
               <c:strCache>
                 <c:ptCount val="4"/>
                 <c:pt idx="0">
-                  <c:v>No preprocessing</c:v>
+                  <c:v>XGB</c:v>
                 </c:pt>
                 <c:pt idx="1">
-                  <c:v>Tokenization</c:v>
+                  <c:v>Naive Bayes</c:v>
                 </c:pt>
                 <c:pt idx="2">
-                  <c:v>Stemming</c:v>
+                  <c:v>LogR</c:v>
                 </c:pt>
                 <c:pt idx="3">
-                  <c:v>Lemmatization</c:v>
+                  <c:v>SVM</c:v>
                 </c:pt>
               </c:strCache>
             </c:strRef>
           </c:cat>
           <c:val>
             <c:numRef>
-              <c:f>Sheet1!$C$2:$C$5</c:f>
+              <c:f>main!$I$12:$L$12</c:f>
               <c:numCache>
                 <c:formatCode>General</c:formatCode>
                 <c:ptCount val="4"/>
                 <c:pt idx="0">
-                  <c:v>85</c:v>
+                  <c:v>0.90029999999999999</c:v>
                 </c:pt>
                 <c:pt idx="1">
-                  <c:v>93</c:v>
+                  <c:v>0.9073</c:v>
                 </c:pt>
                 <c:pt idx="2">
-                  <c:v>98</c:v>
+                  <c:v>0.92090000000000005</c:v>
                 </c:pt>
                 <c:pt idx="3">
-                  <c:v>99</c:v>
+                  <c:v>0.92090000000000005</c:v>
                 </c:pt>
               </c:numCache>
             </c:numRef>
           </c:val>
-          <c:smooth val="0"/>
           <c:extLst>
             <c:ext xmlns:c16="http://schemas.microsoft.com/office/drawing/2014/chart" uri="{C3380CC4-5D6E-409C-BE32-E72D297353CC}">
-              <c16:uniqueId val="{00000001-4D92-8543-80F9-E273A3A8231D}"/>
+              <c16:uniqueId val="{00000001-2F91-42D3-B1CE-CA722F4F4977}"/>
             </c:ext>
           </c:extLst>
         </c:ser>
@@ -761,72 +651,122 @@
           <c:order val="2"/>
           <c:tx>
             <c:strRef>
-              <c:f>Sheet1!$D$1</c:f>
+              <c:f>main!$H$13</c:f>
               <c:strCache>
                 <c:ptCount val="1"/>
                 <c:pt idx="0">
-                  <c:v>Model C</c:v>
+                  <c:v>C+T+Lemmatized</c:v>
                 </c:pt>
               </c:strCache>
             </c:strRef>
           </c:tx>
-          <c:spPr>
-            <a:ln w="28575" cap="rnd">
-              <a:solidFill>
-                <a:schemeClr val="accent3"/>
-              </a:solidFill>
-              <a:round/>
-            </a:ln>
-            <a:effectLst/>
-          </c:spPr>
-          <c:marker>
-            <c:symbol val="none"/>
-          </c:marker>
+          <c:invertIfNegative val="0"/>
           <c:cat>
             <c:strRef>
-              <c:f>Sheet1!$A$2:$A$5</c:f>
+              <c:f>main!$I$10:$L$10</c:f>
               <c:strCache>
                 <c:ptCount val="4"/>
                 <c:pt idx="0">
-                  <c:v>No preprocessing</c:v>
+                  <c:v>XGB</c:v>
                 </c:pt>
                 <c:pt idx="1">
-                  <c:v>Tokenization</c:v>
+                  <c:v>Naive Bayes</c:v>
                 </c:pt>
                 <c:pt idx="2">
-                  <c:v>Stemming</c:v>
+                  <c:v>LogR</c:v>
                 </c:pt>
                 <c:pt idx="3">
-                  <c:v>Lemmatization</c:v>
+                  <c:v>SVM</c:v>
                 </c:pt>
               </c:strCache>
             </c:strRef>
           </c:cat>
           <c:val>
             <c:numRef>
-              <c:f>Sheet1!$D$2:$D$5</c:f>
+              <c:f>main!$I$13:$L$13</c:f>
               <c:numCache>
                 <c:formatCode>General</c:formatCode>
                 <c:ptCount val="4"/>
                 <c:pt idx="0">
-                  <c:v>88</c:v>
+                  <c:v>0.90410000000000001</c:v>
                 </c:pt>
                 <c:pt idx="1">
-                  <c:v>85</c:v>
+                  <c:v>0.91069999999999995</c:v>
                 </c:pt>
                 <c:pt idx="2">
-                  <c:v>99</c:v>
+                  <c:v>0.92579999999999996</c:v>
                 </c:pt>
                 <c:pt idx="3">
-                  <c:v>99</c:v>
+                  <c:v>0.9264</c:v>
                 </c:pt>
               </c:numCache>
             </c:numRef>
           </c:val>
-          <c:smooth val="0"/>
           <c:extLst>
             <c:ext xmlns:c16="http://schemas.microsoft.com/office/drawing/2014/chart" uri="{C3380CC4-5D6E-409C-BE32-E72D297353CC}">
-              <c16:uniqueId val="{00000002-4D92-8543-80F9-E273A3A8231D}"/>
+              <c16:uniqueId val="{00000002-2F91-42D3-B1CE-CA722F4F4977}"/>
+            </c:ext>
+          </c:extLst>
+        </c:ser>
+        <c:ser>
+          <c:idx val="3"/>
+          <c:order val="3"/>
+          <c:tx>
+            <c:strRef>
+              <c:f>main!$H$14</c:f>
+              <c:strCache>
+                <c:ptCount val="1"/>
+                <c:pt idx="0">
+                  <c:v>C+T+L+Stopwords </c:v>
+                </c:pt>
+              </c:strCache>
+            </c:strRef>
+          </c:tx>
+          <c:invertIfNegative val="0"/>
+          <c:cat>
+            <c:strRef>
+              <c:f>main!$I$10:$L$10</c:f>
+              <c:strCache>
+                <c:ptCount val="4"/>
+                <c:pt idx="0">
+                  <c:v>XGB</c:v>
+                </c:pt>
+                <c:pt idx="1">
+                  <c:v>Naive Bayes</c:v>
+                </c:pt>
+                <c:pt idx="2">
+                  <c:v>LogR</c:v>
+                </c:pt>
+                <c:pt idx="3">
+                  <c:v>SVM</c:v>
+                </c:pt>
+              </c:strCache>
+            </c:strRef>
+          </c:cat>
+          <c:val>
+            <c:numRef>
+              <c:f>main!$I$14:$L$14</c:f>
+              <c:numCache>
+                <c:formatCode>General</c:formatCode>
+                <c:ptCount val="4"/>
+                <c:pt idx="0">
+                  <c:v>0.87670000000000003</c:v>
+                </c:pt>
+                <c:pt idx="1">
+                  <c:v>0.8931</c:v>
+                </c:pt>
+                <c:pt idx="2">
+                  <c:v>0.90410000000000001</c:v>
+                </c:pt>
+                <c:pt idx="3">
+                  <c:v>0.9073</c:v>
+                </c:pt>
+              </c:numCache>
+            </c:numRef>
+          </c:val>
+          <c:extLst>
+            <c:ext xmlns:c16="http://schemas.microsoft.com/office/drawing/2014/chart" uri="{C3380CC4-5D6E-409C-BE32-E72D297353CC}">
+              <c16:uniqueId val="{00000003-2F91-42D3-B1CE-CA722F4F4977}"/>
             </c:ext>
           </c:extLst>
         </c:ser>
@@ -838,55 +778,40 @@
           <c:showPercent val="0"/>
           <c:showBubbleSize val="0"/>
         </c:dLbls>
-        <c:smooth val="0"/>
-        <c:axId val="109254431"/>
-        <c:axId val="109778767"/>
-      </c:lineChart>
+        <c:gapWidth val="150"/>
+        <c:axId val="185557376"/>
+        <c:axId val="185559296"/>
+      </c:barChart>
       <c:catAx>
-        <c:axId val="109254431"/>
+        <c:axId val="185557376"/>
         <c:scaling>
           <c:orientation val="minMax"/>
         </c:scaling>
         <c:delete val="0"/>
         <c:axPos val="b"/>
-        <c:numFmt formatCode="General" sourceLinked="1"/>
-        <c:majorTickMark val="none"/>
+        <c:title>
+          <c:tx>
+            <c:rich>
+              <a:bodyPr/>
+              <a:lstStyle/>
+              <a:p>
+                <a:pPr>
+                  <a:defRPr sz="1400"/>
+                </a:pPr>
+                <a:r>
+                  <a:rPr lang="de-DE" sz="1400"/>
+                  <a:t>Model</a:t>
+                </a:r>
+              </a:p>
+            </c:rich>
+          </c:tx>
+          <c:overlay val="0"/>
+        </c:title>
+        <c:numFmt formatCode="General" sourceLinked="0"/>
+        <c:majorTickMark val="out"/>
         <c:minorTickMark val="none"/>
         <c:tickLblPos val="nextTo"/>
-        <c:spPr>
-          <a:noFill/>
-          <a:ln w="9525" cap="flat" cmpd="sng" algn="ctr">
-            <a:solidFill>
-              <a:schemeClr val="tx1">
-                <a:lumMod val="15000"/>
-                <a:lumOff val="85000"/>
-              </a:schemeClr>
-            </a:solidFill>
-            <a:round/>
-          </a:ln>
-          <a:effectLst/>
-        </c:spPr>
-        <c:txPr>
-          <a:bodyPr rot="-60000000" spcFirstLastPara="1" vertOverflow="ellipsis" vert="horz" wrap="square" anchor="ctr" anchorCtr="1"/>
-          <a:lstStyle/>
-          <a:p>
-            <a:pPr>
-              <a:defRPr sz="1197" b="0" i="0" u="none" strike="noStrike" kern="1200" baseline="0">
-                <a:solidFill>
-                  <a:schemeClr val="tx1">
-                    <a:lumMod val="65000"/>
-                    <a:lumOff val="35000"/>
-                  </a:schemeClr>
-                </a:solidFill>
-                <a:latin typeface="+mn-lt"/>
-                <a:ea typeface="+mn-ea"/>
-                <a:cs typeface="+mn-cs"/>
-              </a:defRPr>
-            </a:pPr>
-            <a:endParaRPr lang="pt-PT"/>
-          </a:p>
-        </c:txPr>
-        <c:crossAx val="109778767"/>
+        <c:crossAx val="185559296"/>
         <c:crosses val="autoZero"/>
         <c:auto val="1"/>
         <c:lblAlgn val="ctr"/>
@@ -894,129 +819,49 @@
         <c:noMultiLvlLbl val="0"/>
       </c:catAx>
       <c:valAx>
-        <c:axId val="109778767"/>
+        <c:axId val="185559296"/>
         <c:scaling>
           <c:orientation val="minMax"/>
         </c:scaling>
         <c:delete val="0"/>
         <c:axPos val="l"/>
-        <c:majorGridlines>
-          <c:spPr>
-            <a:ln w="9525" cap="flat" cmpd="sng" algn="ctr">
-              <a:solidFill>
-                <a:schemeClr val="tx1">
-                  <a:lumMod val="15000"/>
-                  <a:lumOff val="85000"/>
-                </a:schemeClr>
-              </a:solidFill>
-              <a:round/>
-            </a:ln>
-            <a:effectLst/>
-          </c:spPr>
-        </c:majorGridlines>
+        <c:majorGridlines/>
+        <c:title>
+          <c:tx>
+            <c:rich>
+              <a:bodyPr rot="-5400000" vert="horz"/>
+              <a:lstStyle/>
+              <a:p>
+                <a:pPr>
+                  <a:defRPr sz="1400"/>
+                </a:pPr>
+                <a:r>
+                  <a:rPr lang="de-DE" sz="1400"/>
+                  <a:t>Accuracy</a:t>
+                </a:r>
+              </a:p>
+            </c:rich>
+          </c:tx>
+          <c:overlay val="0"/>
+        </c:title>
         <c:numFmt formatCode="General" sourceLinked="1"/>
-        <c:majorTickMark val="none"/>
+        <c:majorTickMark val="out"/>
         <c:minorTickMark val="none"/>
         <c:tickLblPos val="nextTo"/>
-        <c:spPr>
-          <a:noFill/>
-          <a:ln>
-            <a:noFill/>
-          </a:ln>
-          <a:effectLst/>
-        </c:spPr>
-        <c:txPr>
-          <a:bodyPr rot="-60000000" spcFirstLastPara="1" vertOverflow="ellipsis" vert="horz" wrap="square" anchor="ctr" anchorCtr="1"/>
-          <a:lstStyle/>
-          <a:p>
-            <a:pPr>
-              <a:defRPr sz="1197" b="0" i="0" u="none" strike="noStrike" kern="1200" baseline="0">
-                <a:solidFill>
-                  <a:schemeClr val="tx1">
-                    <a:lumMod val="65000"/>
-                    <a:lumOff val="35000"/>
-                  </a:schemeClr>
-                </a:solidFill>
-                <a:latin typeface="+mn-lt"/>
-                <a:ea typeface="+mn-ea"/>
-                <a:cs typeface="+mn-cs"/>
-              </a:defRPr>
-            </a:pPr>
-            <a:endParaRPr lang="pt-PT"/>
-          </a:p>
-        </c:txPr>
-        <c:crossAx val="109254431"/>
+        <c:crossAx val="185557376"/>
         <c:crosses val="autoZero"/>
         <c:crossBetween val="between"/>
       </c:valAx>
-      <c:spPr>
-        <a:noFill/>
-        <a:ln>
-          <a:noFill/>
-        </a:ln>
-        <a:effectLst/>
-      </c:spPr>
     </c:plotArea>
     <c:legend>
-      <c:legendPos val="b"/>
+      <c:legendPos val="t"/>
       <c:overlay val="0"/>
-      <c:spPr>
-        <a:noFill/>
-        <a:ln>
-          <a:noFill/>
-        </a:ln>
-        <a:effectLst/>
-      </c:spPr>
-      <c:txPr>
-        <a:bodyPr rot="0" spcFirstLastPara="1" vertOverflow="ellipsis" vert="horz" wrap="square" anchor="ctr" anchorCtr="1"/>
-        <a:lstStyle/>
-        <a:p>
-          <a:pPr>
-            <a:defRPr sz="1197" b="0" i="0" u="none" strike="noStrike" kern="1200" baseline="0">
-              <a:solidFill>
-                <a:schemeClr val="tx1">
-                  <a:lumMod val="65000"/>
-                  <a:lumOff val="35000"/>
-                </a:schemeClr>
-              </a:solidFill>
-              <a:latin typeface="+mn-lt"/>
-              <a:ea typeface="+mn-ea"/>
-              <a:cs typeface="+mn-cs"/>
-            </a:defRPr>
-          </a:pPr>
-          <a:endParaRPr lang="pt-PT"/>
-        </a:p>
-      </c:txPr>
     </c:legend>
     <c:plotVisOnly val="1"/>
     <c:dispBlanksAs val="gap"/>
-    <c:extLst>
-      <c:ext xmlns:c16r3="http://schemas.microsoft.com/office/drawing/2017/03/chart" uri="{56B9EC1D-385E-4148-901F-78D8002777C0}">
-        <c16r3:dataDisplayOptions16>
-          <c16r3:dispNaAsBlank val="1"/>
-        </c16r3:dataDisplayOptions16>
-      </c:ext>
-    </c:extLst>
     <c:showDLblsOverMax val="0"/>
   </c:chart>
-  <c:spPr>
-    <a:noFill/>
-    <a:ln>
-      <a:noFill/>
-    </a:ln>
-    <a:effectLst/>
-  </c:spPr>
-  <c:txPr>
-    <a:bodyPr/>
-    <a:lstStyle/>
-    <a:p>
-      <a:pPr>
-        <a:defRPr/>
-      </a:pPr>
-      <a:endParaRPr lang="pt-PT"/>
-    </a:p>
-  </c:txPr>
-  <c:externalData r:id="rId3">
+  <c:externalData r:id="rId2">
     <c:autoUpdate val="0"/>
   </c:externalData>
 </c:chartSpace>
@@ -1035,61 +880,33 @@
       <c:style val="2"/>
     </mc:Fallback>
   </mc:AlternateContent>
+  <c:clrMapOvr bg1="lt1" tx1="dk1" bg2="lt2" tx2="dk2" accent1="accent1" accent2="accent2" accent3="accent3" accent4="accent4" accent5="accent5" accent6="accent6" hlink="hlink" folHlink="folHlink"/>
   <c:chart>
     <c:title>
       <c:tx>
         <c:rich>
-          <a:bodyPr rot="0" spcFirstLastPara="1" vertOverflow="ellipsis" vert="horz" wrap="square" anchor="ctr" anchorCtr="1"/>
+          <a:bodyPr/>
           <a:lstStyle/>
           <a:p>
             <a:pPr>
-              <a:defRPr sz="1862" b="0" i="0" u="none" strike="noStrike" kern="1200" spc="0" baseline="0">
-                <a:solidFill>
-                  <a:schemeClr val="tx1">
-                    <a:lumMod val="65000"/>
-                    <a:lumOff val="35000"/>
-                  </a:schemeClr>
-                </a:solidFill>
-                <a:latin typeface="+mn-lt"/>
-                <a:ea typeface="+mn-ea"/>
-                <a:cs typeface="+mn-cs"/>
-              </a:defRPr>
+              <a:defRPr/>
             </a:pPr>
             <a:r>
               <a:rPr lang="en-US"/>
-              <a:t>Model accuracy</a:t>
+              <a:t>Model Accuracy vs Pre-processing (on BoW)</a:t>
             </a:r>
           </a:p>
         </c:rich>
       </c:tx>
+      <c:layout>
+        <c:manualLayout>
+          <c:xMode val="edge"/>
+          <c:yMode val="edge"/>
+          <c:x val="0.21282894789772192"/>
+          <c:y val="1.8070347721393182E-2"/>
+        </c:manualLayout>
+      </c:layout>
       <c:overlay val="0"/>
-      <c:spPr>
-        <a:noFill/>
-        <a:ln>
-          <a:noFill/>
-        </a:ln>
-        <a:effectLst/>
-      </c:spPr>
-      <c:txPr>
-        <a:bodyPr rot="0" spcFirstLastPara="1" vertOverflow="ellipsis" vert="horz" wrap="square" anchor="ctr" anchorCtr="1"/>
-        <a:lstStyle/>
-        <a:p>
-          <a:pPr>
-            <a:defRPr sz="1862" b="0" i="0" u="none" strike="noStrike" kern="1200" spc="0" baseline="0">
-              <a:solidFill>
-                <a:schemeClr val="tx1">
-                  <a:lumMod val="65000"/>
-                  <a:lumOff val="35000"/>
-                </a:schemeClr>
-              </a:solidFill>
-              <a:latin typeface="+mn-lt"/>
-              <a:ea typeface="+mn-ea"/>
-              <a:cs typeface="+mn-cs"/>
-            </a:defRPr>
-          </a:pPr>
-          <a:endParaRPr lang="pt-PT"/>
-        </a:p>
-      </c:txPr>
     </c:title>
     <c:autoTitleDeleted val="0"/>
     <c:plotArea>
@@ -1103,69 +920,60 @@
           <c:order val="0"/>
           <c:tx>
             <c:strRef>
-              <c:f>Sheet1!$B$1</c:f>
+              <c:f>main!$O$18</c:f>
               <c:strCache>
                 <c:ptCount val="1"/>
                 <c:pt idx="0">
-                  <c:v>Config 1</c:v>
+                  <c:v>No Prep</c:v>
                 </c:pt>
               </c:strCache>
             </c:strRef>
           </c:tx>
-          <c:spPr>
-            <a:solidFill>
-              <a:schemeClr val="accent1"/>
-            </a:solidFill>
-            <a:ln>
-              <a:noFill/>
-            </a:ln>
-            <a:effectLst/>
-          </c:spPr>
           <c:invertIfNegative val="0"/>
           <c:cat>
             <c:strRef>
-              <c:f>Sheet1!$A$2:$A$5</c:f>
+              <c:f>main!$P$17:$S$17</c:f>
               <c:strCache>
                 <c:ptCount val="4"/>
                 <c:pt idx="0">
-                  <c:v>Model 1</c:v>
+                  <c:v>XGBoost</c:v>
                 </c:pt>
                 <c:pt idx="1">
-                  <c:v>Model 2</c:v>
+                  <c:v>Naive Bayes</c:v>
                 </c:pt>
                 <c:pt idx="2">
-                  <c:v>Model 3</c:v>
+                  <c:v>LogR</c:v>
                 </c:pt>
                 <c:pt idx="3">
-                  <c:v>Model 4</c:v>
+                  <c:v>SVM</c:v>
                 </c:pt>
               </c:strCache>
             </c:strRef>
           </c:cat>
           <c:val>
             <c:numRef>
-              <c:f>Sheet1!$B$2:$B$5</c:f>
+              <c:f>main!$P$18:$S$18</c:f>
               <c:numCache>
                 <c:formatCode>General</c:formatCode>
                 <c:ptCount val="4"/>
                 <c:pt idx="0">
-                  <c:v>75</c:v>
+                  <c:v>0.90839999999999999</c:v>
                 </c:pt>
                 <c:pt idx="1">
-                  <c:v>70</c:v>
+                  <c:v>0.91790000000000005</c:v>
                 </c:pt>
                 <c:pt idx="2">
-                  <c:v>80</c:v>
+                  <c:v>0.92679999999999996</c:v>
                 </c:pt>
                 <c:pt idx="3">
-                  <c:v>84</c:v>
+                  <c:v>0.92500000000000004</c:v>
                 </c:pt>
               </c:numCache>
             </c:numRef>
           </c:val>
           <c:extLst>
             <c:ext xmlns:c16="http://schemas.microsoft.com/office/drawing/2014/chart" uri="{C3380CC4-5D6E-409C-BE32-E72D297353CC}">
-              <c16:uniqueId val="{00000000-4D92-8543-80F9-E273A3A8231D}"/>
+              <c16:uniqueId val="{00000000-A0E6-44D4-9344-1BC7DA00AB63}"/>
             </c:ext>
           </c:extLst>
         </c:ser>
@@ -1174,69 +982,60 @@
           <c:order val="1"/>
           <c:tx>
             <c:strRef>
-              <c:f>Sheet1!$C$1</c:f>
+              <c:f>main!$O$19</c:f>
               <c:strCache>
                 <c:ptCount val="1"/>
                 <c:pt idx="0">
-                  <c:v>Config 2</c:v>
+                  <c:v>Clean &amp; Tokenized</c:v>
                 </c:pt>
               </c:strCache>
             </c:strRef>
           </c:tx>
-          <c:spPr>
-            <a:solidFill>
-              <a:schemeClr val="accent2"/>
-            </a:solidFill>
-            <a:ln>
-              <a:noFill/>
-            </a:ln>
-            <a:effectLst/>
-          </c:spPr>
           <c:invertIfNegative val="0"/>
           <c:cat>
             <c:strRef>
-              <c:f>Sheet1!$A$2:$A$5</c:f>
+              <c:f>main!$P$17:$S$17</c:f>
               <c:strCache>
                 <c:ptCount val="4"/>
                 <c:pt idx="0">
-                  <c:v>Model 1</c:v>
+                  <c:v>XGBoost</c:v>
                 </c:pt>
                 <c:pt idx="1">
-                  <c:v>Model 2</c:v>
+                  <c:v>Naive Bayes</c:v>
                 </c:pt>
                 <c:pt idx="2">
-                  <c:v>Model 3</c:v>
+                  <c:v>LogR</c:v>
                 </c:pt>
                 <c:pt idx="3">
-                  <c:v>Model 4</c:v>
+                  <c:v>SVM</c:v>
                 </c:pt>
               </c:strCache>
             </c:strRef>
           </c:cat>
           <c:val>
             <c:numRef>
-              <c:f>Sheet1!$C$2:$C$5</c:f>
+              <c:f>main!$P$19:$S$19</c:f>
               <c:numCache>
                 <c:formatCode>General</c:formatCode>
                 <c:ptCount val="4"/>
                 <c:pt idx="0">
-                  <c:v>85</c:v>
+                  <c:v>0.89990000000000003</c:v>
                 </c:pt>
                 <c:pt idx="1">
-                  <c:v>93</c:v>
+                  <c:v>0.91439999999999999</c:v>
                 </c:pt>
                 <c:pt idx="2">
-                  <c:v>98</c:v>
+                  <c:v>0.92200000000000004</c:v>
                 </c:pt>
                 <c:pt idx="3">
-                  <c:v>99</c:v>
+                  <c:v>0.92090000000000005</c:v>
                 </c:pt>
               </c:numCache>
             </c:numRef>
           </c:val>
           <c:extLst>
             <c:ext xmlns:c16="http://schemas.microsoft.com/office/drawing/2014/chart" uri="{C3380CC4-5D6E-409C-BE32-E72D297353CC}">
-              <c16:uniqueId val="{00000001-4D92-8543-80F9-E273A3A8231D}"/>
+              <c16:uniqueId val="{00000001-A0E6-44D4-9344-1BC7DA00AB63}"/>
             </c:ext>
           </c:extLst>
         </c:ser>
@@ -1245,69 +1044,122 @@
           <c:order val="2"/>
           <c:tx>
             <c:strRef>
-              <c:f>Sheet1!$D$1</c:f>
+              <c:f>main!$O$20</c:f>
               <c:strCache>
                 <c:ptCount val="1"/>
                 <c:pt idx="0">
-                  <c:v>Config 3</c:v>
+                  <c:v>C+T+Lemmatized</c:v>
                 </c:pt>
               </c:strCache>
             </c:strRef>
           </c:tx>
-          <c:spPr>
-            <a:solidFill>
-              <a:schemeClr val="accent3"/>
-            </a:solidFill>
-            <a:ln>
-              <a:noFill/>
-            </a:ln>
-            <a:effectLst/>
-          </c:spPr>
           <c:invertIfNegative val="0"/>
           <c:cat>
             <c:strRef>
-              <c:f>Sheet1!$A$2:$A$5</c:f>
+              <c:f>main!$P$17:$S$17</c:f>
               <c:strCache>
                 <c:ptCount val="4"/>
                 <c:pt idx="0">
-                  <c:v>Model 1</c:v>
+                  <c:v>XGBoost</c:v>
                 </c:pt>
                 <c:pt idx="1">
-                  <c:v>Model 2</c:v>
+                  <c:v>Naive Bayes</c:v>
                 </c:pt>
                 <c:pt idx="2">
-                  <c:v>Model 3</c:v>
+                  <c:v>LogR</c:v>
                 </c:pt>
                 <c:pt idx="3">
-                  <c:v>Model 4</c:v>
+                  <c:v>SVM</c:v>
                 </c:pt>
               </c:strCache>
             </c:strRef>
           </c:cat>
           <c:val>
             <c:numRef>
-              <c:f>Sheet1!$D$2:$D$5</c:f>
+              <c:f>main!$P$20:$S$20</c:f>
               <c:numCache>
                 <c:formatCode>General</c:formatCode>
                 <c:ptCount val="4"/>
                 <c:pt idx="0">
-                  <c:v>88</c:v>
+                  <c:v>0.90459999999999996</c:v>
                 </c:pt>
                 <c:pt idx="1">
-                  <c:v>85</c:v>
+                  <c:v>0.9173</c:v>
                 </c:pt>
                 <c:pt idx="2">
-                  <c:v>99</c:v>
+                  <c:v>0.92589999999999995</c:v>
                 </c:pt>
                 <c:pt idx="3">
-                  <c:v>99</c:v>
+                  <c:v>0.9264</c:v>
                 </c:pt>
               </c:numCache>
             </c:numRef>
           </c:val>
           <c:extLst>
             <c:ext xmlns:c16="http://schemas.microsoft.com/office/drawing/2014/chart" uri="{C3380CC4-5D6E-409C-BE32-E72D297353CC}">
-              <c16:uniqueId val="{00000002-4D92-8543-80F9-E273A3A8231D}"/>
+              <c16:uniqueId val="{00000002-A0E6-44D4-9344-1BC7DA00AB63}"/>
+            </c:ext>
+          </c:extLst>
+        </c:ser>
+        <c:ser>
+          <c:idx val="3"/>
+          <c:order val="3"/>
+          <c:tx>
+            <c:strRef>
+              <c:f>main!$O$21</c:f>
+              <c:strCache>
+                <c:ptCount val="1"/>
+                <c:pt idx="0">
+                  <c:v>C+T+L+Stopwords </c:v>
+                </c:pt>
+              </c:strCache>
+            </c:strRef>
+          </c:tx>
+          <c:invertIfNegative val="0"/>
+          <c:cat>
+            <c:strRef>
+              <c:f>main!$P$17:$S$17</c:f>
+              <c:strCache>
+                <c:ptCount val="4"/>
+                <c:pt idx="0">
+                  <c:v>XGBoost</c:v>
+                </c:pt>
+                <c:pt idx="1">
+                  <c:v>Naive Bayes</c:v>
+                </c:pt>
+                <c:pt idx="2">
+                  <c:v>LogR</c:v>
+                </c:pt>
+                <c:pt idx="3">
+                  <c:v>SVM</c:v>
+                </c:pt>
+              </c:strCache>
+            </c:strRef>
+          </c:cat>
+          <c:val>
+            <c:numRef>
+              <c:f>main!$P$21:$S$21</c:f>
+              <c:numCache>
+                <c:formatCode>General</c:formatCode>
+                <c:ptCount val="4"/>
+                <c:pt idx="0">
+                  <c:v>0.87660000000000005</c:v>
+                </c:pt>
+                <c:pt idx="1">
+                  <c:v>0.89939999999999998</c:v>
+                </c:pt>
+                <c:pt idx="2">
+                  <c:v>0.90900000000000003</c:v>
+                </c:pt>
+                <c:pt idx="3">
+                  <c:v>0.90839999999999999</c:v>
+                </c:pt>
+              </c:numCache>
+            </c:numRef>
+          </c:val>
+          <c:extLst>
+            <c:ext xmlns:c16="http://schemas.microsoft.com/office/drawing/2014/chart" uri="{C3380CC4-5D6E-409C-BE32-E72D297353CC}">
+              <c16:uniqueId val="{00000003-A0E6-44D4-9344-1BC7DA00AB63}"/>
             </c:ext>
           </c:extLst>
         </c:ser>
@@ -1320,54 +1172,39 @@
           <c:showBubbleSize val="0"/>
         </c:dLbls>
         <c:gapWidth val="150"/>
-        <c:axId val="109254431"/>
-        <c:axId val="109778767"/>
+        <c:axId val="222232576"/>
+        <c:axId val="141665408"/>
       </c:barChart>
       <c:catAx>
-        <c:axId val="109254431"/>
+        <c:axId val="222232576"/>
         <c:scaling>
           <c:orientation val="minMax"/>
         </c:scaling>
         <c:delete val="0"/>
         <c:axPos val="b"/>
-        <c:numFmt formatCode="General" sourceLinked="1"/>
-        <c:majorTickMark val="none"/>
+        <c:title>
+          <c:tx>
+            <c:rich>
+              <a:bodyPr/>
+              <a:lstStyle/>
+              <a:p>
+                <a:pPr>
+                  <a:defRPr sz="1400"/>
+                </a:pPr>
+                <a:r>
+                  <a:rPr lang="en-US"/>
+                  <a:t>Model</a:t>
+                </a:r>
+              </a:p>
+            </c:rich>
+          </c:tx>
+          <c:overlay val="0"/>
+        </c:title>
+        <c:numFmt formatCode="General" sourceLinked="0"/>
+        <c:majorTickMark val="out"/>
         <c:minorTickMark val="none"/>
         <c:tickLblPos val="nextTo"/>
-        <c:spPr>
-          <a:noFill/>
-          <a:ln w="9525" cap="flat" cmpd="sng" algn="ctr">
-            <a:solidFill>
-              <a:schemeClr val="tx1">
-                <a:lumMod val="15000"/>
-                <a:lumOff val="85000"/>
-              </a:schemeClr>
-            </a:solidFill>
-            <a:round/>
-          </a:ln>
-          <a:effectLst/>
-        </c:spPr>
-        <c:txPr>
-          <a:bodyPr rot="-60000000" spcFirstLastPara="1" vertOverflow="ellipsis" vert="horz" wrap="square" anchor="ctr" anchorCtr="1"/>
-          <a:lstStyle/>
-          <a:p>
-            <a:pPr>
-              <a:defRPr sz="1197" b="0" i="0" u="none" strike="noStrike" kern="1200" baseline="0">
-                <a:solidFill>
-                  <a:schemeClr val="tx1">
-                    <a:lumMod val="65000"/>
-                    <a:lumOff val="35000"/>
-                  </a:schemeClr>
-                </a:solidFill>
-                <a:latin typeface="+mn-lt"/>
-                <a:ea typeface="+mn-ea"/>
-                <a:cs typeface="+mn-cs"/>
-              </a:defRPr>
-            </a:pPr>
-            <a:endParaRPr lang="pt-PT"/>
-          </a:p>
-        </c:txPr>
-        <c:crossAx val="109778767"/>
+        <c:crossAx val="141665408"/>
         <c:crosses val="autoZero"/>
         <c:auto val="1"/>
         <c:lblAlgn val="ctr"/>
@@ -1375,135 +1212,411 @@
         <c:noMultiLvlLbl val="0"/>
       </c:catAx>
       <c:valAx>
-        <c:axId val="109778767"/>
+        <c:axId val="141665408"/>
         <c:scaling>
           <c:orientation val="minMax"/>
         </c:scaling>
         <c:delete val="0"/>
         <c:axPos val="l"/>
-        <c:majorGridlines>
-          <c:spPr>
-            <a:ln w="9525" cap="flat" cmpd="sng" algn="ctr">
-              <a:solidFill>
-                <a:schemeClr val="tx1">
-                  <a:lumMod val="15000"/>
-                  <a:lumOff val="85000"/>
-                </a:schemeClr>
-              </a:solidFill>
-              <a:round/>
-            </a:ln>
-            <a:effectLst/>
-          </c:spPr>
-        </c:majorGridlines>
+        <c:majorGridlines/>
+        <c:title>
+          <c:tx>
+            <c:rich>
+              <a:bodyPr rot="-5400000" vert="horz"/>
+              <a:lstStyle/>
+              <a:p>
+                <a:pPr>
+                  <a:defRPr sz="1400"/>
+                </a:pPr>
+                <a:r>
+                  <a:rPr lang="en-US"/>
+                  <a:t>Accuracy</a:t>
+                </a:r>
+              </a:p>
+            </c:rich>
+          </c:tx>
+          <c:overlay val="0"/>
+        </c:title>
         <c:numFmt formatCode="General" sourceLinked="1"/>
-        <c:majorTickMark val="none"/>
+        <c:majorTickMark val="out"/>
         <c:minorTickMark val="none"/>
         <c:tickLblPos val="nextTo"/>
-        <c:spPr>
-          <a:noFill/>
-          <a:ln>
-            <a:noFill/>
-          </a:ln>
-          <a:effectLst/>
-        </c:spPr>
-        <c:txPr>
-          <a:bodyPr rot="-60000000" spcFirstLastPara="1" vertOverflow="ellipsis" vert="horz" wrap="square" anchor="ctr" anchorCtr="1"/>
-          <a:lstStyle/>
-          <a:p>
-            <a:pPr>
-              <a:defRPr sz="1197" b="0" i="0" u="none" strike="noStrike" kern="1200" baseline="0">
-                <a:solidFill>
-                  <a:schemeClr val="tx1">
-                    <a:lumMod val="65000"/>
-                    <a:lumOff val="35000"/>
-                  </a:schemeClr>
-                </a:solidFill>
-                <a:latin typeface="+mn-lt"/>
-                <a:ea typeface="+mn-ea"/>
-                <a:cs typeface="+mn-cs"/>
-              </a:defRPr>
-            </a:pPr>
-            <a:endParaRPr lang="pt-PT"/>
-          </a:p>
-        </c:txPr>
-        <c:crossAx val="109254431"/>
+        <c:crossAx val="222232576"/>
         <c:crosses val="autoZero"/>
         <c:crossBetween val="between"/>
       </c:valAx>
-      <c:spPr>
-        <a:noFill/>
-        <a:ln>
-          <a:noFill/>
-        </a:ln>
-        <a:effectLst/>
-      </c:spPr>
     </c:plotArea>
     <c:legend>
-      <c:legendPos val="b"/>
+      <c:legendPos val="t"/>
       <c:overlay val="0"/>
-      <c:spPr>
-        <a:noFill/>
-        <a:ln>
-          <a:noFill/>
-        </a:ln>
-        <a:effectLst/>
-      </c:spPr>
-      <c:txPr>
-        <a:bodyPr rot="0" spcFirstLastPara="1" vertOverflow="ellipsis" vert="horz" wrap="square" anchor="ctr" anchorCtr="1"/>
-        <a:lstStyle/>
-        <a:p>
-          <a:pPr>
-            <a:defRPr sz="1197" b="0" i="0" u="none" strike="noStrike" kern="1200" baseline="0">
-              <a:solidFill>
-                <a:schemeClr val="tx1">
-                  <a:lumMod val="65000"/>
-                  <a:lumOff val="35000"/>
-                </a:schemeClr>
-              </a:solidFill>
-              <a:latin typeface="+mn-lt"/>
-              <a:ea typeface="+mn-ea"/>
-              <a:cs typeface="+mn-cs"/>
-            </a:defRPr>
-          </a:pPr>
-          <a:endParaRPr lang="pt-PT"/>
-        </a:p>
-      </c:txPr>
     </c:legend>
     <c:plotVisOnly val="1"/>
     <c:dispBlanksAs val="gap"/>
-    <c:extLst>
-      <c:ext xmlns:c16r3="http://schemas.microsoft.com/office/drawing/2017/03/chart" uri="{56B9EC1D-385E-4148-901F-78D8002777C0}">
-        <c16r3:dataDisplayOptions16>
-          <c16r3:dispNaAsBlank val="1"/>
-        </c16r3:dataDisplayOptions16>
-      </c:ext>
-    </c:extLst>
     <c:showDLblsOverMax val="0"/>
   </c:chart>
-  <c:spPr>
-    <a:noFill/>
-    <a:ln>
-      <a:noFill/>
-    </a:ln>
-    <a:effectLst/>
-  </c:spPr>
-  <c:txPr>
-    <a:bodyPr/>
-    <a:lstStyle/>
-    <a:p>
-      <a:pPr>
-        <a:defRPr/>
-      </a:pPr>
-      <a:endParaRPr lang="pt-PT"/>
-    </a:p>
-  </c:txPr>
-  <c:externalData r:id="rId3">
+  <c:externalData r:id="rId2">
     <c:autoUpdate val="0"/>
   </c:externalData>
 </c:chartSpace>
 </file>
 
 <file path=ppt/charts/chart4.xml><?xml version="1.0" encoding="utf-8"?>
+<c:chartSpace xmlns:c="http://schemas.openxmlformats.org/drawingml/2006/chart" xmlns:a="http://schemas.openxmlformats.org/drawingml/2006/main" xmlns:r="http://schemas.openxmlformats.org/officeDocument/2006/relationships" xmlns:c16r2="http://schemas.microsoft.com/office/drawing/2015/06/chart">
+  <c:date1904 val="0"/>
+  <c:lang val="pt-PT"/>
+  <c:roundedCorners val="0"/>
+  <mc:AlternateContent xmlns:mc="http://schemas.openxmlformats.org/markup-compatibility/2006">
+    <mc:Choice xmlns:c14="http://schemas.microsoft.com/office/drawing/2007/8/2/chart" Requires="c14">
+      <c14:style val="102"/>
+    </mc:Choice>
+    <mc:Fallback>
+      <c:style val="2"/>
+    </mc:Fallback>
+  </mc:AlternateContent>
+  <c:chart>
+    <c:title>
+      <c:tx>
+        <c:rich>
+          <a:bodyPr/>
+          <a:lstStyle/>
+          <a:p>
+            <a:pPr>
+              <a:defRPr/>
+            </a:pPr>
+            <a:r>
+              <a:rPr lang="de-DE" dirty="0"/>
+              <a:t>Model </a:t>
+            </a:r>
+            <a:r>
+              <a:rPr lang="de-DE" dirty="0" err="1"/>
+              <a:t>Accuracy</a:t>
+            </a:r>
+            <a:r>
+              <a:rPr lang="de-DE" baseline="0" dirty="0"/>
+              <a:t> </a:t>
+            </a:r>
+            <a:r>
+              <a:rPr lang="de-DE" baseline="0" dirty="0" err="1"/>
+              <a:t>Comparison</a:t>
+            </a:r>
+            <a:endParaRPr lang="de-DE" dirty="0"/>
+          </a:p>
+        </c:rich>
+      </c:tx>
+      <c:overlay val="0"/>
+    </c:title>
+    <c:autoTitleDeleted val="0"/>
+    <c:plotArea>
+      <c:layout/>
+      <c:barChart>
+        <c:barDir val="col"/>
+        <c:grouping val="clustered"/>
+        <c:varyColors val="0"/>
+        <c:ser>
+          <c:idx val="0"/>
+          <c:order val="0"/>
+          <c:tx>
+            <c:strRef>
+              <c:f>main!$D$3</c:f>
+              <c:strCache>
+                <c:ptCount val="1"/>
+                <c:pt idx="0">
+                  <c:v> Word2vec</c:v>
+                </c:pt>
+              </c:strCache>
+            </c:strRef>
+          </c:tx>
+          <c:invertIfNegative val="0"/>
+          <c:cat>
+            <c:strRef>
+              <c:f>main!$C$4:$C$7</c:f>
+              <c:strCache>
+                <c:ptCount val="4"/>
+                <c:pt idx="0">
+                  <c:v>XGBoost</c:v>
+                </c:pt>
+                <c:pt idx="1">
+                  <c:v>Naive Bayes</c:v>
+                </c:pt>
+                <c:pt idx="2">
+                  <c:v>LogR</c:v>
+                </c:pt>
+                <c:pt idx="3">
+                  <c:v>SVM</c:v>
+                </c:pt>
+              </c:strCache>
+            </c:strRef>
+          </c:cat>
+          <c:val>
+            <c:numRef>
+              <c:f>main!$D$4:$D$7</c:f>
+              <c:numCache>
+                <c:formatCode>General</c:formatCode>
+                <c:ptCount val="4"/>
+                <c:pt idx="0">
+                  <c:v>0.83599999999999997</c:v>
+                </c:pt>
+                <c:pt idx="1">
+                  <c:v>0.83899999999999997</c:v>
+                </c:pt>
+                <c:pt idx="2">
+                  <c:v>0.8962</c:v>
+                </c:pt>
+                <c:pt idx="3">
+                  <c:v>0.80259999999999998</c:v>
+                </c:pt>
+              </c:numCache>
+            </c:numRef>
+          </c:val>
+          <c:extLst>
+            <c:ext xmlns:c16="http://schemas.microsoft.com/office/drawing/2014/chart" uri="{C3380CC4-5D6E-409C-BE32-E72D297353CC}">
+              <c16:uniqueId val="{00000000-00A3-4775-8F5E-C124ABDC44BC}"/>
+            </c:ext>
+          </c:extLst>
+        </c:ser>
+        <c:ser>
+          <c:idx val="1"/>
+          <c:order val="1"/>
+          <c:tx>
+            <c:strRef>
+              <c:f>main!$E$3</c:f>
+              <c:strCache>
+                <c:ptCount val="1"/>
+                <c:pt idx="0">
+                  <c:v>BoW</c:v>
+                </c:pt>
+              </c:strCache>
+            </c:strRef>
+          </c:tx>
+          <c:invertIfNegative val="0"/>
+          <c:cat>
+            <c:strRef>
+              <c:f>main!$C$4:$C$7</c:f>
+              <c:strCache>
+                <c:ptCount val="4"/>
+                <c:pt idx="0">
+                  <c:v>XGBoost</c:v>
+                </c:pt>
+                <c:pt idx="1">
+                  <c:v>Naive Bayes</c:v>
+                </c:pt>
+                <c:pt idx="2">
+                  <c:v>LogR</c:v>
+                </c:pt>
+                <c:pt idx="3">
+                  <c:v>SVM</c:v>
+                </c:pt>
+              </c:strCache>
+            </c:strRef>
+          </c:cat>
+          <c:val>
+            <c:numRef>
+              <c:f>main!$E$4:$E$7</c:f>
+              <c:numCache>
+                <c:formatCode>General</c:formatCode>
+                <c:ptCount val="4"/>
+                <c:pt idx="0">
+                  <c:v>0.90839999999999999</c:v>
+                </c:pt>
+                <c:pt idx="1">
+                  <c:v>0.91790000000000005</c:v>
+                </c:pt>
+                <c:pt idx="2">
+                  <c:v>0.92679999999999996</c:v>
+                </c:pt>
+                <c:pt idx="3">
+                  <c:v>0.9264</c:v>
+                </c:pt>
+              </c:numCache>
+            </c:numRef>
+          </c:val>
+          <c:extLst>
+            <c:ext xmlns:c16="http://schemas.microsoft.com/office/drawing/2014/chart" uri="{C3380CC4-5D6E-409C-BE32-E72D297353CC}">
+              <c16:uniqueId val="{00000001-00A3-4775-8F5E-C124ABDC44BC}"/>
+            </c:ext>
+          </c:extLst>
+        </c:ser>
+        <c:ser>
+          <c:idx val="2"/>
+          <c:order val="2"/>
+          <c:tx>
+            <c:strRef>
+              <c:f>main!$F$3</c:f>
+              <c:strCache>
+                <c:ptCount val="1"/>
+                <c:pt idx="0">
+                  <c:v>With TFIDF</c:v>
+                </c:pt>
+              </c:strCache>
+            </c:strRef>
+          </c:tx>
+          <c:invertIfNegative val="0"/>
+          <c:dLbls>
+            <c:spPr>
+              <a:noFill/>
+              <a:ln>
+                <a:noFill/>
+              </a:ln>
+              <a:effectLst/>
+            </c:spPr>
+            <c:showLegendKey val="0"/>
+            <c:showVal val="1"/>
+            <c:showCatName val="0"/>
+            <c:showSerName val="0"/>
+            <c:showPercent val="0"/>
+            <c:showBubbleSize val="0"/>
+            <c:showLeaderLines val="0"/>
+            <c:extLst>
+              <c:ext xmlns:c15="http://schemas.microsoft.com/office/drawing/2012/chart" uri="{CE6537A1-D6FC-4f65-9D91-7224C49458BB}">
+                <c15:showLeaderLines val="0"/>
+              </c:ext>
+            </c:extLst>
+          </c:dLbls>
+          <c:cat>
+            <c:strRef>
+              <c:f>main!$C$4:$C$7</c:f>
+              <c:strCache>
+                <c:ptCount val="4"/>
+                <c:pt idx="0">
+                  <c:v>XGBoost</c:v>
+                </c:pt>
+                <c:pt idx="1">
+                  <c:v>Naive Bayes</c:v>
+                </c:pt>
+                <c:pt idx="2">
+                  <c:v>LogR</c:v>
+                </c:pt>
+                <c:pt idx="3">
+                  <c:v>SVM</c:v>
+                </c:pt>
+              </c:strCache>
+            </c:strRef>
+          </c:cat>
+          <c:val>
+            <c:numRef>
+              <c:f>main!$F$4:$F$7</c:f>
+              <c:numCache>
+                <c:formatCode>General</c:formatCode>
+                <c:ptCount val="4"/>
+                <c:pt idx="0">
+                  <c:v>0.90400000000000003</c:v>
+                </c:pt>
+                <c:pt idx="1">
+                  <c:v>0.91069999999999995</c:v>
+                </c:pt>
+                <c:pt idx="2">
+                  <c:v>0.92579999999999996</c:v>
+                </c:pt>
+                <c:pt idx="3">
+                  <c:v>0.9264</c:v>
+                </c:pt>
+              </c:numCache>
+            </c:numRef>
+          </c:val>
+          <c:extLst>
+            <c:ext xmlns:c16="http://schemas.microsoft.com/office/drawing/2014/chart" uri="{C3380CC4-5D6E-409C-BE32-E72D297353CC}">
+              <c16:uniqueId val="{00000002-00A3-4775-8F5E-C124ABDC44BC}"/>
+            </c:ext>
+          </c:extLst>
+        </c:ser>
+        <c:dLbls>
+          <c:showLegendKey val="0"/>
+          <c:showVal val="0"/>
+          <c:showCatName val="0"/>
+          <c:showSerName val="0"/>
+          <c:showPercent val="0"/>
+          <c:showBubbleSize val="0"/>
+        </c:dLbls>
+        <c:gapWidth val="150"/>
+        <c:axId val="218051328"/>
+        <c:axId val="218052864"/>
+      </c:barChart>
+      <c:catAx>
+        <c:axId val="218051328"/>
+        <c:scaling>
+          <c:orientation val="minMax"/>
+        </c:scaling>
+        <c:delete val="0"/>
+        <c:axPos val="b"/>
+        <c:title>
+          <c:tx>
+            <c:rich>
+              <a:bodyPr/>
+              <a:lstStyle/>
+              <a:p>
+                <a:pPr>
+                  <a:defRPr sz="1200"/>
+                </a:pPr>
+                <a:r>
+                  <a:rPr lang="de-DE" sz="1200"/>
+                  <a:t>Models</a:t>
+                </a:r>
+              </a:p>
+            </c:rich>
+          </c:tx>
+          <c:overlay val="0"/>
+        </c:title>
+        <c:numFmt formatCode="General" sourceLinked="0"/>
+        <c:majorTickMark val="out"/>
+        <c:minorTickMark val="none"/>
+        <c:tickLblPos val="nextTo"/>
+        <c:crossAx val="218052864"/>
+        <c:crosses val="autoZero"/>
+        <c:auto val="1"/>
+        <c:lblAlgn val="ctr"/>
+        <c:lblOffset val="100"/>
+        <c:noMultiLvlLbl val="0"/>
+      </c:catAx>
+      <c:valAx>
+        <c:axId val="218052864"/>
+        <c:scaling>
+          <c:orientation val="minMax"/>
+        </c:scaling>
+        <c:delete val="0"/>
+        <c:axPos val="l"/>
+        <c:majorGridlines/>
+        <c:title>
+          <c:tx>
+            <c:rich>
+              <a:bodyPr rot="-5400000" vert="horz"/>
+              <a:lstStyle/>
+              <a:p>
+                <a:pPr>
+                  <a:defRPr sz="1200"/>
+                </a:pPr>
+                <a:r>
+                  <a:rPr lang="de-DE" sz="1200"/>
+                  <a:t>Accuracy </a:t>
+                </a:r>
+              </a:p>
+            </c:rich>
+          </c:tx>
+          <c:overlay val="0"/>
+        </c:title>
+        <c:numFmt formatCode="General" sourceLinked="1"/>
+        <c:majorTickMark val="out"/>
+        <c:minorTickMark val="none"/>
+        <c:tickLblPos val="nextTo"/>
+        <c:crossAx val="218051328"/>
+        <c:crosses val="autoZero"/>
+        <c:crossBetween val="between"/>
+      </c:valAx>
+    </c:plotArea>
+    <c:legend>
+      <c:legendPos val="t"/>
+      <c:overlay val="0"/>
+    </c:legend>
+    <c:plotVisOnly val="1"/>
+    <c:dispBlanksAs val="gap"/>
+    <c:showDLblsOverMax val="0"/>
+  </c:chart>
+  <c:externalData r:id="rId1">
+    <c:autoUpdate val="0"/>
+  </c:externalData>
+</c:chartSpace>
+</file>
+
+<file path=ppt/charts/chart5.xml><?xml version="1.0" encoding="utf-8"?>
 <c:chartSpace xmlns:c="http://schemas.openxmlformats.org/drawingml/2006/chart" xmlns:a="http://schemas.openxmlformats.org/drawingml/2006/main" xmlns:r="http://schemas.openxmlformats.org/officeDocument/2006/relationships" xmlns:c16r2="http://schemas.microsoft.com/office/drawing/2015/06/chart">
   <c:date1904 val="0"/>
   <c:lang val="pt-PT"/>
@@ -1933,126 +2046,6 @@
 </file>
 
 <file path=ppt/charts/colors1.xml><?xml version="1.0" encoding="utf-8"?>
-<cs:colorStyle xmlns:cs="http://schemas.microsoft.com/office/drawing/2012/chartStyle" xmlns:a="http://schemas.openxmlformats.org/drawingml/2006/main" meth="cycle" id="10">
-  <a:schemeClr val="accent1"/>
-  <a:schemeClr val="accent2"/>
-  <a:schemeClr val="accent3"/>
-  <a:schemeClr val="accent4"/>
-  <a:schemeClr val="accent5"/>
-  <a:schemeClr val="accent6"/>
-  <cs:variation/>
-  <cs:variation>
-    <a:lumMod val="60000"/>
-  </cs:variation>
-  <cs:variation>
-    <a:lumMod val="80000"/>
-    <a:lumOff val="20000"/>
-  </cs:variation>
-  <cs:variation>
-    <a:lumMod val="80000"/>
-  </cs:variation>
-  <cs:variation>
-    <a:lumMod val="60000"/>
-    <a:lumOff val="40000"/>
-  </cs:variation>
-  <cs:variation>
-    <a:lumMod val="50000"/>
-  </cs:variation>
-  <cs:variation>
-    <a:lumMod val="70000"/>
-    <a:lumOff val="30000"/>
-  </cs:variation>
-  <cs:variation>
-    <a:lumMod val="70000"/>
-  </cs:variation>
-  <cs:variation>
-    <a:lumMod val="50000"/>
-    <a:lumOff val="50000"/>
-  </cs:variation>
-</cs:colorStyle>
-</file>
-
-<file path=ppt/charts/colors2.xml><?xml version="1.0" encoding="utf-8"?>
-<cs:colorStyle xmlns:cs="http://schemas.microsoft.com/office/drawing/2012/chartStyle" xmlns:a="http://schemas.openxmlformats.org/drawingml/2006/main" meth="cycle" id="10">
-  <a:schemeClr val="accent1"/>
-  <a:schemeClr val="accent2"/>
-  <a:schemeClr val="accent3"/>
-  <a:schemeClr val="accent4"/>
-  <a:schemeClr val="accent5"/>
-  <a:schemeClr val="accent6"/>
-  <cs:variation/>
-  <cs:variation>
-    <a:lumMod val="60000"/>
-  </cs:variation>
-  <cs:variation>
-    <a:lumMod val="80000"/>
-    <a:lumOff val="20000"/>
-  </cs:variation>
-  <cs:variation>
-    <a:lumMod val="80000"/>
-  </cs:variation>
-  <cs:variation>
-    <a:lumMod val="60000"/>
-    <a:lumOff val="40000"/>
-  </cs:variation>
-  <cs:variation>
-    <a:lumMod val="50000"/>
-  </cs:variation>
-  <cs:variation>
-    <a:lumMod val="70000"/>
-    <a:lumOff val="30000"/>
-  </cs:variation>
-  <cs:variation>
-    <a:lumMod val="70000"/>
-  </cs:variation>
-  <cs:variation>
-    <a:lumMod val="50000"/>
-    <a:lumOff val="50000"/>
-  </cs:variation>
-</cs:colorStyle>
-</file>
-
-<file path=ppt/charts/colors3.xml><?xml version="1.0" encoding="utf-8"?>
-<cs:colorStyle xmlns:cs="http://schemas.microsoft.com/office/drawing/2012/chartStyle" xmlns:a="http://schemas.openxmlformats.org/drawingml/2006/main" meth="cycle" id="10">
-  <a:schemeClr val="accent1"/>
-  <a:schemeClr val="accent2"/>
-  <a:schemeClr val="accent3"/>
-  <a:schemeClr val="accent4"/>
-  <a:schemeClr val="accent5"/>
-  <a:schemeClr val="accent6"/>
-  <cs:variation/>
-  <cs:variation>
-    <a:lumMod val="60000"/>
-  </cs:variation>
-  <cs:variation>
-    <a:lumMod val="80000"/>
-    <a:lumOff val="20000"/>
-  </cs:variation>
-  <cs:variation>
-    <a:lumMod val="80000"/>
-  </cs:variation>
-  <cs:variation>
-    <a:lumMod val="60000"/>
-    <a:lumOff val="40000"/>
-  </cs:variation>
-  <cs:variation>
-    <a:lumMod val="50000"/>
-  </cs:variation>
-  <cs:variation>
-    <a:lumMod val="70000"/>
-    <a:lumOff val="30000"/>
-  </cs:variation>
-  <cs:variation>
-    <a:lumMod val="70000"/>
-  </cs:variation>
-  <cs:variation>
-    <a:lumMod val="50000"/>
-    <a:lumOff val="50000"/>
-  </cs:variation>
-</cs:colorStyle>
-</file>
-
-<file path=ppt/charts/colors4.xml><?xml version="1.0" encoding="utf-8"?>
 <cs:colorStyle xmlns:cs="http://schemas.microsoft.com/office/drawing/2012/chartStyle" xmlns:a="http://schemas.openxmlformats.org/drawingml/2006/main" meth="cycle" id="10">
   <a:schemeClr val="accent1"/>
   <a:schemeClr val="accent2"/>
@@ -2608,1552 +2601,539 @@
 </cs:chartStyle>
 </file>
 
-<file path=ppt/charts/style2.xml><?xml version="1.0" encoding="utf-8"?>
-<cs:chartStyle xmlns:cs="http://schemas.microsoft.com/office/drawing/2012/chartStyle" xmlns:a="http://schemas.openxmlformats.org/drawingml/2006/main" id="227">
-  <cs:axisTitle>
-    <cs:lnRef idx="0"/>
-    <cs:fillRef idx="0"/>
-    <cs:effectRef idx="0"/>
-    <cs:fontRef idx="minor">
-      <a:schemeClr val="tx1">
-        <a:lumMod val="65000"/>
-        <a:lumOff val="35000"/>
-      </a:schemeClr>
-    </cs:fontRef>
-    <cs:defRPr sz="1330" kern="1200"/>
-  </cs:axisTitle>
-  <cs:categoryAxis>
-    <cs:lnRef idx="0"/>
-    <cs:fillRef idx="0"/>
-    <cs:effectRef idx="0"/>
-    <cs:fontRef idx="minor">
-      <a:schemeClr val="tx1">
-        <a:lumMod val="65000"/>
-        <a:lumOff val="35000"/>
-      </a:schemeClr>
-    </cs:fontRef>
-    <cs:spPr>
-      <a:ln w="9525" cap="flat" cmpd="sng" algn="ctr">
+<file path=ppt/notesMasters/notesMaster1.xml><?xml version="1.0" encoding="utf-8"?>
+<p:notesMaster xmlns:a="http://schemas.openxmlformats.org/drawingml/2006/main" xmlns:r="http://schemas.openxmlformats.org/officeDocument/2006/relationships" xmlns:p="http://schemas.openxmlformats.org/presentationml/2006/main">
+  <p:cSld>
+    <p:bg>
+      <p:bgRef idx="1001">
+        <a:schemeClr val="bg1"/>
+      </p:bgRef>
+    </p:bg>
+    <p:spTree>
+      <p:nvGrpSpPr>
+        <p:cNvPr id="1" name=""/>
+        <p:cNvGrpSpPr/>
+        <p:nvPr/>
+      </p:nvGrpSpPr>
+      <p:grpSpPr>
+        <a:xfrm>
+          <a:off x="0" y="0"/>
+          <a:ext cx="0" cy="0"/>
+          <a:chOff x="0" y="0"/>
+          <a:chExt cx="0" cy="0"/>
+        </a:xfrm>
+      </p:grpSpPr>
+      <p:sp>
+        <p:nvSpPr>
+          <p:cNvPr id="2" name="Marcador de Posição do Cabeçalho 1"/>
+          <p:cNvSpPr>
+            <a:spLocks noGrp="1"/>
+          </p:cNvSpPr>
+          <p:nvPr>
+            <p:ph type="hdr" sz="quarter"/>
+          </p:nvPr>
+        </p:nvSpPr>
+        <p:spPr>
+          <a:xfrm>
+            <a:off x="0" y="0"/>
+            <a:ext cx="2971800" cy="458788"/>
+          </a:xfrm>
+          <a:prstGeom prst="rect">
+            <a:avLst/>
+          </a:prstGeom>
+        </p:spPr>
+        <p:txBody>
+          <a:bodyPr vert="horz" lIns="91440" tIns="45720" rIns="91440" bIns="45720" rtlCol="0"/>
+          <a:lstStyle>
+            <a:lvl1pPr algn="l">
+              <a:defRPr sz="1200"/>
+            </a:lvl1pPr>
+          </a:lstStyle>
+          <a:p>
+            <a:endParaRPr lang="pt-PT"/>
+          </a:p>
+        </p:txBody>
+      </p:sp>
+      <p:sp>
+        <p:nvSpPr>
+          <p:cNvPr id="3" name="Marcador de Posição da Data 2"/>
+          <p:cNvSpPr>
+            <a:spLocks noGrp="1"/>
+          </p:cNvSpPr>
+          <p:nvPr>
+            <p:ph type="dt" idx="1"/>
+          </p:nvPr>
+        </p:nvSpPr>
+        <p:spPr>
+          <a:xfrm>
+            <a:off x="3884613" y="0"/>
+            <a:ext cx="2971800" cy="458788"/>
+          </a:xfrm>
+          <a:prstGeom prst="rect">
+            <a:avLst/>
+          </a:prstGeom>
+        </p:spPr>
+        <p:txBody>
+          <a:bodyPr vert="horz" lIns="91440" tIns="45720" rIns="91440" bIns="45720" rtlCol="0"/>
+          <a:lstStyle>
+            <a:lvl1pPr algn="r">
+              <a:defRPr sz="1200"/>
+            </a:lvl1pPr>
+          </a:lstStyle>
+          <a:p>
+            <a:fld id="{B077CD6D-6FEE-44A2-9D60-E7227B8AB1FD}" type="datetimeFigureOut">
+              <a:rPr lang="pt-PT" smtClean="0"/>
+              <a:t>04/10/2024</a:t>
+            </a:fld>
+            <a:endParaRPr lang="pt-PT"/>
+          </a:p>
+        </p:txBody>
+      </p:sp>
+      <p:sp>
+        <p:nvSpPr>
+          <p:cNvPr id="4" name="Marcador de Posição da Imagem do Diapositivo 3"/>
+          <p:cNvSpPr>
+            <a:spLocks noGrp="1" noRot="1" noChangeAspect="1"/>
+          </p:cNvSpPr>
+          <p:nvPr>
+            <p:ph type="sldImg" idx="2"/>
+          </p:nvPr>
+        </p:nvSpPr>
+        <p:spPr>
+          <a:xfrm>
+            <a:off x="685800" y="1143000"/>
+            <a:ext cx="5486400" cy="3086100"/>
+          </a:xfrm>
+          <a:prstGeom prst="rect">
+            <a:avLst/>
+          </a:prstGeom>
+          <a:noFill/>
+          <a:ln w="12700">
+            <a:solidFill>
+              <a:prstClr val="black"/>
+            </a:solidFill>
+          </a:ln>
+        </p:spPr>
+        <p:txBody>
+          <a:bodyPr vert="horz" lIns="91440" tIns="45720" rIns="91440" bIns="45720" rtlCol="0" anchor="ctr"/>
+          <a:lstStyle/>
+          <a:p>
+            <a:endParaRPr lang="pt-PT"/>
+          </a:p>
+        </p:txBody>
+      </p:sp>
+      <p:sp>
+        <p:nvSpPr>
+          <p:cNvPr id="5" name="Marcador de Posição de Notas 4"/>
+          <p:cNvSpPr>
+            <a:spLocks noGrp="1"/>
+          </p:cNvSpPr>
+          <p:nvPr>
+            <p:ph type="body" sz="quarter" idx="3"/>
+          </p:nvPr>
+        </p:nvSpPr>
+        <p:spPr>
+          <a:xfrm>
+            <a:off x="685800" y="4400550"/>
+            <a:ext cx="5486400" cy="3600450"/>
+          </a:xfrm>
+          <a:prstGeom prst="rect">
+            <a:avLst/>
+          </a:prstGeom>
+        </p:spPr>
+        <p:txBody>
+          <a:bodyPr vert="horz" lIns="91440" tIns="45720" rIns="91440" bIns="45720" rtlCol="0"/>
+          <a:lstStyle/>
+          <a:p>
+            <a:pPr lvl="0"/>
+            <a:r>
+              <a:rPr lang="pt-PT"/>
+              <a:t>Clique para editar os estilos do texto de Modelo Global</a:t>
+            </a:r>
+          </a:p>
+          <a:p>
+            <a:pPr lvl="1"/>
+            <a:r>
+              <a:rPr lang="pt-PT"/>
+              <a:t>Segundo nível</a:t>
+            </a:r>
+          </a:p>
+          <a:p>
+            <a:pPr lvl="2"/>
+            <a:r>
+              <a:rPr lang="pt-PT"/>
+              <a:t>Terceiro nível</a:t>
+            </a:r>
+          </a:p>
+          <a:p>
+            <a:pPr lvl="3"/>
+            <a:r>
+              <a:rPr lang="pt-PT"/>
+              <a:t>Quarto nível</a:t>
+            </a:r>
+          </a:p>
+          <a:p>
+            <a:pPr lvl="4"/>
+            <a:r>
+              <a:rPr lang="pt-PT"/>
+              <a:t>Quinto nível</a:t>
+            </a:r>
+          </a:p>
+        </p:txBody>
+      </p:sp>
+      <p:sp>
+        <p:nvSpPr>
+          <p:cNvPr id="6" name="Marcador de Posição do Rodapé 5"/>
+          <p:cNvSpPr>
+            <a:spLocks noGrp="1"/>
+          </p:cNvSpPr>
+          <p:nvPr>
+            <p:ph type="ftr" sz="quarter" idx="4"/>
+          </p:nvPr>
+        </p:nvSpPr>
+        <p:spPr>
+          <a:xfrm>
+            <a:off x="0" y="8685213"/>
+            <a:ext cx="2971800" cy="458787"/>
+          </a:xfrm>
+          <a:prstGeom prst="rect">
+            <a:avLst/>
+          </a:prstGeom>
+        </p:spPr>
+        <p:txBody>
+          <a:bodyPr vert="horz" lIns="91440" tIns="45720" rIns="91440" bIns="45720" rtlCol="0" anchor="b"/>
+          <a:lstStyle>
+            <a:lvl1pPr algn="l">
+              <a:defRPr sz="1200"/>
+            </a:lvl1pPr>
+          </a:lstStyle>
+          <a:p>
+            <a:endParaRPr lang="pt-PT"/>
+          </a:p>
+        </p:txBody>
+      </p:sp>
+      <p:sp>
+        <p:nvSpPr>
+          <p:cNvPr id="7" name="Marcador de Posição do Número do Diapositivo 6"/>
+          <p:cNvSpPr>
+            <a:spLocks noGrp="1"/>
+          </p:cNvSpPr>
+          <p:nvPr>
+            <p:ph type="sldNum" sz="quarter" idx="5"/>
+          </p:nvPr>
+        </p:nvSpPr>
+        <p:spPr>
+          <a:xfrm>
+            <a:off x="3884613" y="8685213"/>
+            <a:ext cx="2971800" cy="458787"/>
+          </a:xfrm>
+          <a:prstGeom prst="rect">
+            <a:avLst/>
+          </a:prstGeom>
+        </p:spPr>
+        <p:txBody>
+          <a:bodyPr vert="horz" lIns="91440" tIns="45720" rIns="91440" bIns="45720" rtlCol="0" anchor="b"/>
+          <a:lstStyle>
+            <a:lvl1pPr algn="r">
+              <a:defRPr sz="1200"/>
+            </a:lvl1pPr>
+          </a:lstStyle>
+          <a:p>
+            <a:fld id="{36E6DCC6-AD03-4529-8785-52C9E9DDBC13}" type="slidenum">
+              <a:rPr lang="pt-PT" smtClean="0"/>
+              <a:t>‹nº›</a:t>
+            </a:fld>
+            <a:endParaRPr lang="pt-PT"/>
+          </a:p>
+        </p:txBody>
+      </p:sp>
+    </p:spTree>
+    <p:extLst>
+      <p:ext uri="{BB962C8B-B14F-4D97-AF65-F5344CB8AC3E}">
+        <p14:creationId xmlns:p14="http://schemas.microsoft.com/office/powerpoint/2010/main" val="2640702216"/>
+      </p:ext>
+    </p:extLst>
+  </p:cSld>
+  <p:clrMap bg1="lt1" tx1="dk1" bg2="lt2" tx2="dk2" accent1="accent1" accent2="accent2" accent3="accent3" accent4="accent4" accent5="accent5" accent6="accent6" hlink="hlink" folHlink="folHlink"/>
+  <p:notesStyle>
+    <a:lvl1pPr marL="0" algn="l" defTabSz="914400" rtl="0" eaLnBrk="1" latinLnBrk="0" hangingPunct="1">
+      <a:defRPr sz="1200" kern="1200">
         <a:solidFill>
-          <a:schemeClr val="tx1">
-            <a:lumMod val="15000"/>
-            <a:lumOff val="85000"/>
-          </a:schemeClr>
+          <a:schemeClr val="tx1"/>
         </a:solidFill>
-        <a:round/>
-      </a:ln>
-    </cs:spPr>
-    <cs:defRPr sz="1197" kern="1200"/>
-  </cs:categoryAxis>
-  <cs:chartArea mods="allowNoFillOverride allowNoLineOverride">
-    <cs:lnRef idx="0"/>
-    <cs:fillRef idx="0"/>
-    <cs:effectRef idx="0"/>
-    <cs:fontRef idx="minor">
-      <a:schemeClr val="tx1"/>
-    </cs:fontRef>
-    <cs:spPr>
-      <a:solidFill>
-        <a:schemeClr val="bg1"/>
-      </a:solidFill>
-      <a:ln w="9525" cap="flat" cmpd="sng" algn="ctr">
+        <a:latin typeface="+mn-lt"/>
+        <a:ea typeface="+mn-ea"/>
+        <a:cs typeface="+mn-cs"/>
+      </a:defRPr>
+    </a:lvl1pPr>
+    <a:lvl2pPr marL="457200" algn="l" defTabSz="914400" rtl="0" eaLnBrk="1" latinLnBrk="0" hangingPunct="1">
+      <a:defRPr sz="1200" kern="1200">
         <a:solidFill>
-          <a:schemeClr val="tx1">
-            <a:lumMod val="15000"/>
-            <a:lumOff val="85000"/>
-          </a:schemeClr>
+          <a:schemeClr val="tx1"/>
         </a:solidFill>
-        <a:round/>
-      </a:ln>
-    </cs:spPr>
-    <cs:defRPr sz="1330" kern="1200"/>
-  </cs:chartArea>
-  <cs:dataLabel>
-    <cs:lnRef idx="0"/>
-    <cs:fillRef idx="0"/>
-    <cs:effectRef idx="0"/>
-    <cs:fontRef idx="minor">
-      <a:schemeClr val="tx1">
-        <a:lumMod val="75000"/>
-        <a:lumOff val="25000"/>
-      </a:schemeClr>
-    </cs:fontRef>
-    <cs:defRPr sz="1197" kern="1200"/>
-  </cs:dataLabel>
-  <cs:dataLabelCallout>
-    <cs:lnRef idx="0"/>
-    <cs:fillRef idx="0"/>
-    <cs:effectRef idx="0"/>
-    <cs:fontRef idx="minor">
-      <a:schemeClr val="dk1">
-        <a:lumMod val="65000"/>
-        <a:lumOff val="35000"/>
-      </a:schemeClr>
-    </cs:fontRef>
-    <cs:spPr>
-      <a:solidFill>
-        <a:schemeClr val="lt1"/>
-      </a:solidFill>
-      <a:ln>
+        <a:latin typeface="+mn-lt"/>
+        <a:ea typeface="+mn-ea"/>
+        <a:cs typeface="+mn-cs"/>
+      </a:defRPr>
+    </a:lvl2pPr>
+    <a:lvl3pPr marL="914400" algn="l" defTabSz="914400" rtl="0" eaLnBrk="1" latinLnBrk="0" hangingPunct="1">
+      <a:defRPr sz="1200" kern="1200">
         <a:solidFill>
-          <a:schemeClr val="dk1">
-            <a:lumMod val="25000"/>
-            <a:lumOff val="75000"/>
-          </a:schemeClr>
+          <a:schemeClr val="tx1"/>
         </a:solidFill>
-      </a:ln>
-    </cs:spPr>
-    <cs:defRPr sz="1197" kern="1200"/>
-    <cs:bodyPr rot="0" spcFirstLastPara="1" vertOverflow="clip" horzOverflow="clip" vert="horz" wrap="square" lIns="36576" tIns="18288" rIns="36576" bIns="18288" anchor="ctr" anchorCtr="1">
-      <a:spAutoFit/>
-    </cs:bodyPr>
-  </cs:dataLabelCallout>
-  <cs:dataPoint>
-    <cs:lnRef idx="0"/>
-    <cs:fillRef idx="1">
-      <cs:styleClr val="auto"/>
-    </cs:fillRef>
-    <cs:effectRef idx="0"/>
-    <cs:fontRef idx="minor">
-      <a:schemeClr val="tx1"/>
-    </cs:fontRef>
-    <cs:spPr>
-      <a:solidFill>
-        <a:schemeClr val="phClr"/>
-      </a:solidFill>
-    </cs:spPr>
-  </cs:dataPoint>
-  <cs:dataPoint3D>
-    <cs:lnRef idx="0"/>
-    <cs:fillRef idx="1">
-      <cs:styleClr val="auto"/>
-    </cs:fillRef>
-    <cs:effectRef idx="0"/>
-    <cs:fontRef idx="minor">
-      <a:schemeClr val="tx1"/>
-    </cs:fontRef>
-    <cs:spPr>
-      <a:solidFill>
-        <a:schemeClr val="phClr"/>
-      </a:solidFill>
-    </cs:spPr>
-  </cs:dataPoint3D>
-  <cs:dataPointLine>
-    <cs:lnRef idx="0">
-      <cs:styleClr val="auto"/>
-    </cs:lnRef>
-    <cs:fillRef idx="1"/>
-    <cs:effectRef idx="0"/>
-    <cs:fontRef idx="minor">
-      <a:schemeClr val="tx1"/>
-    </cs:fontRef>
-    <cs:spPr>
-      <a:ln w="28575" cap="rnd">
+        <a:latin typeface="+mn-lt"/>
+        <a:ea typeface="+mn-ea"/>
+        <a:cs typeface="+mn-cs"/>
+      </a:defRPr>
+    </a:lvl3pPr>
+    <a:lvl4pPr marL="1371600" algn="l" defTabSz="914400" rtl="0" eaLnBrk="1" latinLnBrk="0" hangingPunct="1">
+      <a:defRPr sz="1200" kern="1200">
         <a:solidFill>
-          <a:schemeClr val="phClr"/>
+          <a:schemeClr val="tx1"/>
         </a:solidFill>
-        <a:round/>
-      </a:ln>
-    </cs:spPr>
-  </cs:dataPointLine>
-  <cs:dataPointMarker>
-    <cs:lnRef idx="0">
-      <cs:styleClr val="auto"/>
-    </cs:lnRef>
-    <cs:fillRef idx="1">
-      <cs:styleClr val="auto"/>
-    </cs:fillRef>
-    <cs:effectRef idx="0"/>
-    <cs:fontRef idx="minor">
-      <a:schemeClr val="tx1"/>
-    </cs:fontRef>
-    <cs:spPr>
-      <a:solidFill>
-        <a:schemeClr val="phClr"/>
-      </a:solidFill>
-      <a:ln w="9525">
+        <a:latin typeface="+mn-lt"/>
+        <a:ea typeface="+mn-ea"/>
+        <a:cs typeface="+mn-cs"/>
+      </a:defRPr>
+    </a:lvl4pPr>
+    <a:lvl5pPr marL="1828800" algn="l" defTabSz="914400" rtl="0" eaLnBrk="1" latinLnBrk="0" hangingPunct="1">
+      <a:defRPr sz="1200" kern="1200">
         <a:solidFill>
-          <a:schemeClr val="phClr"/>
+          <a:schemeClr val="tx1"/>
         </a:solidFill>
-      </a:ln>
-    </cs:spPr>
-  </cs:dataPointMarker>
-  <cs:dataPointMarkerLayout symbol="circle" size="5"/>
-  <cs:dataPointWireframe>
-    <cs:lnRef idx="0">
-      <cs:styleClr val="auto"/>
-    </cs:lnRef>
-    <cs:fillRef idx="1"/>
-    <cs:effectRef idx="0"/>
-    <cs:fontRef idx="minor">
-      <a:schemeClr val="tx1"/>
-    </cs:fontRef>
-    <cs:spPr>
-      <a:ln w="9525" cap="rnd">
+        <a:latin typeface="+mn-lt"/>
+        <a:ea typeface="+mn-ea"/>
+        <a:cs typeface="+mn-cs"/>
+      </a:defRPr>
+    </a:lvl5pPr>
+    <a:lvl6pPr marL="2286000" algn="l" defTabSz="914400" rtl="0" eaLnBrk="1" latinLnBrk="0" hangingPunct="1">
+      <a:defRPr sz="1200" kern="1200">
         <a:solidFill>
-          <a:schemeClr val="phClr"/>
+          <a:schemeClr val="tx1"/>
         </a:solidFill>
-        <a:round/>
-      </a:ln>
-    </cs:spPr>
-  </cs:dataPointWireframe>
-  <cs:dataTable>
-    <cs:lnRef idx="0"/>
-    <cs:fillRef idx="0"/>
-    <cs:effectRef idx="0"/>
-    <cs:fontRef idx="minor">
-      <a:schemeClr val="tx1">
-        <a:lumMod val="65000"/>
-        <a:lumOff val="35000"/>
-      </a:schemeClr>
-    </cs:fontRef>
-    <cs:spPr>
-      <a:noFill/>
-      <a:ln w="9525" cap="flat" cmpd="sng" algn="ctr">
+        <a:latin typeface="+mn-lt"/>
+        <a:ea typeface="+mn-ea"/>
+        <a:cs typeface="+mn-cs"/>
+      </a:defRPr>
+    </a:lvl6pPr>
+    <a:lvl7pPr marL="2743200" algn="l" defTabSz="914400" rtl="0" eaLnBrk="1" latinLnBrk="0" hangingPunct="1">
+      <a:defRPr sz="1200" kern="1200">
         <a:solidFill>
-          <a:schemeClr val="tx1">
-            <a:lumMod val="15000"/>
-            <a:lumOff val="85000"/>
-          </a:schemeClr>
+          <a:schemeClr val="tx1"/>
         </a:solidFill>
-        <a:round/>
-      </a:ln>
-    </cs:spPr>
-    <cs:defRPr sz="1197" kern="1200"/>
-  </cs:dataTable>
-  <cs:downBar>
-    <cs:lnRef idx="0"/>
-    <cs:fillRef idx="0"/>
-    <cs:effectRef idx="0"/>
-    <cs:fontRef idx="minor">
-      <a:schemeClr val="dk1"/>
-    </cs:fontRef>
-    <cs:spPr>
-      <a:solidFill>
-        <a:schemeClr val="dk1">
-          <a:lumMod val="65000"/>
-          <a:lumOff val="35000"/>
-        </a:schemeClr>
-      </a:solidFill>
-      <a:ln w="9525">
+        <a:latin typeface="+mn-lt"/>
+        <a:ea typeface="+mn-ea"/>
+        <a:cs typeface="+mn-cs"/>
+      </a:defRPr>
+    </a:lvl7pPr>
+    <a:lvl8pPr marL="3200400" algn="l" defTabSz="914400" rtl="0" eaLnBrk="1" latinLnBrk="0" hangingPunct="1">
+      <a:defRPr sz="1200" kern="1200">
         <a:solidFill>
-          <a:schemeClr val="tx1">
-            <a:lumMod val="65000"/>
-            <a:lumOff val="35000"/>
-          </a:schemeClr>
+          <a:schemeClr val="tx1"/>
         </a:solidFill>
-      </a:ln>
-    </cs:spPr>
-  </cs:downBar>
-  <cs:dropLine>
-    <cs:lnRef idx="0"/>
-    <cs:fillRef idx="0"/>
-    <cs:effectRef idx="0"/>
-    <cs:fontRef idx="minor">
-      <a:schemeClr val="tx1"/>
-    </cs:fontRef>
-    <cs:spPr>
-      <a:ln w="9525" cap="flat" cmpd="sng" algn="ctr">
+        <a:latin typeface="+mn-lt"/>
+        <a:ea typeface="+mn-ea"/>
+        <a:cs typeface="+mn-cs"/>
+      </a:defRPr>
+    </a:lvl8pPr>
+    <a:lvl9pPr marL="3657600" algn="l" defTabSz="914400" rtl="0" eaLnBrk="1" latinLnBrk="0" hangingPunct="1">
+      <a:defRPr sz="1200" kern="1200">
         <a:solidFill>
-          <a:schemeClr val="tx1">
-            <a:lumMod val="35000"/>
-            <a:lumOff val="65000"/>
-          </a:schemeClr>
+          <a:schemeClr val="tx1"/>
         </a:solidFill>
-        <a:round/>
-      </a:ln>
-    </cs:spPr>
-  </cs:dropLine>
-  <cs:errorBar>
-    <cs:lnRef idx="0"/>
-    <cs:fillRef idx="0"/>
-    <cs:effectRef idx="0"/>
-    <cs:fontRef idx="minor">
-      <a:schemeClr val="tx1"/>
-    </cs:fontRef>
-    <cs:spPr>
-      <a:ln w="9525" cap="flat" cmpd="sng" algn="ctr">
-        <a:solidFill>
-          <a:schemeClr val="tx1">
-            <a:lumMod val="65000"/>
-            <a:lumOff val="35000"/>
-          </a:schemeClr>
-        </a:solidFill>
-        <a:round/>
-      </a:ln>
-    </cs:spPr>
-  </cs:errorBar>
-  <cs:floor>
-    <cs:lnRef idx="0"/>
-    <cs:fillRef idx="0"/>
-    <cs:effectRef idx="0"/>
-    <cs:fontRef idx="minor">
-      <a:schemeClr val="tx1"/>
-    </cs:fontRef>
-    <cs:spPr>
-      <a:noFill/>
-      <a:ln>
-        <a:noFill/>
-      </a:ln>
-    </cs:spPr>
-  </cs:floor>
-  <cs:gridlineMajor>
-    <cs:lnRef idx="0"/>
-    <cs:fillRef idx="0"/>
-    <cs:effectRef idx="0"/>
-    <cs:fontRef idx="minor">
-      <a:schemeClr val="tx1"/>
-    </cs:fontRef>
-    <cs:spPr>
-      <a:ln w="9525" cap="flat" cmpd="sng" algn="ctr">
-        <a:solidFill>
-          <a:schemeClr val="tx1">
-            <a:lumMod val="15000"/>
-            <a:lumOff val="85000"/>
-          </a:schemeClr>
-        </a:solidFill>
-        <a:round/>
-      </a:ln>
-    </cs:spPr>
-  </cs:gridlineMajor>
-  <cs:gridlineMinor>
-    <cs:lnRef idx="0"/>
-    <cs:fillRef idx="0"/>
-    <cs:effectRef idx="0"/>
-    <cs:fontRef idx="minor">
-      <a:schemeClr val="tx1"/>
-    </cs:fontRef>
-    <cs:spPr>
-      <a:ln w="9525" cap="flat" cmpd="sng" algn="ctr">
-        <a:solidFill>
-          <a:schemeClr val="tx1">
-            <a:lumMod val="5000"/>
-            <a:lumOff val="95000"/>
-          </a:schemeClr>
-        </a:solidFill>
-        <a:round/>
-      </a:ln>
-    </cs:spPr>
-  </cs:gridlineMinor>
-  <cs:hiLoLine>
-    <cs:lnRef idx="0"/>
-    <cs:fillRef idx="0"/>
-    <cs:effectRef idx="0"/>
-    <cs:fontRef idx="minor">
-      <a:schemeClr val="tx1"/>
-    </cs:fontRef>
-    <cs:spPr>
-      <a:ln w="9525" cap="flat" cmpd="sng" algn="ctr">
-        <a:solidFill>
-          <a:schemeClr val="tx1">
-            <a:lumMod val="75000"/>
-            <a:lumOff val="25000"/>
-          </a:schemeClr>
-        </a:solidFill>
-        <a:round/>
-      </a:ln>
-    </cs:spPr>
-  </cs:hiLoLine>
-  <cs:leaderLine>
-    <cs:lnRef idx="0"/>
-    <cs:fillRef idx="0"/>
-    <cs:effectRef idx="0"/>
-    <cs:fontRef idx="minor">
-      <a:schemeClr val="tx1"/>
-    </cs:fontRef>
-    <cs:spPr>
-      <a:ln w="9525" cap="flat" cmpd="sng" algn="ctr">
-        <a:solidFill>
-          <a:schemeClr val="tx1">
-            <a:lumMod val="35000"/>
-            <a:lumOff val="65000"/>
-          </a:schemeClr>
-        </a:solidFill>
-        <a:round/>
-      </a:ln>
-    </cs:spPr>
-  </cs:leaderLine>
-  <cs:legend>
-    <cs:lnRef idx="0"/>
-    <cs:fillRef idx="0"/>
-    <cs:effectRef idx="0"/>
-    <cs:fontRef idx="minor">
-      <a:schemeClr val="tx1">
-        <a:lumMod val="65000"/>
-        <a:lumOff val="35000"/>
-      </a:schemeClr>
-    </cs:fontRef>
-    <cs:defRPr sz="1197" kern="1200"/>
-  </cs:legend>
-  <cs:plotArea mods="allowNoFillOverride allowNoLineOverride">
-    <cs:lnRef idx="0"/>
-    <cs:fillRef idx="0"/>
-    <cs:effectRef idx="0"/>
-    <cs:fontRef idx="minor">
-      <a:schemeClr val="tx1"/>
-    </cs:fontRef>
-  </cs:plotArea>
-  <cs:plotArea3D mods="allowNoFillOverride allowNoLineOverride">
-    <cs:lnRef idx="0"/>
-    <cs:fillRef idx="0"/>
-    <cs:effectRef idx="0"/>
-    <cs:fontRef idx="minor">
-      <a:schemeClr val="tx1"/>
-    </cs:fontRef>
-  </cs:plotArea3D>
-  <cs:seriesAxis>
-    <cs:lnRef idx="0"/>
-    <cs:fillRef idx="0"/>
-    <cs:effectRef idx="0"/>
-    <cs:fontRef idx="minor">
-      <a:schemeClr val="tx1">
-        <a:lumMod val="65000"/>
-        <a:lumOff val="35000"/>
-      </a:schemeClr>
-    </cs:fontRef>
-    <cs:defRPr sz="1197" kern="1200"/>
-  </cs:seriesAxis>
-  <cs:seriesLine>
-    <cs:lnRef idx="0"/>
-    <cs:fillRef idx="0"/>
-    <cs:effectRef idx="0"/>
-    <cs:fontRef idx="minor">
-      <a:schemeClr val="tx1"/>
-    </cs:fontRef>
-    <cs:spPr>
-      <a:ln w="9525" cap="flat" cmpd="sng" algn="ctr">
-        <a:solidFill>
-          <a:schemeClr val="tx1">
-            <a:lumMod val="35000"/>
-            <a:lumOff val="65000"/>
-          </a:schemeClr>
-        </a:solidFill>
-        <a:round/>
-      </a:ln>
-    </cs:spPr>
-  </cs:seriesLine>
-  <cs:title>
-    <cs:lnRef idx="0"/>
-    <cs:fillRef idx="0"/>
-    <cs:effectRef idx="0"/>
-    <cs:fontRef idx="minor">
-      <a:schemeClr val="tx1">
-        <a:lumMod val="65000"/>
-        <a:lumOff val="35000"/>
-      </a:schemeClr>
-    </cs:fontRef>
-    <cs:defRPr sz="1862" b="0" kern="1200" spc="0" baseline="0"/>
-  </cs:title>
-  <cs:trendline>
-    <cs:lnRef idx="0">
-      <cs:styleClr val="auto"/>
-    </cs:lnRef>
-    <cs:fillRef idx="0"/>
-    <cs:effectRef idx="0"/>
-    <cs:fontRef idx="minor">
-      <a:schemeClr val="tx1"/>
-    </cs:fontRef>
-    <cs:spPr>
-      <a:ln w="19050" cap="rnd">
-        <a:solidFill>
-          <a:schemeClr val="phClr"/>
-        </a:solidFill>
-        <a:prstDash val="sysDot"/>
-      </a:ln>
-    </cs:spPr>
-  </cs:trendline>
-  <cs:trendlineLabel>
-    <cs:lnRef idx="0"/>
-    <cs:fillRef idx="0"/>
-    <cs:effectRef idx="0"/>
-    <cs:fontRef idx="minor">
-      <a:schemeClr val="tx1">
-        <a:lumMod val="65000"/>
-        <a:lumOff val="35000"/>
-      </a:schemeClr>
-    </cs:fontRef>
-    <cs:defRPr sz="1197" kern="1200"/>
-  </cs:trendlineLabel>
-  <cs:upBar>
-    <cs:lnRef idx="0"/>
-    <cs:fillRef idx="0"/>
-    <cs:effectRef idx="0"/>
-    <cs:fontRef idx="minor">
-      <a:schemeClr val="dk1"/>
-    </cs:fontRef>
-    <cs:spPr>
-      <a:solidFill>
-        <a:schemeClr val="lt1"/>
-      </a:solidFill>
-      <a:ln w="9525">
-        <a:solidFill>
-          <a:schemeClr val="tx1">
-            <a:lumMod val="15000"/>
-            <a:lumOff val="85000"/>
-          </a:schemeClr>
-        </a:solidFill>
-      </a:ln>
-    </cs:spPr>
-  </cs:upBar>
-  <cs:valueAxis>
-    <cs:lnRef idx="0"/>
-    <cs:fillRef idx="0"/>
-    <cs:effectRef idx="0"/>
-    <cs:fontRef idx="minor">
-      <a:schemeClr val="tx1">
-        <a:lumMod val="65000"/>
-        <a:lumOff val="35000"/>
-      </a:schemeClr>
-    </cs:fontRef>
-    <cs:defRPr sz="1197" kern="1200"/>
-  </cs:valueAxis>
-  <cs:wall>
-    <cs:lnRef idx="0"/>
-    <cs:fillRef idx="0"/>
-    <cs:effectRef idx="0"/>
-    <cs:fontRef idx="minor">
-      <a:schemeClr val="tx1"/>
-    </cs:fontRef>
-    <cs:spPr>
-      <a:noFill/>
-      <a:ln>
-        <a:noFill/>
-      </a:ln>
-    </cs:spPr>
-  </cs:wall>
-</cs:chartStyle>
+        <a:latin typeface="+mn-lt"/>
+        <a:ea typeface="+mn-ea"/>
+        <a:cs typeface="+mn-cs"/>
+      </a:defRPr>
+    </a:lvl9pPr>
+  </p:notesStyle>
+</p:notesMaster>
 </file>
 
-<file path=ppt/charts/style3.xml><?xml version="1.0" encoding="utf-8"?>
-<cs:chartStyle xmlns:cs="http://schemas.microsoft.com/office/drawing/2012/chartStyle" xmlns:a="http://schemas.openxmlformats.org/drawingml/2006/main" id="227">
-  <cs:axisTitle>
-    <cs:lnRef idx="0"/>
-    <cs:fillRef idx="0"/>
-    <cs:effectRef idx="0"/>
-    <cs:fontRef idx="minor">
-      <a:schemeClr val="tx1">
-        <a:lumMod val="65000"/>
-        <a:lumOff val="35000"/>
-      </a:schemeClr>
-    </cs:fontRef>
-    <cs:defRPr sz="1330" kern="1200"/>
-  </cs:axisTitle>
-  <cs:categoryAxis>
-    <cs:lnRef idx="0"/>
-    <cs:fillRef idx="0"/>
-    <cs:effectRef idx="0"/>
-    <cs:fontRef idx="minor">
-      <a:schemeClr val="tx1">
-        <a:lumMod val="65000"/>
-        <a:lumOff val="35000"/>
-      </a:schemeClr>
-    </cs:fontRef>
-    <cs:spPr>
-      <a:ln w="9525" cap="flat" cmpd="sng" algn="ctr">
-        <a:solidFill>
-          <a:schemeClr val="tx1">
-            <a:lumMod val="15000"/>
-            <a:lumOff val="85000"/>
-          </a:schemeClr>
-        </a:solidFill>
-        <a:round/>
-      </a:ln>
-    </cs:spPr>
-    <cs:defRPr sz="1197" kern="1200"/>
-  </cs:categoryAxis>
-  <cs:chartArea mods="allowNoFillOverride allowNoLineOverride">
-    <cs:lnRef idx="0"/>
-    <cs:fillRef idx="0"/>
-    <cs:effectRef idx="0"/>
-    <cs:fontRef idx="minor">
-      <a:schemeClr val="tx1"/>
-    </cs:fontRef>
-    <cs:spPr>
-      <a:solidFill>
-        <a:schemeClr val="bg1"/>
-      </a:solidFill>
-      <a:ln w="9525" cap="flat" cmpd="sng" algn="ctr">
-        <a:solidFill>
-          <a:schemeClr val="tx1">
-            <a:lumMod val="15000"/>
-            <a:lumOff val="85000"/>
-          </a:schemeClr>
-        </a:solidFill>
-        <a:round/>
-      </a:ln>
-    </cs:spPr>
-    <cs:defRPr sz="1330" kern="1200"/>
-  </cs:chartArea>
-  <cs:dataLabel>
-    <cs:lnRef idx="0"/>
-    <cs:fillRef idx="0"/>
-    <cs:effectRef idx="0"/>
-    <cs:fontRef idx="minor">
-      <a:schemeClr val="tx1">
-        <a:lumMod val="75000"/>
-        <a:lumOff val="25000"/>
-      </a:schemeClr>
-    </cs:fontRef>
-    <cs:defRPr sz="1197" kern="1200"/>
-  </cs:dataLabel>
-  <cs:dataLabelCallout>
-    <cs:lnRef idx="0"/>
-    <cs:fillRef idx="0"/>
-    <cs:effectRef idx="0"/>
-    <cs:fontRef idx="minor">
-      <a:schemeClr val="dk1">
-        <a:lumMod val="65000"/>
-        <a:lumOff val="35000"/>
-      </a:schemeClr>
-    </cs:fontRef>
-    <cs:spPr>
-      <a:solidFill>
-        <a:schemeClr val="lt1"/>
-      </a:solidFill>
-      <a:ln>
-        <a:solidFill>
-          <a:schemeClr val="dk1">
-            <a:lumMod val="25000"/>
-            <a:lumOff val="75000"/>
-          </a:schemeClr>
-        </a:solidFill>
-      </a:ln>
-    </cs:spPr>
-    <cs:defRPr sz="1197" kern="1200"/>
-    <cs:bodyPr rot="0" spcFirstLastPara="1" vertOverflow="clip" horzOverflow="clip" vert="horz" wrap="square" lIns="36576" tIns="18288" rIns="36576" bIns="18288" anchor="ctr" anchorCtr="1">
-      <a:spAutoFit/>
-    </cs:bodyPr>
-  </cs:dataLabelCallout>
-  <cs:dataPoint>
-    <cs:lnRef idx="0"/>
-    <cs:fillRef idx="1">
-      <cs:styleClr val="auto"/>
-    </cs:fillRef>
-    <cs:effectRef idx="0"/>
-    <cs:fontRef idx="minor">
-      <a:schemeClr val="tx1"/>
-    </cs:fontRef>
-    <cs:spPr>
-      <a:solidFill>
-        <a:schemeClr val="phClr"/>
-      </a:solidFill>
-    </cs:spPr>
-  </cs:dataPoint>
-  <cs:dataPoint3D>
-    <cs:lnRef idx="0"/>
-    <cs:fillRef idx="1">
-      <cs:styleClr val="auto"/>
-    </cs:fillRef>
-    <cs:effectRef idx="0"/>
-    <cs:fontRef idx="minor">
-      <a:schemeClr val="tx1"/>
-    </cs:fontRef>
-    <cs:spPr>
-      <a:solidFill>
-        <a:schemeClr val="phClr"/>
-      </a:solidFill>
-    </cs:spPr>
-  </cs:dataPoint3D>
-  <cs:dataPointLine>
-    <cs:lnRef idx="0">
-      <cs:styleClr val="auto"/>
-    </cs:lnRef>
-    <cs:fillRef idx="1"/>
-    <cs:effectRef idx="0"/>
-    <cs:fontRef idx="minor">
-      <a:schemeClr val="tx1"/>
-    </cs:fontRef>
-    <cs:spPr>
-      <a:ln w="28575" cap="rnd">
-        <a:solidFill>
-          <a:schemeClr val="phClr"/>
-        </a:solidFill>
-        <a:round/>
-      </a:ln>
-    </cs:spPr>
-  </cs:dataPointLine>
-  <cs:dataPointMarker>
-    <cs:lnRef idx="0">
-      <cs:styleClr val="auto"/>
-    </cs:lnRef>
-    <cs:fillRef idx="1">
-      <cs:styleClr val="auto"/>
-    </cs:fillRef>
-    <cs:effectRef idx="0"/>
-    <cs:fontRef idx="minor">
-      <a:schemeClr val="tx1"/>
-    </cs:fontRef>
-    <cs:spPr>
-      <a:solidFill>
-        <a:schemeClr val="phClr"/>
-      </a:solidFill>
-      <a:ln w="9525">
-        <a:solidFill>
-          <a:schemeClr val="phClr"/>
-        </a:solidFill>
-      </a:ln>
-    </cs:spPr>
-  </cs:dataPointMarker>
-  <cs:dataPointMarkerLayout symbol="circle" size="5"/>
-  <cs:dataPointWireframe>
-    <cs:lnRef idx="0">
-      <cs:styleClr val="auto"/>
-    </cs:lnRef>
-    <cs:fillRef idx="1"/>
-    <cs:effectRef idx="0"/>
-    <cs:fontRef idx="minor">
-      <a:schemeClr val="tx1"/>
-    </cs:fontRef>
-    <cs:spPr>
-      <a:ln w="9525" cap="rnd">
-        <a:solidFill>
-          <a:schemeClr val="phClr"/>
-        </a:solidFill>
-        <a:round/>
-      </a:ln>
-    </cs:spPr>
-  </cs:dataPointWireframe>
-  <cs:dataTable>
-    <cs:lnRef idx="0"/>
-    <cs:fillRef idx="0"/>
-    <cs:effectRef idx="0"/>
-    <cs:fontRef idx="minor">
-      <a:schemeClr val="tx1">
-        <a:lumMod val="65000"/>
-        <a:lumOff val="35000"/>
-      </a:schemeClr>
-    </cs:fontRef>
-    <cs:spPr>
-      <a:noFill/>
-      <a:ln w="9525" cap="flat" cmpd="sng" algn="ctr">
-        <a:solidFill>
-          <a:schemeClr val="tx1">
-            <a:lumMod val="15000"/>
-            <a:lumOff val="85000"/>
-          </a:schemeClr>
-        </a:solidFill>
-        <a:round/>
-      </a:ln>
-    </cs:spPr>
-    <cs:defRPr sz="1197" kern="1200"/>
-  </cs:dataTable>
-  <cs:downBar>
-    <cs:lnRef idx="0"/>
-    <cs:fillRef idx="0"/>
-    <cs:effectRef idx="0"/>
-    <cs:fontRef idx="minor">
-      <a:schemeClr val="dk1"/>
-    </cs:fontRef>
-    <cs:spPr>
-      <a:solidFill>
-        <a:schemeClr val="dk1">
-          <a:lumMod val="65000"/>
-          <a:lumOff val="35000"/>
-        </a:schemeClr>
-      </a:solidFill>
-      <a:ln w="9525">
-        <a:solidFill>
-          <a:schemeClr val="tx1">
-            <a:lumMod val="65000"/>
-            <a:lumOff val="35000"/>
-          </a:schemeClr>
-        </a:solidFill>
-      </a:ln>
-    </cs:spPr>
-  </cs:downBar>
-  <cs:dropLine>
-    <cs:lnRef idx="0"/>
-    <cs:fillRef idx="0"/>
-    <cs:effectRef idx="0"/>
-    <cs:fontRef idx="minor">
-      <a:schemeClr val="tx1"/>
-    </cs:fontRef>
-    <cs:spPr>
-      <a:ln w="9525" cap="flat" cmpd="sng" algn="ctr">
-        <a:solidFill>
-          <a:schemeClr val="tx1">
-            <a:lumMod val="35000"/>
-            <a:lumOff val="65000"/>
-          </a:schemeClr>
-        </a:solidFill>
-        <a:round/>
-      </a:ln>
-    </cs:spPr>
-  </cs:dropLine>
-  <cs:errorBar>
-    <cs:lnRef idx="0"/>
-    <cs:fillRef idx="0"/>
-    <cs:effectRef idx="0"/>
-    <cs:fontRef idx="minor">
-      <a:schemeClr val="tx1"/>
-    </cs:fontRef>
-    <cs:spPr>
-      <a:ln w="9525" cap="flat" cmpd="sng" algn="ctr">
-        <a:solidFill>
-          <a:schemeClr val="tx1">
-            <a:lumMod val="65000"/>
-            <a:lumOff val="35000"/>
-          </a:schemeClr>
-        </a:solidFill>
-        <a:round/>
-      </a:ln>
-    </cs:spPr>
-  </cs:errorBar>
-  <cs:floor>
-    <cs:lnRef idx="0"/>
-    <cs:fillRef idx="0"/>
-    <cs:effectRef idx="0"/>
-    <cs:fontRef idx="minor">
-      <a:schemeClr val="tx1"/>
-    </cs:fontRef>
-    <cs:spPr>
-      <a:noFill/>
-      <a:ln>
-        <a:noFill/>
-      </a:ln>
-    </cs:spPr>
-  </cs:floor>
-  <cs:gridlineMajor>
-    <cs:lnRef idx="0"/>
-    <cs:fillRef idx="0"/>
-    <cs:effectRef idx="0"/>
-    <cs:fontRef idx="minor">
-      <a:schemeClr val="tx1"/>
-    </cs:fontRef>
-    <cs:spPr>
-      <a:ln w="9525" cap="flat" cmpd="sng" algn="ctr">
-        <a:solidFill>
-          <a:schemeClr val="tx1">
-            <a:lumMod val="15000"/>
-            <a:lumOff val="85000"/>
-          </a:schemeClr>
-        </a:solidFill>
-        <a:round/>
-      </a:ln>
-    </cs:spPr>
-  </cs:gridlineMajor>
-  <cs:gridlineMinor>
-    <cs:lnRef idx="0"/>
-    <cs:fillRef idx="0"/>
-    <cs:effectRef idx="0"/>
-    <cs:fontRef idx="minor">
-      <a:schemeClr val="tx1"/>
-    </cs:fontRef>
-    <cs:spPr>
-      <a:ln w="9525" cap="flat" cmpd="sng" algn="ctr">
-        <a:solidFill>
-          <a:schemeClr val="tx1">
-            <a:lumMod val="5000"/>
-            <a:lumOff val="95000"/>
-          </a:schemeClr>
-        </a:solidFill>
-        <a:round/>
-      </a:ln>
-    </cs:spPr>
-  </cs:gridlineMinor>
-  <cs:hiLoLine>
-    <cs:lnRef idx="0"/>
-    <cs:fillRef idx="0"/>
-    <cs:effectRef idx="0"/>
-    <cs:fontRef idx="minor">
-      <a:schemeClr val="tx1"/>
-    </cs:fontRef>
-    <cs:spPr>
-      <a:ln w="9525" cap="flat" cmpd="sng" algn="ctr">
-        <a:solidFill>
-          <a:schemeClr val="tx1">
-            <a:lumMod val="75000"/>
-            <a:lumOff val="25000"/>
-          </a:schemeClr>
-        </a:solidFill>
-        <a:round/>
-      </a:ln>
-    </cs:spPr>
-  </cs:hiLoLine>
-  <cs:leaderLine>
-    <cs:lnRef idx="0"/>
-    <cs:fillRef idx="0"/>
-    <cs:effectRef idx="0"/>
-    <cs:fontRef idx="minor">
-      <a:schemeClr val="tx1"/>
-    </cs:fontRef>
-    <cs:spPr>
-      <a:ln w="9525" cap="flat" cmpd="sng" algn="ctr">
-        <a:solidFill>
-          <a:schemeClr val="tx1">
-            <a:lumMod val="35000"/>
-            <a:lumOff val="65000"/>
-          </a:schemeClr>
-        </a:solidFill>
-        <a:round/>
-      </a:ln>
-    </cs:spPr>
-  </cs:leaderLine>
-  <cs:legend>
-    <cs:lnRef idx="0"/>
-    <cs:fillRef idx="0"/>
-    <cs:effectRef idx="0"/>
-    <cs:fontRef idx="minor">
-      <a:schemeClr val="tx1">
-        <a:lumMod val="65000"/>
-        <a:lumOff val="35000"/>
-      </a:schemeClr>
-    </cs:fontRef>
-    <cs:defRPr sz="1197" kern="1200"/>
-  </cs:legend>
-  <cs:plotArea mods="allowNoFillOverride allowNoLineOverride">
-    <cs:lnRef idx="0"/>
-    <cs:fillRef idx="0"/>
-    <cs:effectRef idx="0"/>
-    <cs:fontRef idx="minor">
-      <a:schemeClr val="tx1"/>
-    </cs:fontRef>
-  </cs:plotArea>
-  <cs:plotArea3D mods="allowNoFillOverride allowNoLineOverride">
-    <cs:lnRef idx="0"/>
-    <cs:fillRef idx="0"/>
-    <cs:effectRef idx="0"/>
-    <cs:fontRef idx="minor">
-      <a:schemeClr val="tx1"/>
-    </cs:fontRef>
-  </cs:plotArea3D>
-  <cs:seriesAxis>
-    <cs:lnRef idx="0"/>
-    <cs:fillRef idx="0"/>
-    <cs:effectRef idx="0"/>
-    <cs:fontRef idx="minor">
-      <a:schemeClr val="tx1">
-        <a:lumMod val="65000"/>
-        <a:lumOff val="35000"/>
-      </a:schemeClr>
-    </cs:fontRef>
-    <cs:defRPr sz="1197" kern="1200"/>
-  </cs:seriesAxis>
-  <cs:seriesLine>
-    <cs:lnRef idx="0"/>
-    <cs:fillRef idx="0"/>
-    <cs:effectRef idx="0"/>
-    <cs:fontRef idx="minor">
-      <a:schemeClr val="tx1"/>
-    </cs:fontRef>
-    <cs:spPr>
-      <a:ln w="9525" cap="flat" cmpd="sng" algn="ctr">
-        <a:solidFill>
-          <a:schemeClr val="tx1">
-            <a:lumMod val="35000"/>
-            <a:lumOff val="65000"/>
-          </a:schemeClr>
-        </a:solidFill>
-        <a:round/>
-      </a:ln>
-    </cs:spPr>
-  </cs:seriesLine>
-  <cs:title>
-    <cs:lnRef idx="0"/>
-    <cs:fillRef idx="0"/>
-    <cs:effectRef idx="0"/>
-    <cs:fontRef idx="minor">
-      <a:schemeClr val="tx1">
-        <a:lumMod val="65000"/>
-        <a:lumOff val="35000"/>
-      </a:schemeClr>
-    </cs:fontRef>
-    <cs:defRPr sz="1862" b="0" kern="1200" spc="0" baseline="0"/>
-  </cs:title>
-  <cs:trendline>
-    <cs:lnRef idx="0">
-      <cs:styleClr val="auto"/>
-    </cs:lnRef>
-    <cs:fillRef idx="0"/>
-    <cs:effectRef idx="0"/>
-    <cs:fontRef idx="minor">
-      <a:schemeClr val="tx1"/>
-    </cs:fontRef>
-    <cs:spPr>
-      <a:ln w="19050" cap="rnd">
-        <a:solidFill>
-          <a:schemeClr val="phClr"/>
-        </a:solidFill>
-        <a:prstDash val="sysDot"/>
-      </a:ln>
-    </cs:spPr>
-  </cs:trendline>
-  <cs:trendlineLabel>
-    <cs:lnRef idx="0"/>
-    <cs:fillRef idx="0"/>
-    <cs:effectRef idx="0"/>
-    <cs:fontRef idx="minor">
-      <a:schemeClr val="tx1">
-        <a:lumMod val="65000"/>
-        <a:lumOff val="35000"/>
-      </a:schemeClr>
-    </cs:fontRef>
-    <cs:defRPr sz="1197" kern="1200"/>
-  </cs:trendlineLabel>
-  <cs:upBar>
-    <cs:lnRef idx="0"/>
-    <cs:fillRef idx="0"/>
-    <cs:effectRef idx="0"/>
-    <cs:fontRef idx="minor">
-      <a:schemeClr val="dk1"/>
-    </cs:fontRef>
-    <cs:spPr>
-      <a:solidFill>
-        <a:schemeClr val="lt1"/>
-      </a:solidFill>
-      <a:ln w="9525">
-        <a:solidFill>
-          <a:schemeClr val="tx1">
-            <a:lumMod val="15000"/>
-            <a:lumOff val="85000"/>
-          </a:schemeClr>
-        </a:solidFill>
-      </a:ln>
-    </cs:spPr>
-  </cs:upBar>
-  <cs:valueAxis>
-    <cs:lnRef idx="0"/>
-    <cs:fillRef idx="0"/>
-    <cs:effectRef idx="0"/>
-    <cs:fontRef idx="minor">
-      <a:schemeClr val="tx1">
-        <a:lumMod val="65000"/>
-        <a:lumOff val="35000"/>
-      </a:schemeClr>
-    </cs:fontRef>
-    <cs:defRPr sz="1197" kern="1200"/>
-  </cs:valueAxis>
-  <cs:wall>
-    <cs:lnRef idx="0"/>
-    <cs:fillRef idx="0"/>
-    <cs:effectRef idx="0"/>
-    <cs:fontRef idx="minor">
-      <a:schemeClr val="tx1"/>
-    </cs:fontRef>
-    <cs:spPr>
-      <a:noFill/>
-      <a:ln>
-        <a:noFill/>
-      </a:ln>
-    </cs:spPr>
-  </cs:wall>
-</cs:chartStyle>
+<file path=ppt/notesSlides/notesSlide1.xml><?xml version="1.0" encoding="utf-8"?>
+<p:notes xmlns:a="http://schemas.openxmlformats.org/drawingml/2006/main" xmlns:r="http://schemas.openxmlformats.org/officeDocument/2006/relationships" xmlns:p="http://schemas.openxmlformats.org/presentationml/2006/main">
+  <p:cSld>
+    <p:spTree>
+      <p:nvGrpSpPr>
+        <p:cNvPr id="1" name=""/>
+        <p:cNvGrpSpPr/>
+        <p:nvPr/>
+      </p:nvGrpSpPr>
+      <p:grpSpPr>
+        <a:xfrm>
+          <a:off x="0" y="0"/>
+          <a:ext cx="0" cy="0"/>
+          <a:chOff x="0" y="0"/>
+          <a:chExt cx="0" cy="0"/>
+        </a:xfrm>
+      </p:grpSpPr>
+      <p:sp>
+        <p:nvSpPr>
+          <p:cNvPr id="2" name="Marcador de Posição da Imagem do Diapositivo 1"/>
+          <p:cNvSpPr>
+            <a:spLocks noGrp="1" noRot="1" noChangeAspect="1"/>
+          </p:cNvSpPr>
+          <p:nvPr>
+            <p:ph type="sldImg"/>
+          </p:nvPr>
+        </p:nvSpPr>
+        <p:spPr/>
+      </p:sp>
+      <p:sp>
+        <p:nvSpPr>
+          <p:cNvPr id="3" name="Marcador de Posição de Notas 2"/>
+          <p:cNvSpPr>
+            <a:spLocks noGrp="1"/>
+          </p:cNvSpPr>
+          <p:nvPr>
+            <p:ph type="body" idx="1"/>
+          </p:nvPr>
+        </p:nvSpPr>
+        <p:spPr/>
+        <p:txBody>
+          <a:bodyPr/>
+          <a:lstStyle/>
+          <a:p>
+            <a:endParaRPr lang="pt-PT" dirty="0"/>
+          </a:p>
+        </p:txBody>
+      </p:sp>
+      <p:sp>
+        <p:nvSpPr>
+          <p:cNvPr id="4" name="Marcador de Posição do Número do Diapositivo 3"/>
+          <p:cNvSpPr>
+            <a:spLocks noGrp="1"/>
+          </p:cNvSpPr>
+          <p:nvPr>
+            <p:ph type="sldNum" sz="quarter" idx="5"/>
+          </p:nvPr>
+        </p:nvSpPr>
+        <p:spPr/>
+        <p:txBody>
+          <a:bodyPr/>
+          <a:lstStyle/>
+          <a:p>
+            <a:fld id="{36E6DCC6-AD03-4529-8785-52C9E9DDBC13}" type="slidenum">
+              <a:rPr lang="pt-PT" smtClean="0"/>
+              <a:t>2</a:t>
+            </a:fld>
+            <a:endParaRPr lang="pt-PT"/>
+          </a:p>
+        </p:txBody>
+      </p:sp>
+    </p:spTree>
+    <p:extLst>
+      <p:ext uri="{BB962C8B-B14F-4D97-AF65-F5344CB8AC3E}">
+        <p14:creationId xmlns:p14="http://schemas.microsoft.com/office/powerpoint/2010/main" val="792058972"/>
+      </p:ext>
+    </p:extLst>
+  </p:cSld>
+  <p:clrMapOvr>
+    <a:masterClrMapping/>
+  </p:clrMapOvr>
+</p:notes>
 </file>
 
-<file path=ppt/charts/style4.xml><?xml version="1.0" encoding="utf-8"?>
-<cs:chartStyle xmlns:cs="http://schemas.microsoft.com/office/drawing/2012/chartStyle" xmlns:a="http://schemas.openxmlformats.org/drawingml/2006/main" id="227">
-  <cs:axisTitle>
-    <cs:lnRef idx="0"/>
-    <cs:fillRef idx="0"/>
-    <cs:effectRef idx="0"/>
-    <cs:fontRef idx="minor">
-      <a:schemeClr val="tx1">
-        <a:lumMod val="65000"/>
-        <a:lumOff val="35000"/>
-      </a:schemeClr>
-    </cs:fontRef>
-    <cs:defRPr sz="1330" kern="1200"/>
-  </cs:axisTitle>
-  <cs:categoryAxis>
-    <cs:lnRef idx="0"/>
-    <cs:fillRef idx="0"/>
-    <cs:effectRef idx="0"/>
-    <cs:fontRef idx="minor">
-      <a:schemeClr val="tx1">
-        <a:lumMod val="65000"/>
-        <a:lumOff val="35000"/>
-      </a:schemeClr>
-    </cs:fontRef>
-    <cs:spPr>
-      <a:ln w="9525" cap="flat" cmpd="sng" algn="ctr">
-        <a:solidFill>
-          <a:schemeClr val="tx1">
-            <a:lumMod val="15000"/>
-            <a:lumOff val="85000"/>
-          </a:schemeClr>
-        </a:solidFill>
-        <a:round/>
-      </a:ln>
-    </cs:spPr>
-    <cs:defRPr sz="1197" kern="1200"/>
-  </cs:categoryAxis>
-  <cs:chartArea mods="allowNoFillOverride allowNoLineOverride">
-    <cs:lnRef idx="0"/>
-    <cs:fillRef idx="0"/>
-    <cs:effectRef idx="0"/>
-    <cs:fontRef idx="minor">
-      <a:schemeClr val="tx1"/>
-    </cs:fontRef>
-    <cs:spPr>
-      <a:solidFill>
-        <a:schemeClr val="bg1"/>
-      </a:solidFill>
-      <a:ln w="9525" cap="flat" cmpd="sng" algn="ctr">
-        <a:solidFill>
-          <a:schemeClr val="tx1">
-            <a:lumMod val="15000"/>
-            <a:lumOff val="85000"/>
-          </a:schemeClr>
-        </a:solidFill>
-        <a:round/>
-      </a:ln>
-    </cs:spPr>
-    <cs:defRPr sz="1330" kern="1200"/>
-  </cs:chartArea>
-  <cs:dataLabel>
-    <cs:lnRef idx="0"/>
-    <cs:fillRef idx="0"/>
-    <cs:effectRef idx="0"/>
-    <cs:fontRef idx="minor">
-      <a:schemeClr val="tx1">
-        <a:lumMod val="75000"/>
-        <a:lumOff val="25000"/>
-      </a:schemeClr>
-    </cs:fontRef>
-    <cs:defRPr sz="1197" kern="1200"/>
-  </cs:dataLabel>
-  <cs:dataLabelCallout>
-    <cs:lnRef idx="0"/>
-    <cs:fillRef idx="0"/>
-    <cs:effectRef idx="0"/>
-    <cs:fontRef idx="minor">
-      <a:schemeClr val="dk1">
-        <a:lumMod val="65000"/>
-        <a:lumOff val="35000"/>
-      </a:schemeClr>
-    </cs:fontRef>
-    <cs:spPr>
-      <a:solidFill>
-        <a:schemeClr val="lt1"/>
-      </a:solidFill>
-      <a:ln>
-        <a:solidFill>
-          <a:schemeClr val="dk1">
-            <a:lumMod val="25000"/>
-            <a:lumOff val="75000"/>
-          </a:schemeClr>
-        </a:solidFill>
-      </a:ln>
-    </cs:spPr>
-    <cs:defRPr sz="1197" kern="1200"/>
-    <cs:bodyPr rot="0" spcFirstLastPara="1" vertOverflow="clip" horzOverflow="clip" vert="horz" wrap="square" lIns="36576" tIns="18288" rIns="36576" bIns="18288" anchor="ctr" anchorCtr="1">
-      <a:spAutoFit/>
-    </cs:bodyPr>
-  </cs:dataLabelCallout>
-  <cs:dataPoint>
-    <cs:lnRef idx="0"/>
-    <cs:fillRef idx="1">
-      <cs:styleClr val="auto"/>
-    </cs:fillRef>
-    <cs:effectRef idx="0"/>
-    <cs:fontRef idx="minor">
-      <a:schemeClr val="tx1"/>
-    </cs:fontRef>
-    <cs:spPr>
-      <a:solidFill>
-        <a:schemeClr val="phClr"/>
-      </a:solidFill>
-    </cs:spPr>
-  </cs:dataPoint>
-  <cs:dataPoint3D>
-    <cs:lnRef idx="0"/>
-    <cs:fillRef idx="1">
-      <cs:styleClr val="auto"/>
-    </cs:fillRef>
-    <cs:effectRef idx="0"/>
-    <cs:fontRef idx="minor">
-      <a:schemeClr val="tx1"/>
-    </cs:fontRef>
-    <cs:spPr>
-      <a:solidFill>
-        <a:schemeClr val="phClr"/>
-      </a:solidFill>
-    </cs:spPr>
-  </cs:dataPoint3D>
-  <cs:dataPointLine>
-    <cs:lnRef idx="0">
-      <cs:styleClr val="auto"/>
-    </cs:lnRef>
-    <cs:fillRef idx="1"/>
-    <cs:effectRef idx="0"/>
-    <cs:fontRef idx="minor">
-      <a:schemeClr val="tx1"/>
-    </cs:fontRef>
-    <cs:spPr>
-      <a:ln w="28575" cap="rnd">
-        <a:solidFill>
-          <a:schemeClr val="phClr"/>
-        </a:solidFill>
-        <a:round/>
-      </a:ln>
-    </cs:spPr>
-  </cs:dataPointLine>
-  <cs:dataPointMarker>
-    <cs:lnRef idx="0">
-      <cs:styleClr val="auto"/>
-    </cs:lnRef>
-    <cs:fillRef idx="1">
-      <cs:styleClr val="auto"/>
-    </cs:fillRef>
-    <cs:effectRef idx="0"/>
-    <cs:fontRef idx="minor">
-      <a:schemeClr val="tx1"/>
-    </cs:fontRef>
-    <cs:spPr>
-      <a:solidFill>
-        <a:schemeClr val="phClr"/>
-      </a:solidFill>
-      <a:ln w="9525">
-        <a:solidFill>
-          <a:schemeClr val="phClr"/>
-        </a:solidFill>
-      </a:ln>
-    </cs:spPr>
-  </cs:dataPointMarker>
-  <cs:dataPointMarkerLayout symbol="circle" size="5"/>
-  <cs:dataPointWireframe>
-    <cs:lnRef idx="0">
-      <cs:styleClr val="auto"/>
-    </cs:lnRef>
-    <cs:fillRef idx="1"/>
-    <cs:effectRef idx="0"/>
-    <cs:fontRef idx="minor">
-      <a:schemeClr val="tx1"/>
-    </cs:fontRef>
-    <cs:spPr>
-      <a:ln w="9525" cap="rnd">
-        <a:solidFill>
-          <a:schemeClr val="phClr"/>
-        </a:solidFill>
-        <a:round/>
-      </a:ln>
-    </cs:spPr>
-  </cs:dataPointWireframe>
-  <cs:dataTable>
-    <cs:lnRef idx="0"/>
-    <cs:fillRef idx="0"/>
-    <cs:effectRef idx="0"/>
-    <cs:fontRef idx="minor">
-      <a:schemeClr val="tx1">
-        <a:lumMod val="65000"/>
-        <a:lumOff val="35000"/>
-      </a:schemeClr>
-    </cs:fontRef>
-    <cs:spPr>
-      <a:noFill/>
-      <a:ln w="9525" cap="flat" cmpd="sng" algn="ctr">
-        <a:solidFill>
-          <a:schemeClr val="tx1">
-            <a:lumMod val="15000"/>
-            <a:lumOff val="85000"/>
-          </a:schemeClr>
-        </a:solidFill>
-        <a:round/>
-      </a:ln>
-    </cs:spPr>
-    <cs:defRPr sz="1197" kern="1200"/>
-  </cs:dataTable>
-  <cs:downBar>
-    <cs:lnRef idx="0"/>
-    <cs:fillRef idx="0"/>
-    <cs:effectRef idx="0"/>
-    <cs:fontRef idx="minor">
-      <a:schemeClr val="dk1"/>
-    </cs:fontRef>
-    <cs:spPr>
-      <a:solidFill>
-        <a:schemeClr val="dk1">
-          <a:lumMod val="65000"/>
-          <a:lumOff val="35000"/>
-        </a:schemeClr>
-      </a:solidFill>
-      <a:ln w="9525">
-        <a:solidFill>
-          <a:schemeClr val="tx1">
-            <a:lumMod val="65000"/>
-            <a:lumOff val="35000"/>
-          </a:schemeClr>
-        </a:solidFill>
-      </a:ln>
-    </cs:spPr>
-  </cs:downBar>
-  <cs:dropLine>
-    <cs:lnRef idx="0"/>
-    <cs:fillRef idx="0"/>
-    <cs:effectRef idx="0"/>
-    <cs:fontRef idx="minor">
-      <a:schemeClr val="tx1"/>
-    </cs:fontRef>
-    <cs:spPr>
-      <a:ln w="9525" cap="flat" cmpd="sng" algn="ctr">
-        <a:solidFill>
-          <a:schemeClr val="tx1">
-            <a:lumMod val="35000"/>
-            <a:lumOff val="65000"/>
-          </a:schemeClr>
-        </a:solidFill>
-        <a:round/>
-      </a:ln>
-    </cs:spPr>
-  </cs:dropLine>
-  <cs:errorBar>
-    <cs:lnRef idx="0"/>
-    <cs:fillRef idx="0"/>
-    <cs:effectRef idx="0"/>
-    <cs:fontRef idx="minor">
-      <a:schemeClr val="tx1"/>
-    </cs:fontRef>
-    <cs:spPr>
-      <a:ln w="9525" cap="flat" cmpd="sng" algn="ctr">
-        <a:solidFill>
-          <a:schemeClr val="tx1">
-            <a:lumMod val="65000"/>
-            <a:lumOff val="35000"/>
-          </a:schemeClr>
-        </a:solidFill>
-        <a:round/>
-      </a:ln>
-    </cs:spPr>
-  </cs:errorBar>
-  <cs:floor>
-    <cs:lnRef idx="0"/>
-    <cs:fillRef idx="0"/>
-    <cs:effectRef idx="0"/>
-    <cs:fontRef idx="minor">
-      <a:schemeClr val="tx1"/>
-    </cs:fontRef>
-    <cs:spPr>
-      <a:noFill/>
-      <a:ln>
-        <a:noFill/>
-      </a:ln>
-    </cs:spPr>
-  </cs:floor>
-  <cs:gridlineMajor>
-    <cs:lnRef idx="0"/>
-    <cs:fillRef idx="0"/>
-    <cs:effectRef idx="0"/>
-    <cs:fontRef idx="minor">
-      <a:schemeClr val="tx1"/>
-    </cs:fontRef>
-    <cs:spPr>
-      <a:ln w="9525" cap="flat" cmpd="sng" algn="ctr">
-        <a:solidFill>
-          <a:schemeClr val="tx1">
-            <a:lumMod val="15000"/>
-            <a:lumOff val="85000"/>
-          </a:schemeClr>
-        </a:solidFill>
-        <a:round/>
-      </a:ln>
-    </cs:spPr>
-  </cs:gridlineMajor>
-  <cs:gridlineMinor>
-    <cs:lnRef idx="0"/>
-    <cs:fillRef idx="0"/>
-    <cs:effectRef idx="0"/>
-    <cs:fontRef idx="minor">
-      <a:schemeClr val="tx1"/>
-    </cs:fontRef>
-    <cs:spPr>
-      <a:ln w="9525" cap="flat" cmpd="sng" algn="ctr">
-        <a:solidFill>
-          <a:schemeClr val="tx1">
-            <a:lumMod val="5000"/>
-            <a:lumOff val="95000"/>
-          </a:schemeClr>
-        </a:solidFill>
-        <a:round/>
-      </a:ln>
-    </cs:spPr>
-  </cs:gridlineMinor>
-  <cs:hiLoLine>
-    <cs:lnRef idx="0"/>
-    <cs:fillRef idx="0"/>
-    <cs:effectRef idx="0"/>
-    <cs:fontRef idx="minor">
-      <a:schemeClr val="tx1"/>
-    </cs:fontRef>
-    <cs:spPr>
-      <a:ln w="9525" cap="flat" cmpd="sng" algn="ctr">
-        <a:solidFill>
-          <a:schemeClr val="tx1">
-            <a:lumMod val="75000"/>
-            <a:lumOff val="25000"/>
-          </a:schemeClr>
-        </a:solidFill>
-        <a:round/>
-      </a:ln>
-    </cs:spPr>
-  </cs:hiLoLine>
-  <cs:leaderLine>
-    <cs:lnRef idx="0"/>
-    <cs:fillRef idx="0"/>
-    <cs:effectRef idx="0"/>
-    <cs:fontRef idx="minor">
-      <a:schemeClr val="tx1"/>
-    </cs:fontRef>
-    <cs:spPr>
-      <a:ln w="9525" cap="flat" cmpd="sng" algn="ctr">
-        <a:solidFill>
-          <a:schemeClr val="tx1">
-            <a:lumMod val="35000"/>
-            <a:lumOff val="65000"/>
-          </a:schemeClr>
-        </a:solidFill>
-        <a:round/>
-      </a:ln>
-    </cs:spPr>
-  </cs:leaderLine>
-  <cs:legend>
-    <cs:lnRef idx="0"/>
-    <cs:fillRef idx="0"/>
-    <cs:effectRef idx="0"/>
-    <cs:fontRef idx="minor">
-      <a:schemeClr val="tx1">
-        <a:lumMod val="65000"/>
-        <a:lumOff val="35000"/>
-      </a:schemeClr>
-    </cs:fontRef>
-    <cs:defRPr sz="1197" kern="1200"/>
-  </cs:legend>
-  <cs:plotArea mods="allowNoFillOverride allowNoLineOverride">
-    <cs:lnRef idx="0"/>
-    <cs:fillRef idx="0"/>
-    <cs:effectRef idx="0"/>
-    <cs:fontRef idx="minor">
-      <a:schemeClr val="tx1"/>
-    </cs:fontRef>
-  </cs:plotArea>
-  <cs:plotArea3D mods="allowNoFillOverride allowNoLineOverride">
-    <cs:lnRef idx="0"/>
-    <cs:fillRef idx="0"/>
-    <cs:effectRef idx="0"/>
-    <cs:fontRef idx="minor">
-      <a:schemeClr val="tx1"/>
-    </cs:fontRef>
-  </cs:plotArea3D>
-  <cs:seriesAxis>
-    <cs:lnRef idx="0"/>
-    <cs:fillRef idx="0"/>
-    <cs:effectRef idx="0"/>
-    <cs:fontRef idx="minor">
-      <a:schemeClr val="tx1">
-        <a:lumMod val="65000"/>
-        <a:lumOff val="35000"/>
-      </a:schemeClr>
-    </cs:fontRef>
-    <cs:defRPr sz="1197" kern="1200"/>
-  </cs:seriesAxis>
-  <cs:seriesLine>
-    <cs:lnRef idx="0"/>
-    <cs:fillRef idx="0"/>
-    <cs:effectRef idx="0"/>
-    <cs:fontRef idx="minor">
-      <a:schemeClr val="tx1"/>
-    </cs:fontRef>
-    <cs:spPr>
-      <a:ln w="9525" cap="flat" cmpd="sng" algn="ctr">
-        <a:solidFill>
-          <a:schemeClr val="tx1">
-            <a:lumMod val="35000"/>
-            <a:lumOff val="65000"/>
-          </a:schemeClr>
-        </a:solidFill>
-        <a:round/>
-      </a:ln>
-    </cs:spPr>
-  </cs:seriesLine>
-  <cs:title>
-    <cs:lnRef idx="0"/>
-    <cs:fillRef idx="0"/>
-    <cs:effectRef idx="0"/>
-    <cs:fontRef idx="minor">
-      <a:schemeClr val="tx1">
-        <a:lumMod val="65000"/>
-        <a:lumOff val="35000"/>
-      </a:schemeClr>
-    </cs:fontRef>
-    <cs:defRPr sz="1862" b="0" kern="1200" spc="0" baseline="0"/>
-  </cs:title>
-  <cs:trendline>
-    <cs:lnRef idx="0">
-      <cs:styleClr val="auto"/>
-    </cs:lnRef>
-    <cs:fillRef idx="0"/>
-    <cs:effectRef idx="0"/>
-    <cs:fontRef idx="minor">
-      <a:schemeClr val="tx1"/>
-    </cs:fontRef>
-    <cs:spPr>
-      <a:ln w="19050" cap="rnd">
-        <a:solidFill>
-          <a:schemeClr val="phClr"/>
-        </a:solidFill>
-        <a:prstDash val="sysDot"/>
-      </a:ln>
-    </cs:spPr>
-  </cs:trendline>
-  <cs:trendlineLabel>
-    <cs:lnRef idx="0"/>
-    <cs:fillRef idx="0"/>
-    <cs:effectRef idx="0"/>
-    <cs:fontRef idx="minor">
-      <a:schemeClr val="tx1">
-        <a:lumMod val="65000"/>
-        <a:lumOff val="35000"/>
-      </a:schemeClr>
-    </cs:fontRef>
-    <cs:defRPr sz="1197" kern="1200"/>
-  </cs:trendlineLabel>
-  <cs:upBar>
-    <cs:lnRef idx="0"/>
-    <cs:fillRef idx="0"/>
-    <cs:effectRef idx="0"/>
-    <cs:fontRef idx="minor">
-      <a:schemeClr val="dk1"/>
-    </cs:fontRef>
-    <cs:spPr>
-      <a:solidFill>
-        <a:schemeClr val="lt1"/>
-      </a:solidFill>
-      <a:ln w="9525">
-        <a:solidFill>
-          <a:schemeClr val="tx1">
-            <a:lumMod val="15000"/>
-            <a:lumOff val="85000"/>
-          </a:schemeClr>
-        </a:solidFill>
-      </a:ln>
-    </cs:spPr>
-  </cs:upBar>
-  <cs:valueAxis>
-    <cs:lnRef idx="0"/>
-    <cs:fillRef idx="0"/>
-    <cs:effectRef idx="0"/>
-    <cs:fontRef idx="minor">
-      <a:schemeClr val="tx1">
-        <a:lumMod val="65000"/>
-        <a:lumOff val="35000"/>
-      </a:schemeClr>
-    </cs:fontRef>
-    <cs:defRPr sz="1197" kern="1200"/>
-  </cs:valueAxis>
-  <cs:wall>
-    <cs:lnRef idx="0"/>
-    <cs:fillRef idx="0"/>
-    <cs:effectRef idx="0"/>
-    <cs:fontRef idx="minor">
-      <a:schemeClr val="tx1"/>
-    </cs:fontRef>
-    <cs:spPr>
-      <a:noFill/>
-      <a:ln>
-        <a:noFill/>
-      </a:ln>
-    </cs:spPr>
-  </cs:wall>
-</cs:chartStyle>
+<file path=ppt/notesSlides/notesSlide2.xml><?xml version="1.0" encoding="utf-8"?>
+<p:notes xmlns:a="http://schemas.openxmlformats.org/drawingml/2006/main" xmlns:r="http://schemas.openxmlformats.org/officeDocument/2006/relationships" xmlns:p="http://schemas.openxmlformats.org/presentationml/2006/main">
+  <p:cSld>
+    <p:spTree>
+      <p:nvGrpSpPr>
+        <p:cNvPr id="1" name=""/>
+        <p:cNvGrpSpPr/>
+        <p:nvPr/>
+      </p:nvGrpSpPr>
+      <p:grpSpPr>
+        <a:xfrm>
+          <a:off x="0" y="0"/>
+          <a:ext cx="0" cy="0"/>
+          <a:chOff x="0" y="0"/>
+          <a:chExt cx="0" cy="0"/>
+        </a:xfrm>
+      </p:grpSpPr>
+      <p:sp>
+        <p:nvSpPr>
+          <p:cNvPr id="2" name="Marcador de Posição da Imagem do Diapositivo 1"/>
+          <p:cNvSpPr>
+            <a:spLocks noGrp="1" noRot="1" noChangeAspect="1"/>
+          </p:cNvSpPr>
+          <p:nvPr>
+            <p:ph type="sldImg"/>
+          </p:nvPr>
+        </p:nvSpPr>
+        <p:spPr/>
+      </p:sp>
+      <p:sp>
+        <p:nvSpPr>
+          <p:cNvPr id="3" name="Marcador de Posição de Notas 2"/>
+          <p:cNvSpPr>
+            <a:spLocks noGrp="1"/>
+          </p:cNvSpPr>
+          <p:nvPr>
+            <p:ph type="body" idx="1"/>
+          </p:nvPr>
+        </p:nvSpPr>
+        <p:spPr/>
+        <p:txBody>
+          <a:bodyPr/>
+          <a:lstStyle/>
+          <a:p>
+            <a:r>
+              <a:rPr lang="en-US" sz="1200" dirty="0"/>
+              <a:t>How you approached the dataset, cleaning, preprocessing...</a:t>
+            </a:r>
+          </a:p>
+          <a:p>
+            <a:r>
+              <a:rPr lang="en-US" sz="1200" dirty="0"/>
+              <a:t>Techniques you tried. Did you end up using all of them? Did you discard any, for some reason?</a:t>
+            </a:r>
+          </a:p>
+          <a:p>
+            <a:r>
+              <a:rPr lang="en-US" sz="1200" dirty="0"/>
+              <a:t>Charts that display the impact of the techniques on accuracy</a:t>
+            </a:r>
+          </a:p>
+          <a:p>
+            <a:endParaRPr lang="pt-PT" dirty="0"/>
+          </a:p>
+        </p:txBody>
+      </p:sp>
+      <p:sp>
+        <p:nvSpPr>
+          <p:cNvPr id="4" name="Marcador de Posição do Número do Diapositivo 3"/>
+          <p:cNvSpPr>
+            <a:spLocks noGrp="1"/>
+          </p:cNvSpPr>
+          <p:nvPr>
+            <p:ph type="sldNum" sz="quarter" idx="5"/>
+          </p:nvPr>
+        </p:nvSpPr>
+        <p:spPr/>
+        <p:txBody>
+          <a:bodyPr/>
+          <a:lstStyle/>
+          <a:p>
+            <a:fld id="{36E6DCC6-AD03-4529-8785-52C9E9DDBC13}" type="slidenum">
+              <a:rPr lang="pt-PT" smtClean="0"/>
+              <a:t>3</a:t>
+            </a:fld>
+            <a:endParaRPr lang="pt-PT"/>
+          </a:p>
+        </p:txBody>
+      </p:sp>
+    </p:spTree>
+    <p:extLst>
+      <p:ext uri="{BB962C8B-B14F-4D97-AF65-F5344CB8AC3E}">
+        <p14:creationId xmlns:p14="http://schemas.microsoft.com/office/powerpoint/2010/main" val="1500461212"/>
+      </p:ext>
+    </p:extLst>
+  </p:cSld>
+  <p:clrMapOvr>
+    <a:masterClrMapping/>
+  </p:clrMapOvr>
+</p:notes>
 </file>
 
 <file path=ppt/slideLayouts/slideLayout1.xml><?xml version="1.0" encoding="utf-8"?>
@@ -7439,7 +6419,7 @@
         </p:blipFill>
         <p:spPr>
           <a:xfrm>
-            <a:off x="5416296" y="2546763"/>
+            <a:off x="5107768" y="2546763"/>
             <a:ext cx="1828800" cy="1828800"/>
           </a:xfrm>
           <a:prstGeom prst="ellipse">
@@ -7485,7 +6465,67 @@
         </p:nvSpPr>
         <p:spPr>
           <a:xfrm>
-            <a:off x="8526780" y="4549194"/>
+            <a:off x="8118675" y="4549194"/>
+            <a:ext cx="2827020" cy="369332"/>
+          </a:xfrm>
+          <a:prstGeom prst="rect">
+            <a:avLst/>
+          </a:prstGeom>
+          <a:noFill/>
+        </p:spPr>
+        <p:txBody>
+          <a:bodyPr wrap="square" rtlCol="0">
+            <a:spAutoFit/>
+          </a:bodyPr>
+          <a:lstStyle/>
+          <a:p>
+            <a:r>
+              <a:rPr lang="pt-PT" dirty="0" err="1">
+                <a:solidFill>
+                  <a:srgbClr val="32C3FF"/>
+                </a:solidFill>
+              </a:rPr>
+              <a:t>Karthikeyan</a:t>
+            </a:r>
+            <a:r>
+              <a:rPr lang="pt-PT" dirty="0">
+                <a:solidFill>
+                  <a:srgbClr val="32C3FF"/>
+                </a:solidFill>
+              </a:rPr>
+              <a:t> </a:t>
+            </a:r>
+            <a:r>
+              <a:rPr lang="pt-PT" dirty="0" err="1">
+                <a:solidFill>
+                  <a:srgbClr val="32C3FF"/>
+                </a:solidFill>
+              </a:rPr>
+              <a:t>Karuppusamy</a:t>
+            </a:r>
+            <a:endParaRPr lang="pt-PT" dirty="0">
+              <a:solidFill>
+                <a:srgbClr val="32C3FF"/>
+              </a:solidFill>
+            </a:endParaRPr>
+          </a:p>
+        </p:txBody>
+      </p:sp>
+      <p:sp>
+        <p:nvSpPr>
+          <p:cNvPr id="10" name="CaixaDeTexto 9">
+            <a:extLst>
+              <a:ext uri="{FF2B5EF4-FFF2-40B4-BE49-F238E27FC236}">
+                <a16:creationId xmlns:a16="http://schemas.microsoft.com/office/drawing/2014/main" id="{E6425457-F38D-6BF9-92D2-52230B132A01}"/>
+              </a:ext>
+            </a:extLst>
+          </p:cNvPr>
+          <p:cNvSpPr txBox="1"/>
+          <p:nvPr/>
+        </p:nvSpPr>
+        <p:spPr>
+          <a:xfrm>
+            <a:off x="5231443" y="4581880"/>
             <a:ext cx="1828800" cy="369332"/>
           </a:xfrm>
           <a:prstGeom prst="rect">
@@ -7500,27 +6540,22 @@
           <a:lstStyle/>
           <a:p>
             <a:r>
-              <a:rPr lang="pt-PT" dirty="0" err="1">
+              <a:rPr lang="pt-PT" dirty="0">
                 <a:solidFill>
                   <a:srgbClr val="32C3FF"/>
                 </a:solidFill>
               </a:rPr>
-              <a:t>Karthik</a:t>
-            </a:r>
-            <a:endParaRPr lang="pt-PT" dirty="0">
-              <a:solidFill>
-                <a:srgbClr val="32C3FF"/>
-              </a:solidFill>
-            </a:endParaRPr>
+              <a:t>Mónia Gomes</a:t>
+            </a:r>
           </a:p>
         </p:txBody>
       </p:sp>
       <p:sp>
         <p:nvSpPr>
-          <p:cNvPr id="10" name="CaixaDeTexto 9">
+          <p:cNvPr id="11" name="CaixaDeTexto 10">
             <a:extLst>
               <a:ext uri="{FF2B5EF4-FFF2-40B4-BE49-F238E27FC236}">
-                <a16:creationId xmlns:a16="http://schemas.microsoft.com/office/drawing/2014/main" id="{E6425457-F38D-6BF9-92D2-52230B132A01}"/>
+                <a16:creationId xmlns:a16="http://schemas.microsoft.com/office/drawing/2014/main" id="{34343FF2-65D1-4942-1E31-B4B96E38F45D}"/>
               </a:ext>
             </a:extLst>
           </p:cNvPr>
@@ -7529,7 +6564,7 @@
         </p:nvSpPr>
         <p:spPr>
           <a:xfrm>
-            <a:off x="5416296" y="4581880"/>
+            <a:off x="1767623" y="4549194"/>
             <a:ext cx="1828800" cy="369332"/>
           </a:xfrm>
           <a:prstGeom prst="rect">
@@ -7549,45 +6584,6 @@
                   <a:srgbClr val="32C3FF"/>
                 </a:solidFill>
               </a:rPr>
-              <a:t>Mónia Gomes</a:t>
-            </a:r>
-          </a:p>
-        </p:txBody>
-      </p:sp>
-      <p:sp>
-        <p:nvSpPr>
-          <p:cNvPr id="11" name="CaixaDeTexto 10">
-            <a:extLst>
-              <a:ext uri="{FF2B5EF4-FFF2-40B4-BE49-F238E27FC236}">
-                <a16:creationId xmlns:a16="http://schemas.microsoft.com/office/drawing/2014/main" id="{34343FF2-65D1-4942-1E31-B4B96E38F45D}"/>
-              </a:ext>
-            </a:extLst>
-          </p:cNvPr>
-          <p:cNvSpPr txBox="1"/>
-          <p:nvPr/>
-        </p:nvSpPr>
-        <p:spPr>
-          <a:xfrm>
-            <a:off x="2299716" y="4549194"/>
-            <a:ext cx="1828800" cy="369332"/>
-          </a:xfrm>
-          <a:prstGeom prst="rect">
-            <a:avLst/>
-          </a:prstGeom>
-          <a:noFill/>
-        </p:spPr>
-        <p:txBody>
-          <a:bodyPr wrap="square" rtlCol="0">
-            <a:spAutoFit/>
-          </a:bodyPr>
-          <a:lstStyle/>
-          <a:p>
-            <a:r>
-              <a:rPr lang="pt-PT" dirty="0">
-                <a:solidFill>
-                  <a:srgbClr val="32C3FF"/>
-                </a:solidFill>
-              </a:rPr>
               <a:t>Javi </a:t>
             </a:r>
             <a:r>
@@ -7670,6 +6666,114 @@
           </a:p>
         </p:txBody>
       </p:sp>
+      <p:pic>
+        <p:nvPicPr>
+          <p:cNvPr id="3" name="Imagem 2">
+            <a:extLst>
+              <a:ext uri="{FF2B5EF4-FFF2-40B4-BE49-F238E27FC236}">
+                <a16:creationId xmlns:a16="http://schemas.microsoft.com/office/drawing/2014/main" id="{61CF8BD6-E65E-8F6F-F78D-7F610C33E8C5}"/>
+              </a:ext>
+            </a:extLst>
+          </p:cNvPr>
+          <p:cNvPicPr>
+            <a:picLocks noChangeAspect="1"/>
+          </p:cNvPicPr>
+          <p:nvPr/>
+        </p:nvPicPr>
+        <p:blipFill>
+          <a:blip r:embed="rId3"/>
+          <a:stretch>
+            <a:fillRect/>
+          </a:stretch>
+        </p:blipFill>
+        <p:spPr>
+          <a:xfrm>
+            <a:off x="1892487" y="2546763"/>
+            <a:ext cx="1828800" cy="1828800"/>
+          </a:xfrm>
+          <a:prstGeom prst="ellipse">
+            <a:avLst/>
+          </a:prstGeom>
+          <a:ln w="63500" cap="rnd">
+            <a:solidFill>
+              <a:srgbClr val="FFFFFF"/>
+            </a:solidFill>
+          </a:ln>
+          <a:effectLst>
+            <a:outerShdw blurRad="381000" dist="292100" dir="5400000" sx="-80000" sy="-18000" rotWithShape="0">
+              <a:srgbClr val="FFFFFF">
+                <a:alpha val="22000"/>
+              </a:srgbClr>
+            </a:outerShdw>
+          </a:effectLst>
+          <a:scene3d>
+            <a:camera prst="orthographicFront"/>
+            <a:lightRig rig="contrasting" dir="t">
+              <a:rot lat="0" lon="0" rev="3000000"/>
+            </a:lightRig>
+          </a:scene3d>
+          <a:sp3d contourW="7620">
+            <a:bevelT w="95250" h="31750"/>
+            <a:contourClr>
+              <a:srgbClr val="333333"/>
+            </a:contourClr>
+          </a:sp3d>
+        </p:spPr>
+      </p:pic>
+      <p:pic>
+        <p:nvPicPr>
+          <p:cNvPr id="7" name="Imagem 6">
+            <a:extLst>
+              <a:ext uri="{FF2B5EF4-FFF2-40B4-BE49-F238E27FC236}">
+                <a16:creationId xmlns:a16="http://schemas.microsoft.com/office/drawing/2014/main" id="{D92F24EA-CB1F-0083-B997-D6C4E9064AFE}"/>
+              </a:ext>
+            </a:extLst>
+          </p:cNvPr>
+          <p:cNvPicPr>
+            <a:picLocks noChangeAspect="1"/>
+          </p:cNvPicPr>
+          <p:nvPr/>
+        </p:nvPicPr>
+        <p:blipFill>
+          <a:blip r:embed="rId4"/>
+          <a:stretch>
+            <a:fillRect/>
+          </a:stretch>
+        </p:blipFill>
+        <p:spPr>
+          <a:xfrm>
+            <a:off x="8323050" y="2638162"/>
+            <a:ext cx="1471658" cy="1646001"/>
+          </a:xfrm>
+          <a:prstGeom prst="ellipse">
+            <a:avLst/>
+          </a:prstGeom>
+          <a:ln w="63500" cap="rnd">
+            <a:solidFill>
+              <a:schemeClr val="bg1"/>
+            </a:solidFill>
+          </a:ln>
+          <a:effectLst>
+            <a:outerShdw blurRad="381000" dist="292100" dir="5400000" sx="-80000" sy="-18000" rotWithShape="0">
+              <a:schemeClr val="tx1">
+                <a:alpha val="22000"/>
+              </a:schemeClr>
+            </a:outerShdw>
+          </a:effectLst>
+          <a:scene3d>
+            <a:camera prst="orthographicFront"/>
+            <a:lightRig rig="contrasting" dir="t">
+              <a:rot lat="0" lon="0" rev="3000000"/>
+            </a:lightRig>
+          </a:scene3d>
+          <a:sp3d contourW="7620">
+            <a:bevelT w="95250" h="31750"/>
+            <a:contourClr>
+              <a:srgbClr val="333333"/>
+            </a:contourClr>
+          </a:sp3d>
+        </p:spPr>
+      </p:pic>
     </p:spTree>
   </p:cSld>
   <p:clrMapOvr>
@@ -7681,6 +6785,11 @@
 <file path=ppt/slides/slide2.xml><?xml version="1.0" encoding="utf-8"?>
 <p:sld xmlns:a="http://schemas.openxmlformats.org/drawingml/2006/main" xmlns:r="http://schemas.openxmlformats.org/officeDocument/2006/relationships" xmlns:p="http://schemas.openxmlformats.org/presentationml/2006/main">
   <p:cSld>
+    <p:bg>
+      <p:bgRef idx="1001">
+        <a:schemeClr val="bg1"/>
+      </p:bgRef>
+    </p:bg>
     <p:spTree>
       <p:nvGrpSpPr>
         <p:cNvPr id="1" name=""/>
@@ -7717,7 +6826,11 @@
           <a:lstStyle/>
           <a:p>
             <a:r>
-              <a:rPr lang="en-US"/>
+              <a:rPr lang="en-US" dirty="0">
+                <a:solidFill>
+                  <a:srgbClr val="32C3FF"/>
+                </a:solidFill>
+              </a:rPr>
               <a:t>Executive summary</a:t>
             </a:r>
           </a:p>
@@ -7749,56 +6862,140 @@
           <a:bodyPr/>
           <a:lstStyle/>
           <a:p>
-            <a:r>
-              <a:rPr lang="en-US" dirty="0"/>
-              <a:t>Final result (i.e. accuracy achieved) </a:t>
-            </a:r>
-          </a:p>
-          <a:p>
-            <a:r>
-              <a:rPr lang="en-US" dirty="0"/>
-              <a:t>Model used</a:t>
-            </a:r>
-          </a:p>
-          <a:p>
-            <a:r>
-              <a:rPr lang="en-US" dirty="0"/>
-              <a:t>Quick recap of alternatives considered</a:t>
-            </a:r>
-          </a:p>
-          <a:p>
-            <a:r>
-              <a:rPr lang="en-US" dirty="0"/>
-              <a:t>Other important methodology or considerations</a:t>
+            <a:pPr>
+              <a:buClr>
+                <a:srgbClr val="32C3FF"/>
+              </a:buClr>
+            </a:pPr>
+            <a:r>
+              <a:rPr lang="en-US" dirty="0">
+                <a:latin typeface="Arial" panose="020B0604020202020204" pitchFamily="34" charset="0"/>
+                <a:cs typeface="Arial" panose="020B0604020202020204" pitchFamily="34" charset="0"/>
+              </a:rPr>
+              <a:t>Accuracy Achieved : 0.9264</a:t>
+            </a:r>
+          </a:p>
+          <a:p>
+            <a:pPr>
+              <a:buClr>
+                <a:srgbClr val="32C3FF"/>
+              </a:buClr>
+            </a:pPr>
+            <a:r>
+              <a:rPr lang="en-US" dirty="0">
+                <a:latin typeface="Arial" panose="020B0604020202020204" pitchFamily="34" charset="0"/>
+                <a:cs typeface="Arial" panose="020B0604020202020204" pitchFamily="34" charset="0"/>
+              </a:rPr>
+              <a:t>SVM</a:t>
+            </a:r>
+          </a:p>
+          <a:p>
+            <a:pPr>
+              <a:buClr>
+                <a:srgbClr val="32C3FF"/>
+              </a:buClr>
+            </a:pPr>
+            <a:r>
+              <a:rPr lang="en-US" dirty="0">
+                <a:latin typeface="Arial" panose="020B0604020202020204" pitchFamily="34" charset="0"/>
+                <a:cs typeface="Arial" panose="020B0604020202020204" pitchFamily="34" charset="0"/>
+              </a:rPr>
+              <a:t>LOGR, </a:t>
+            </a:r>
+            <a:r>
+              <a:rPr lang="en-US" dirty="0" err="1">
+                <a:latin typeface="Arial" panose="020B0604020202020204" pitchFamily="34" charset="0"/>
+                <a:cs typeface="Arial" panose="020B0604020202020204" pitchFamily="34" charset="0"/>
+              </a:rPr>
+              <a:t>NaiveBayes</a:t>
+            </a:r>
+            <a:r>
+              <a:rPr lang="en-US" dirty="0">
+                <a:latin typeface="Arial" panose="020B0604020202020204" pitchFamily="34" charset="0"/>
+                <a:cs typeface="Arial" panose="020B0604020202020204" pitchFamily="34" charset="0"/>
+              </a:rPr>
+              <a:t>, </a:t>
+            </a:r>
+            <a:r>
+              <a:rPr lang="en-US" dirty="0" err="1">
+                <a:latin typeface="Arial" panose="020B0604020202020204" pitchFamily="34" charset="0"/>
+                <a:cs typeface="Arial" panose="020B0604020202020204" pitchFamily="34" charset="0"/>
+              </a:rPr>
+              <a:t>Xgboost</a:t>
+            </a:r>
+            <a:endParaRPr lang="en-US" dirty="0">
+              <a:latin typeface="Arial" panose="020B0604020202020204" pitchFamily="34" charset="0"/>
+              <a:cs typeface="Arial" panose="020B0604020202020204" pitchFamily="34" charset="0"/>
+            </a:endParaRPr>
+          </a:p>
+          <a:p>
+            <a:pPr>
+              <a:buClr>
+                <a:srgbClr val="32C3FF"/>
+              </a:buClr>
+            </a:pPr>
+            <a:r>
+              <a:rPr lang="en-US" dirty="0">
+                <a:latin typeface="Arial" panose="020B0604020202020204" pitchFamily="34" charset="0"/>
+                <a:cs typeface="Arial" panose="020B0604020202020204" pitchFamily="34" charset="0"/>
+              </a:rPr>
+              <a:t>TD-IDF and </a:t>
+            </a:r>
+            <a:r>
+              <a:rPr lang="en-US" dirty="0" err="1">
+                <a:latin typeface="Arial" panose="020B0604020202020204" pitchFamily="34" charset="0"/>
+                <a:cs typeface="Arial" panose="020B0604020202020204" pitchFamily="34" charset="0"/>
+              </a:rPr>
+              <a:t>BoW</a:t>
+            </a:r>
+            <a:endParaRPr lang="en-US" dirty="0">
+              <a:latin typeface="Arial" panose="020B0604020202020204" pitchFamily="34" charset="0"/>
+              <a:cs typeface="Arial" panose="020B0604020202020204" pitchFamily="34" charset="0"/>
+            </a:endParaRPr>
+          </a:p>
+          <a:p>
+            <a:pPr>
+              <a:buClr>
+                <a:srgbClr val="32C3FF"/>
+              </a:buClr>
+            </a:pPr>
+            <a:r>
+              <a:rPr lang="en-US" dirty="0">
+                <a:latin typeface="Arial" panose="020B0604020202020204" pitchFamily="34" charset="0"/>
+                <a:cs typeface="Arial" panose="020B0604020202020204" pitchFamily="34" charset="0"/>
+              </a:rPr>
+              <a:t>Cleaning with and without Tokenization, Lemmatization and Stop Words</a:t>
             </a:r>
           </a:p>
         </p:txBody>
       </p:sp>
       <p:graphicFrame>
         <p:nvGraphicFramePr>
-          <p:cNvPr id="5" name="Chart 4">
+          <p:cNvPr id="4" name="Chart 3" title="Model accuracy vs Vectorizers">
             <a:extLst>
               <a:ext uri="{FF2B5EF4-FFF2-40B4-BE49-F238E27FC236}">
-                <a16:creationId xmlns:a16="http://schemas.microsoft.com/office/drawing/2014/main" id="{F165D083-605B-0A17-EA37-54164DAED92B}"/>
+                <a16:creationId xmlns:a16="http://schemas.microsoft.com/office/drawing/2014/main" id="{00000000-0008-0000-0000-000004000000}"/>
               </a:ext>
             </a:extLst>
           </p:cNvPr>
-          <p:cNvGraphicFramePr/>
+          <p:cNvGraphicFramePr>
+            <a:graphicFrameLocks/>
+          </p:cNvGraphicFramePr>
           <p:nvPr>
             <p:extLst>
               <p:ext uri="{D42A27DB-BD31-4B8C-83A1-F6EECF244321}">
-                <p14:modId xmlns:p14="http://schemas.microsoft.com/office/powerpoint/2010/main" val="3905673951"/>
+                <p14:modId xmlns:p14="http://schemas.microsoft.com/office/powerpoint/2010/main" val="3214501682"/>
               </p:ext>
             </p:extLst>
           </p:nvPr>
         </p:nvGraphicFramePr>
         <p:xfrm>
-          <a:off x="6400800" y="1690688"/>
-          <a:ext cx="4652579" cy="4262237"/>
+          <a:off x="6096000" y="1825625"/>
+          <a:ext cx="5666015" cy="3116036"/>
         </p:xfrm>
         <a:graphic>
           <a:graphicData uri="http://schemas.openxmlformats.org/drawingml/2006/chart">
-            <c:chart xmlns:c="http://schemas.openxmlformats.org/drawingml/2006/chart" xmlns:r="http://schemas.openxmlformats.org/officeDocument/2006/relationships" r:id="rId2"/>
+            <c:chart xmlns:c="http://schemas.openxmlformats.org/drawingml/2006/chart" xmlns:r="http://schemas.openxmlformats.org/officeDocument/2006/relationships" r:id="rId4"/>
           </a:graphicData>
         </a:graphic>
       </p:graphicFrame>
@@ -7810,7 +7007,7 @@
     </p:extLst>
   </p:cSld>
   <p:clrMapOvr>
-    <a:masterClrMapping/>
+    <a:overrideClrMapping bg1="lt1" tx1="dk1" bg2="lt2" tx2="dk2" accent1="accent1" accent2="accent2" accent3="accent3" accent4="accent4" accent5="accent5" accent6="accent6" hlink="hlink" folHlink="folHlink"/>
   </p:clrMapOvr>
 </p:sld>
 </file>
@@ -7854,77 +7051,77 @@
           <a:lstStyle/>
           <a:p>
             <a:r>
-              <a:rPr lang="en-US"/>
-              <a:t>Methods (preprocessing)</a:t>
+              <a:rPr lang="en-US" dirty="0">
+                <a:solidFill>
+                  <a:srgbClr val="32C3FF"/>
+                </a:solidFill>
+              </a:rPr>
+              <a:t>Methods (preprocessing</a:t>
+            </a:r>
+            <a:r>
+              <a:rPr lang="en-US" dirty="0"/>
+              <a:t>)</a:t>
             </a:r>
           </a:p>
         </p:txBody>
       </p:sp>
-      <p:sp>
-        <p:nvSpPr>
-          <p:cNvPr id="3" name="Content Placeholder 2">
+      <p:graphicFrame>
+        <p:nvGraphicFramePr>
+          <p:cNvPr id="5" name="Chart 6">
             <a:extLst>
               <a:ext uri="{FF2B5EF4-FFF2-40B4-BE49-F238E27FC236}">
-                <a16:creationId xmlns:a16="http://schemas.microsoft.com/office/drawing/2014/main" id="{F9085543-BAEE-863C-37C8-06656B914EC0}"/>
+                <a16:creationId xmlns:a16="http://schemas.microsoft.com/office/drawing/2014/main" id="{00000000-0008-0000-0000-000007000000}"/>
               </a:ext>
             </a:extLst>
           </p:cNvPr>
-          <p:cNvSpPr>
-            <a:spLocks noGrp="1"/>
-          </p:cNvSpPr>
-          <p:nvPr>
-            <p:ph idx="1"/>
-          </p:nvPr>
-        </p:nvSpPr>
-        <p:spPr/>
-        <p:txBody>
-          <a:bodyPr/>
-          <a:lstStyle/>
-          <a:p>
-            <a:r>
-              <a:rPr lang="en-US"/>
-              <a:t>How you approached the dataset, cleaning, preprocessing...</a:t>
-            </a:r>
-          </a:p>
-          <a:p>
-            <a:r>
-              <a:rPr lang="en-US"/>
-              <a:t>Techniques you tried. Did you end up using all of them? Did you discard any, for some reason?</a:t>
-            </a:r>
-          </a:p>
-          <a:p>
-            <a:r>
-              <a:rPr lang="en-US"/>
-              <a:t>Charts that display the impact of the techniques on accuracy</a:t>
-            </a:r>
-          </a:p>
-        </p:txBody>
-      </p:sp>
+          <p:cNvGraphicFramePr>
+            <a:graphicFrameLocks/>
+          </p:cNvGraphicFramePr>
+          <p:nvPr>
+            <p:extLst>
+              <p:ext uri="{D42A27DB-BD31-4B8C-83A1-F6EECF244321}">
+                <p14:modId xmlns:p14="http://schemas.microsoft.com/office/powerpoint/2010/main" val="116784129"/>
+              </p:ext>
+            </p:extLst>
+          </p:nvPr>
+        </p:nvGraphicFramePr>
+        <p:xfrm>
+          <a:off x="0" y="2090457"/>
+          <a:ext cx="6096000" cy="3488017"/>
+        </p:xfrm>
+        <a:graphic>
+          <a:graphicData uri="http://schemas.openxmlformats.org/drawingml/2006/chart">
+            <c:chart xmlns:c="http://schemas.openxmlformats.org/drawingml/2006/chart" xmlns:r="http://schemas.openxmlformats.org/officeDocument/2006/relationships" r:id="rId3"/>
+          </a:graphicData>
+        </a:graphic>
+      </p:graphicFrame>
       <p:graphicFrame>
         <p:nvGraphicFramePr>
-          <p:cNvPr id="4" name="Chart 3">
+          <p:cNvPr id="6" name="Chart 7">
             <a:extLst>
               <a:ext uri="{FF2B5EF4-FFF2-40B4-BE49-F238E27FC236}">
-                <a16:creationId xmlns:a16="http://schemas.microsoft.com/office/drawing/2014/main" id="{6A9C027C-ADBD-953C-5C24-6FC7F9F59C03}"/>
+                <a16:creationId xmlns:a16="http://schemas.microsoft.com/office/drawing/2014/main" id="{00000000-0008-0000-0000-000008000000}"/>
               </a:ext>
             </a:extLst>
           </p:cNvPr>
-          <p:cNvGraphicFramePr/>
+          <p:cNvGraphicFramePr>
+            <a:graphicFrameLocks/>
+          </p:cNvGraphicFramePr>
           <p:nvPr>
             <p:extLst>
               <p:ext uri="{D42A27DB-BD31-4B8C-83A1-F6EECF244321}">
-                <p14:modId xmlns:p14="http://schemas.microsoft.com/office/powerpoint/2010/main" val="1423913326"/>
+                <p14:modId xmlns:p14="http://schemas.microsoft.com/office/powerpoint/2010/main" val="2994594726"/>
               </p:ext>
             </p:extLst>
           </p:nvPr>
         </p:nvGraphicFramePr>
         <p:xfrm>
-          <a:off x="3111062" y="3878318"/>
-          <a:ext cx="5262179" cy="2757780"/>
+          <a:off x="6096000" y="2090457"/>
+          <a:ext cx="5553445" cy="3425583"/>
         </p:xfrm>
         <a:graphic>
           <a:graphicData uri="http://schemas.openxmlformats.org/drawingml/2006/chart">
-            <c:chart xmlns:c="http://schemas.openxmlformats.org/drawingml/2006/chart" xmlns:r="http://schemas.openxmlformats.org/officeDocument/2006/relationships" r:id="rId2"/>
+            <c:chart xmlns:c="http://schemas.openxmlformats.org/drawingml/2006/chart" xmlns:r="http://schemas.openxmlformats.org/officeDocument/2006/relationships" r:id="rId4"/>
           </a:graphicData>
         </a:graphic>
       </p:graphicFrame>
@@ -8002,33 +7199,38 @@
             <p:ph idx="1"/>
           </p:nvPr>
         </p:nvSpPr>
-        <p:spPr/>
+        <p:spPr>
+          <a:xfrm>
+            <a:off x="838200" y="1571391"/>
+            <a:ext cx="8444696" cy="3494401"/>
+          </a:xfrm>
+        </p:spPr>
         <p:txBody>
           <a:bodyPr/>
           <a:lstStyle/>
           <a:p>
             <a:r>
-              <a:rPr lang="en-US"/>
+              <a:rPr lang="en-US" dirty="0"/>
               <a:t>Explain the models you tried and why</a:t>
             </a:r>
           </a:p>
           <a:p>
             <a:r>
-              <a:rPr lang="en-US"/>
+              <a:rPr lang="en-US" dirty="0"/>
               <a:t>Chart comparing them. </a:t>
             </a:r>
           </a:p>
           <a:p>
             <a:pPr lvl="1"/>
             <a:r>
-              <a:rPr lang="en-US"/>
+              <a:rPr lang="en-US" dirty="0"/>
               <a:t>Try to capture subtleties but don’t make it too complicated. </a:t>
             </a:r>
           </a:p>
           <a:p>
             <a:pPr lvl="1"/>
             <a:r>
-              <a:rPr lang="en-US"/>
+              <a:rPr lang="en-US" dirty="0"/>
               <a:t>For example, if a model didn’t improve with preprocessing then don’t include it. But if a model was very affected by preprocessing/hyperparameters then it’s interesting to see how</a:t>
             </a:r>
           </a:p>
@@ -8036,25 +7238,27 @@
       </p:sp>
       <p:graphicFrame>
         <p:nvGraphicFramePr>
-          <p:cNvPr id="4" name="Chart 3">
+          <p:cNvPr id="5" name="Chart 3" title="Model accuracy vs Vectorizers">
             <a:extLst>
               <a:ext uri="{FF2B5EF4-FFF2-40B4-BE49-F238E27FC236}">
-                <a16:creationId xmlns:a16="http://schemas.microsoft.com/office/drawing/2014/main" id="{6A9C027C-ADBD-953C-5C24-6FC7F9F59C03}"/>
+                <a16:creationId xmlns:a16="http://schemas.microsoft.com/office/drawing/2014/main" id="{383B6D4D-FE28-B6DD-9040-239FF4F2FC86}"/>
               </a:ext>
             </a:extLst>
           </p:cNvPr>
-          <p:cNvGraphicFramePr/>
+          <p:cNvGraphicFramePr>
+            <a:graphicFrameLocks/>
+          </p:cNvGraphicFramePr>
           <p:nvPr>
             <p:extLst>
               <p:ext uri="{D42A27DB-BD31-4B8C-83A1-F6EECF244321}">
-                <p14:modId xmlns:p14="http://schemas.microsoft.com/office/powerpoint/2010/main" val="3965728679"/>
+                <p14:modId xmlns:p14="http://schemas.microsoft.com/office/powerpoint/2010/main" val="3470116504"/>
               </p:ext>
             </p:extLst>
           </p:nvPr>
         </p:nvGraphicFramePr>
         <p:xfrm>
-          <a:off x="3111062" y="4100220"/>
-          <a:ext cx="5262179" cy="2757780"/>
+          <a:off x="6096000" y="3704065"/>
+          <a:ext cx="5666015" cy="3116036"/>
         </p:xfrm>
         <a:graphic>
           <a:graphicData uri="http://schemas.openxmlformats.org/drawingml/2006/chart">
@@ -8801,4 +8005,924 @@
     </a:ext>
   </a:extLst>
 </a:theme>
+</file>
+
+<file path=ppt/theme/theme2.xml><?xml version="1.0" encoding="utf-8"?>
+<a:theme xmlns:a="http://schemas.openxmlformats.org/drawingml/2006/main" name="Tema do Office">
+  <a:themeElements>
+    <a:clrScheme name="Office">
+      <a:dk1>
+        <a:sysClr val="windowText" lastClr="000000"/>
+      </a:dk1>
+      <a:lt1>
+        <a:sysClr val="window" lastClr="FFFFFF"/>
+      </a:lt1>
+      <a:dk2>
+        <a:srgbClr val="0E2841"/>
+      </a:dk2>
+      <a:lt2>
+        <a:srgbClr val="E8E8E8"/>
+      </a:lt2>
+      <a:accent1>
+        <a:srgbClr val="156082"/>
+      </a:accent1>
+      <a:accent2>
+        <a:srgbClr val="E97132"/>
+      </a:accent2>
+      <a:accent3>
+        <a:srgbClr val="196B24"/>
+      </a:accent3>
+      <a:accent4>
+        <a:srgbClr val="0F9ED5"/>
+      </a:accent4>
+      <a:accent5>
+        <a:srgbClr val="A02B93"/>
+      </a:accent5>
+      <a:accent6>
+        <a:srgbClr val="4EA72E"/>
+      </a:accent6>
+      <a:hlink>
+        <a:srgbClr val="467886"/>
+      </a:hlink>
+      <a:folHlink>
+        <a:srgbClr val="96607D"/>
+      </a:folHlink>
+    </a:clrScheme>
+    <a:fontScheme name="Office">
+      <a:majorFont>
+        <a:latin typeface="Aptos Display" panose="02110004020202020204"/>
+        <a:ea typeface=""/>
+        <a:cs typeface=""/>
+        <a:font script="Jpan" typeface="游ゴシック Light"/>
+        <a:font script="Hang" typeface="맑은 고딕"/>
+        <a:font script="Hans" typeface="等线 Light"/>
+        <a:font script="Hant" typeface="新細明體"/>
+        <a:font script="Arab" typeface="Times New Roman"/>
+        <a:font script="Hebr" typeface="Times New Roman"/>
+        <a:font script="Thai" typeface="Angsana New"/>
+        <a:font script="Ethi" typeface="Nyala"/>
+        <a:font script="Beng" typeface="Vrinda"/>
+        <a:font script="Gujr" typeface="Shruti"/>
+        <a:font script="Khmr" typeface="MoolBoran"/>
+        <a:font script="Knda" typeface="Tunga"/>
+        <a:font script="Guru" typeface="Raavi"/>
+        <a:font script="Cans" typeface="Euphemia"/>
+        <a:font script="Cher" typeface="Plantagenet Cherokee"/>
+        <a:font script="Yiii" typeface="Microsoft Yi Baiti"/>
+        <a:font script="Tibt" typeface="Microsoft Himalaya"/>
+        <a:font script="Thaa" typeface="MV Boli"/>
+        <a:font script="Deva" typeface="Mangal"/>
+        <a:font script="Telu" typeface="Gautami"/>
+        <a:font script="Taml" typeface="Latha"/>
+        <a:font script="Syrc" typeface="Estrangelo Edessa"/>
+        <a:font script="Orya" typeface="Kalinga"/>
+        <a:font script="Mlym" typeface="Kartika"/>
+        <a:font script="Laoo" typeface="DokChampa"/>
+        <a:font script="Sinh" typeface="Iskoola Pota"/>
+        <a:font script="Mong" typeface="Mongolian Baiti"/>
+        <a:font script="Viet" typeface="Times New Roman"/>
+        <a:font script="Uigh" typeface="Microsoft Uighur"/>
+        <a:font script="Geor" typeface="Sylfaen"/>
+        <a:font script="Armn" typeface="Arial"/>
+        <a:font script="Bugi" typeface="Leelawadee UI"/>
+        <a:font script="Bopo" typeface="Microsoft JhengHei"/>
+        <a:font script="Java" typeface="Javanese Text"/>
+        <a:font script="Lisu" typeface="Segoe UI"/>
+        <a:font script="Mymr" typeface="Myanmar Text"/>
+        <a:font script="Nkoo" typeface="Ebrima"/>
+        <a:font script="Olck" typeface="Nirmala UI"/>
+        <a:font script="Osma" typeface="Ebrima"/>
+        <a:font script="Phag" typeface="Phagspa"/>
+        <a:font script="Syrn" typeface="Estrangelo Edessa"/>
+        <a:font script="Syrj" typeface="Estrangelo Edessa"/>
+        <a:font script="Syre" typeface="Estrangelo Edessa"/>
+        <a:font script="Sora" typeface="Nirmala UI"/>
+        <a:font script="Tale" typeface="Microsoft Tai Le"/>
+        <a:font script="Talu" typeface="Microsoft New Tai Lue"/>
+        <a:font script="Tfng" typeface="Ebrima"/>
+      </a:majorFont>
+      <a:minorFont>
+        <a:latin typeface="Aptos" panose="02110004020202020204"/>
+        <a:ea typeface=""/>
+        <a:cs typeface=""/>
+        <a:font script="Jpan" typeface="游ゴシック"/>
+        <a:font script="Hang" typeface="맑은 고딕"/>
+        <a:font script="Hans" typeface="等线"/>
+        <a:font script="Hant" typeface="新細明體"/>
+        <a:font script="Arab" typeface="Arial"/>
+        <a:font script="Hebr" typeface="Arial"/>
+        <a:font script="Thai" typeface="Cordia New"/>
+        <a:font script="Ethi" typeface="Nyala"/>
+        <a:font script="Beng" typeface="Vrinda"/>
+        <a:font script="Gujr" typeface="Shruti"/>
+        <a:font script="Khmr" typeface="DaunPenh"/>
+        <a:font script="Knda" typeface="Tunga"/>
+        <a:font script="Guru" typeface="Raavi"/>
+        <a:font script="Cans" typeface="Euphemia"/>
+        <a:font script="Cher" typeface="Plantagenet Cherokee"/>
+        <a:font script="Yiii" typeface="Microsoft Yi Baiti"/>
+        <a:font script="Tibt" typeface="Microsoft Himalaya"/>
+        <a:font script="Thaa" typeface="MV Boli"/>
+        <a:font script="Deva" typeface="Mangal"/>
+        <a:font script="Telu" typeface="Gautami"/>
+        <a:font script="Taml" typeface="Latha"/>
+        <a:font script="Syrc" typeface="Estrangelo Edessa"/>
+        <a:font script="Orya" typeface="Kalinga"/>
+        <a:font script="Mlym" typeface="Kartika"/>
+        <a:font script="Laoo" typeface="DokChampa"/>
+        <a:font script="Sinh" typeface="Iskoola Pota"/>
+        <a:font script="Mong" typeface="Mongolian Baiti"/>
+        <a:font script="Viet" typeface="Arial"/>
+        <a:font script="Uigh" typeface="Microsoft Uighur"/>
+        <a:font script="Geor" typeface="Sylfaen"/>
+        <a:font script="Armn" typeface="Arial"/>
+        <a:font script="Bugi" typeface="Leelawadee UI"/>
+        <a:font script="Bopo" typeface="Microsoft JhengHei"/>
+        <a:font script="Java" typeface="Javanese Text"/>
+        <a:font script="Lisu" typeface="Segoe UI"/>
+        <a:font script="Mymr" typeface="Myanmar Text"/>
+        <a:font script="Nkoo" typeface="Ebrima"/>
+        <a:font script="Olck" typeface="Nirmala UI"/>
+        <a:font script="Osma" typeface="Ebrima"/>
+        <a:font script="Phag" typeface="Phagspa"/>
+        <a:font script="Syrn" typeface="Estrangelo Edessa"/>
+        <a:font script="Syrj" typeface="Estrangelo Edessa"/>
+        <a:font script="Syre" typeface="Estrangelo Edessa"/>
+        <a:font script="Sora" typeface="Nirmala UI"/>
+        <a:font script="Tale" typeface="Microsoft Tai Le"/>
+        <a:font script="Talu" typeface="Microsoft New Tai Lue"/>
+        <a:font script="Tfng" typeface="Ebrima"/>
+      </a:minorFont>
+    </a:fontScheme>
+    <a:fmtScheme name="Office">
+      <a:fillStyleLst>
+        <a:solidFill>
+          <a:schemeClr val="phClr"/>
+        </a:solidFill>
+        <a:gradFill rotWithShape="1">
+          <a:gsLst>
+            <a:gs pos="0">
+              <a:schemeClr val="phClr">
+                <a:lumMod val="110000"/>
+                <a:satMod val="105000"/>
+                <a:tint val="67000"/>
+              </a:schemeClr>
+            </a:gs>
+            <a:gs pos="50000">
+              <a:schemeClr val="phClr">
+                <a:lumMod val="105000"/>
+                <a:satMod val="103000"/>
+                <a:tint val="73000"/>
+              </a:schemeClr>
+            </a:gs>
+            <a:gs pos="100000">
+              <a:schemeClr val="phClr">
+                <a:lumMod val="105000"/>
+                <a:satMod val="109000"/>
+                <a:tint val="81000"/>
+              </a:schemeClr>
+            </a:gs>
+          </a:gsLst>
+          <a:lin ang="5400000" scaled="0"/>
+        </a:gradFill>
+        <a:gradFill rotWithShape="1">
+          <a:gsLst>
+            <a:gs pos="0">
+              <a:schemeClr val="phClr">
+                <a:satMod val="103000"/>
+                <a:lumMod val="102000"/>
+                <a:tint val="94000"/>
+              </a:schemeClr>
+            </a:gs>
+            <a:gs pos="50000">
+              <a:schemeClr val="phClr">
+                <a:satMod val="110000"/>
+                <a:lumMod val="100000"/>
+                <a:shade val="100000"/>
+              </a:schemeClr>
+            </a:gs>
+            <a:gs pos="100000">
+              <a:schemeClr val="phClr">
+                <a:lumMod val="99000"/>
+                <a:satMod val="120000"/>
+                <a:shade val="78000"/>
+              </a:schemeClr>
+            </a:gs>
+          </a:gsLst>
+          <a:lin ang="5400000" scaled="0"/>
+        </a:gradFill>
+      </a:fillStyleLst>
+      <a:lnStyleLst>
+        <a:ln w="12700" cap="flat" cmpd="sng" algn="ctr">
+          <a:solidFill>
+            <a:schemeClr val="phClr"/>
+          </a:solidFill>
+          <a:prstDash val="solid"/>
+          <a:miter lim="800000"/>
+        </a:ln>
+        <a:ln w="19050" cap="flat" cmpd="sng" algn="ctr">
+          <a:solidFill>
+            <a:schemeClr val="phClr"/>
+          </a:solidFill>
+          <a:prstDash val="solid"/>
+          <a:miter lim="800000"/>
+        </a:ln>
+        <a:ln w="25400" cap="flat" cmpd="sng" algn="ctr">
+          <a:solidFill>
+            <a:schemeClr val="phClr"/>
+          </a:solidFill>
+          <a:prstDash val="solid"/>
+          <a:miter lim="800000"/>
+        </a:ln>
+      </a:lnStyleLst>
+      <a:effectStyleLst>
+        <a:effectStyle>
+          <a:effectLst/>
+        </a:effectStyle>
+        <a:effectStyle>
+          <a:effectLst/>
+        </a:effectStyle>
+        <a:effectStyle>
+          <a:effectLst>
+            <a:outerShdw blurRad="57150" dist="19050" dir="5400000" algn="ctr" rotWithShape="0">
+              <a:srgbClr val="000000">
+                <a:alpha val="63000"/>
+              </a:srgbClr>
+            </a:outerShdw>
+          </a:effectLst>
+        </a:effectStyle>
+      </a:effectStyleLst>
+      <a:bgFillStyleLst>
+        <a:solidFill>
+          <a:schemeClr val="phClr"/>
+        </a:solidFill>
+        <a:solidFill>
+          <a:schemeClr val="phClr">
+            <a:tint val="95000"/>
+            <a:satMod val="170000"/>
+          </a:schemeClr>
+        </a:solidFill>
+        <a:gradFill rotWithShape="1">
+          <a:gsLst>
+            <a:gs pos="0">
+              <a:schemeClr val="phClr">
+                <a:tint val="93000"/>
+                <a:satMod val="150000"/>
+                <a:shade val="98000"/>
+                <a:lumMod val="102000"/>
+              </a:schemeClr>
+            </a:gs>
+            <a:gs pos="50000">
+              <a:schemeClr val="phClr">
+                <a:tint val="98000"/>
+                <a:satMod val="130000"/>
+                <a:shade val="90000"/>
+                <a:lumMod val="103000"/>
+              </a:schemeClr>
+            </a:gs>
+            <a:gs pos="100000">
+              <a:schemeClr val="phClr">
+                <a:shade val="63000"/>
+                <a:satMod val="120000"/>
+              </a:schemeClr>
+            </a:gs>
+          </a:gsLst>
+          <a:lin ang="5400000" scaled="0"/>
+        </a:gradFill>
+      </a:bgFillStyleLst>
+    </a:fmtScheme>
+  </a:themeElements>
+  <a:objectDefaults>
+    <a:lnDef>
+      <a:spPr/>
+      <a:bodyPr/>
+      <a:lstStyle/>
+      <a:style>
+        <a:lnRef idx="2">
+          <a:schemeClr val="accent1"/>
+        </a:lnRef>
+        <a:fillRef idx="0">
+          <a:schemeClr val="accent1"/>
+        </a:fillRef>
+        <a:effectRef idx="1">
+          <a:schemeClr val="accent1"/>
+        </a:effectRef>
+        <a:fontRef idx="minor">
+          <a:schemeClr val="tx1"/>
+        </a:fontRef>
+      </a:style>
+    </a:lnDef>
+  </a:objectDefaults>
+  <a:extraClrSchemeLst/>
+  <a:extLst>
+    <a:ext uri="{05A4C25C-085E-4340-85A3-A5531E510DB2}">
+      <thm15:themeFamily xmlns:thm15="http://schemas.microsoft.com/office/thememl/2012/main" name="Office Theme" id="{2E142A2C-CD16-42D6-873A-C26D2A0506FA}" vid="{1BDDFF52-6CD6-40A5-AB3C-68EB2F1E4D0A}"/>
+    </a:ext>
+  </a:extLst>
+</a:theme>
+</file>
+
+<file path=ppt/theme/themeOverride1.xml><?xml version="1.0" encoding="utf-8"?>
+<a:themeOverride xmlns:a="http://schemas.openxmlformats.org/drawingml/2006/main">
+  <a:clrScheme name="Office">
+    <a:dk1>
+      <a:sysClr val="windowText" lastClr="000000"/>
+    </a:dk1>
+    <a:lt1>
+      <a:sysClr val="window" lastClr="FFFFFF"/>
+    </a:lt1>
+    <a:dk2>
+      <a:srgbClr val="44546A"/>
+    </a:dk2>
+    <a:lt2>
+      <a:srgbClr val="E7E6E6"/>
+    </a:lt2>
+    <a:accent1>
+      <a:srgbClr val="4472C4"/>
+    </a:accent1>
+    <a:accent2>
+      <a:srgbClr val="ED7D31"/>
+    </a:accent2>
+    <a:accent3>
+      <a:srgbClr val="A5A5A5"/>
+    </a:accent3>
+    <a:accent4>
+      <a:srgbClr val="FFC000"/>
+    </a:accent4>
+    <a:accent5>
+      <a:srgbClr val="5B9BD5"/>
+    </a:accent5>
+    <a:accent6>
+      <a:srgbClr val="70AD47"/>
+    </a:accent6>
+    <a:hlink>
+      <a:srgbClr val="0563C1"/>
+    </a:hlink>
+    <a:folHlink>
+      <a:srgbClr val="954F72"/>
+    </a:folHlink>
+  </a:clrScheme>
+</a:themeOverride>
+</file>
+
+<file path=ppt/theme/themeOverride2.xml><?xml version="1.0" encoding="utf-8"?>
+<a:themeOverride xmlns:a="http://schemas.openxmlformats.org/drawingml/2006/main">
+  <a:clrScheme name="Office">
+    <a:dk1>
+      <a:sysClr val="windowText" lastClr="000000"/>
+    </a:dk1>
+    <a:lt1>
+      <a:sysClr val="window" lastClr="FFFFFF"/>
+    </a:lt1>
+    <a:dk2>
+      <a:srgbClr val="1F497D"/>
+    </a:dk2>
+    <a:lt2>
+      <a:srgbClr val="EEECE1"/>
+    </a:lt2>
+    <a:accent1>
+      <a:srgbClr val="4F81BD"/>
+    </a:accent1>
+    <a:accent2>
+      <a:srgbClr val="C0504D"/>
+    </a:accent2>
+    <a:accent3>
+      <a:srgbClr val="9BBB59"/>
+    </a:accent3>
+    <a:accent4>
+      <a:srgbClr val="8064A2"/>
+    </a:accent4>
+    <a:accent5>
+      <a:srgbClr val="4BACC6"/>
+    </a:accent5>
+    <a:accent6>
+      <a:srgbClr val="F79646"/>
+    </a:accent6>
+    <a:hlink>
+      <a:srgbClr val="0000FF"/>
+    </a:hlink>
+    <a:folHlink>
+      <a:srgbClr val="800080"/>
+    </a:folHlink>
+  </a:clrScheme>
+  <a:fontScheme name="Office">
+    <a:majorFont>
+      <a:latin typeface="Cambria"/>
+      <a:ea typeface=""/>
+      <a:cs typeface=""/>
+      <a:font script="Jpan" typeface="ＭＳ Ｐゴシック"/>
+      <a:font script="Hang" typeface="맑은 고딕"/>
+      <a:font script="Hans" typeface="宋体"/>
+      <a:font script="Hant" typeface="新細明體"/>
+      <a:font script="Arab" typeface="Times New Roman"/>
+      <a:font script="Hebr" typeface="Times New Roman"/>
+      <a:font script="Thai" typeface="Tahoma"/>
+      <a:font script="Ethi" typeface="Nyala"/>
+      <a:font script="Beng" typeface="Vrinda"/>
+      <a:font script="Gujr" typeface="Shruti"/>
+      <a:font script="Khmr" typeface="MoolBoran"/>
+      <a:font script="Knda" typeface="Tunga"/>
+      <a:font script="Guru" typeface="Raavi"/>
+      <a:font script="Cans" typeface="Euphemia"/>
+      <a:font script="Cher" typeface="Plantagenet Cherokee"/>
+      <a:font script="Yiii" typeface="Microsoft Yi Baiti"/>
+      <a:font script="Tibt" typeface="Microsoft Himalaya"/>
+      <a:font script="Thaa" typeface="MV Boli"/>
+      <a:font script="Deva" typeface="Mangal"/>
+      <a:font script="Telu" typeface="Gautami"/>
+      <a:font script="Taml" typeface="Latha"/>
+      <a:font script="Syrc" typeface="Estrangelo Edessa"/>
+      <a:font script="Orya" typeface="Kalinga"/>
+      <a:font script="Mlym" typeface="Kartika"/>
+      <a:font script="Laoo" typeface="DokChampa"/>
+      <a:font script="Sinh" typeface="Iskoola Pota"/>
+      <a:font script="Mong" typeface="Mongolian Baiti"/>
+      <a:font script="Viet" typeface="Times New Roman"/>
+      <a:font script="Uigh" typeface="Microsoft Uighur"/>
+      <a:font script="Geor" typeface="Sylfaen"/>
+    </a:majorFont>
+    <a:minorFont>
+      <a:latin typeface="Calibri"/>
+      <a:ea typeface=""/>
+      <a:cs typeface=""/>
+      <a:font script="Jpan" typeface="ＭＳ Ｐゴシック"/>
+      <a:font script="Hang" typeface="맑은 고딕"/>
+      <a:font script="Hans" typeface="宋体"/>
+      <a:font script="Hant" typeface="新細明體"/>
+      <a:font script="Arab" typeface="Arial"/>
+      <a:font script="Hebr" typeface="Arial"/>
+      <a:font script="Thai" typeface="Tahoma"/>
+      <a:font script="Ethi" typeface="Nyala"/>
+      <a:font script="Beng" typeface="Vrinda"/>
+      <a:font script="Gujr" typeface="Shruti"/>
+      <a:font script="Khmr" typeface="DaunPenh"/>
+      <a:font script="Knda" typeface="Tunga"/>
+      <a:font script="Guru" typeface="Raavi"/>
+      <a:font script="Cans" typeface="Euphemia"/>
+      <a:font script="Cher" typeface="Plantagenet Cherokee"/>
+      <a:font script="Yiii" typeface="Microsoft Yi Baiti"/>
+      <a:font script="Tibt" typeface="Microsoft Himalaya"/>
+      <a:font script="Thaa" typeface="MV Boli"/>
+      <a:font script="Deva" typeface="Mangal"/>
+      <a:font script="Telu" typeface="Gautami"/>
+      <a:font script="Taml" typeface="Latha"/>
+      <a:font script="Syrc" typeface="Estrangelo Edessa"/>
+      <a:font script="Orya" typeface="Kalinga"/>
+      <a:font script="Mlym" typeface="Kartika"/>
+      <a:font script="Laoo" typeface="DokChampa"/>
+      <a:font script="Sinh" typeface="Iskoola Pota"/>
+      <a:font script="Mong" typeface="Mongolian Baiti"/>
+      <a:font script="Viet" typeface="Arial"/>
+      <a:font script="Uigh" typeface="Microsoft Uighur"/>
+      <a:font script="Geor" typeface="Sylfaen"/>
+    </a:minorFont>
+  </a:fontScheme>
+  <a:fmtScheme name="Office">
+    <a:fillStyleLst>
+      <a:solidFill>
+        <a:schemeClr val="phClr"/>
+      </a:solidFill>
+      <a:gradFill rotWithShape="1">
+        <a:gsLst>
+          <a:gs pos="0">
+            <a:schemeClr val="phClr">
+              <a:tint val="50000"/>
+              <a:satMod val="300000"/>
+            </a:schemeClr>
+          </a:gs>
+          <a:gs pos="35000">
+            <a:schemeClr val="phClr">
+              <a:tint val="37000"/>
+              <a:satMod val="300000"/>
+            </a:schemeClr>
+          </a:gs>
+          <a:gs pos="100000">
+            <a:schemeClr val="phClr">
+              <a:tint val="15000"/>
+              <a:satMod val="350000"/>
+            </a:schemeClr>
+          </a:gs>
+        </a:gsLst>
+        <a:lin ang="16200000" scaled="1"/>
+      </a:gradFill>
+      <a:gradFill rotWithShape="1">
+        <a:gsLst>
+          <a:gs pos="0">
+            <a:schemeClr val="phClr">
+              <a:shade val="51000"/>
+              <a:satMod val="130000"/>
+            </a:schemeClr>
+          </a:gs>
+          <a:gs pos="80000">
+            <a:schemeClr val="phClr">
+              <a:shade val="93000"/>
+              <a:satMod val="130000"/>
+            </a:schemeClr>
+          </a:gs>
+          <a:gs pos="100000">
+            <a:schemeClr val="phClr">
+              <a:shade val="94000"/>
+              <a:satMod val="135000"/>
+            </a:schemeClr>
+          </a:gs>
+        </a:gsLst>
+        <a:lin ang="16200000" scaled="0"/>
+      </a:gradFill>
+    </a:fillStyleLst>
+    <a:lnStyleLst>
+      <a:ln w="9525" cap="flat" cmpd="sng" algn="ctr">
+        <a:solidFill>
+          <a:schemeClr val="phClr">
+            <a:shade val="95000"/>
+            <a:satMod val="105000"/>
+          </a:schemeClr>
+        </a:solidFill>
+        <a:prstDash val="solid"/>
+      </a:ln>
+      <a:ln w="25400" cap="flat" cmpd="sng" algn="ctr">
+        <a:solidFill>
+          <a:schemeClr val="phClr"/>
+        </a:solidFill>
+        <a:prstDash val="solid"/>
+      </a:ln>
+      <a:ln w="38100" cap="flat" cmpd="sng" algn="ctr">
+        <a:solidFill>
+          <a:schemeClr val="phClr"/>
+        </a:solidFill>
+        <a:prstDash val="solid"/>
+      </a:ln>
+    </a:lnStyleLst>
+    <a:effectStyleLst>
+      <a:effectStyle>
+        <a:effectLst>
+          <a:outerShdw blurRad="40000" dist="20000" dir="5400000" rotWithShape="0">
+            <a:srgbClr val="000000">
+              <a:alpha val="38000"/>
+            </a:srgbClr>
+          </a:outerShdw>
+        </a:effectLst>
+      </a:effectStyle>
+      <a:effectStyle>
+        <a:effectLst>
+          <a:outerShdw blurRad="40000" dist="23000" dir="5400000" rotWithShape="0">
+            <a:srgbClr val="000000">
+              <a:alpha val="35000"/>
+            </a:srgbClr>
+          </a:outerShdw>
+        </a:effectLst>
+      </a:effectStyle>
+      <a:effectStyle>
+        <a:effectLst>
+          <a:outerShdw blurRad="40000" dist="23000" dir="5400000" rotWithShape="0">
+            <a:srgbClr val="000000">
+              <a:alpha val="35000"/>
+            </a:srgbClr>
+          </a:outerShdw>
+        </a:effectLst>
+        <a:scene3d>
+          <a:camera prst="orthographicFront">
+            <a:rot lat="0" lon="0" rev="0"/>
+          </a:camera>
+          <a:lightRig rig="threePt" dir="t">
+            <a:rot lat="0" lon="0" rev="1200000"/>
+          </a:lightRig>
+        </a:scene3d>
+        <a:sp3d>
+          <a:bevelT w="63500" h="25400"/>
+        </a:sp3d>
+      </a:effectStyle>
+    </a:effectStyleLst>
+    <a:bgFillStyleLst>
+      <a:solidFill>
+        <a:schemeClr val="phClr"/>
+      </a:solidFill>
+      <a:gradFill rotWithShape="1">
+        <a:gsLst>
+          <a:gs pos="0">
+            <a:schemeClr val="phClr">
+              <a:tint val="40000"/>
+              <a:satMod val="350000"/>
+            </a:schemeClr>
+          </a:gs>
+          <a:gs pos="40000">
+            <a:schemeClr val="phClr">
+              <a:tint val="45000"/>
+              <a:shade val="99000"/>
+              <a:satMod val="350000"/>
+            </a:schemeClr>
+          </a:gs>
+          <a:gs pos="100000">
+            <a:schemeClr val="phClr">
+              <a:shade val="20000"/>
+              <a:satMod val="255000"/>
+            </a:schemeClr>
+          </a:gs>
+        </a:gsLst>
+        <a:path path="circle">
+          <a:fillToRect l="50000" t="-80000" r="50000" b="180000"/>
+        </a:path>
+      </a:gradFill>
+      <a:gradFill rotWithShape="1">
+        <a:gsLst>
+          <a:gs pos="0">
+            <a:schemeClr val="phClr">
+              <a:tint val="80000"/>
+              <a:satMod val="300000"/>
+            </a:schemeClr>
+          </a:gs>
+          <a:gs pos="100000">
+            <a:schemeClr val="phClr">
+              <a:shade val="30000"/>
+              <a:satMod val="200000"/>
+            </a:schemeClr>
+          </a:gs>
+        </a:gsLst>
+        <a:path path="circle">
+          <a:fillToRect l="50000" t="50000" r="50000" b="50000"/>
+        </a:path>
+      </a:gradFill>
+    </a:bgFillStyleLst>
+  </a:fmtScheme>
+</a:themeOverride>
+</file>
+
+<file path=ppt/theme/themeOverride3.xml><?xml version="1.0" encoding="utf-8"?>
+<a:themeOverride xmlns:a="http://schemas.openxmlformats.org/drawingml/2006/main">
+  <a:clrScheme name="Office">
+    <a:dk1>
+      <a:sysClr val="windowText" lastClr="000000"/>
+    </a:dk1>
+    <a:lt1>
+      <a:sysClr val="window" lastClr="FFFFFF"/>
+    </a:lt1>
+    <a:dk2>
+      <a:srgbClr val="1F497D"/>
+    </a:dk2>
+    <a:lt2>
+      <a:srgbClr val="EEECE1"/>
+    </a:lt2>
+    <a:accent1>
+      <a:srgbClr val="4F81BD"/>
+    </a:accent1>
+    <a:accent2>
+      <a:srgbClr val="C0504D"/>
+    </a:accent2>
+    <a:accent3>
+      <a:srgbClr val="9BBB59"/>
+    </a:accent3>
+    <a:accent4>
+      <a:srgbClr val="8064A2"/>
+    </a:accent4>
+    <a:accent5>
+      <a:srgbClr val="4BACC6"/>
+    </a:accent5>
+    <a:accent6>
+      <a:srgbClr val="F79646"/>
+    </a:accent6>
+    <a:hlink>
+      <a:srgbClr val="0000FF"/>
+    </a:hlink>
+    <a:folHlink>
+      <a:srgbClr val="800080"/>
+    </a:folHlink>
+  </a:clrScheme>
+  <a:fontScheme name="Office">
+    <a:majorFont>
+      <a:latin typeface="Cambria"/>
+      <a:ea typeface=""/>
+      <a:cs typeface=""/>
+      <a:font script="Jpan" typeface="ＭＳ Ｐゴシック"/>
+      <a:font script="Hang" typeface="맑은 고딕"/>
+      <a:font script="Hans" typeface="宋体"/>
+      <a:font script="Hant" typeface="新細明體"/>
+      <a:font script="Arab" typeface="Times New Roman"/>
+      <a:font script="Hebr" typeface="Times New Roman"/>
+      <a:font script="Thai" typeface="Tahoma"/>
+      <a:font script="Ethi" typeface="Nyala"/>
+      <a:font script="Beng" typeface="Vrinda"/>
+      <a:font script="Gujr" typeface="Shruti"/>
+      <a:font script="Khmr" typeface="MoolBoran"/>
+      <a:font script="Knda" typeface="Tunga"/>
+      <a:font script="Guru" typeface="Raavi"/>
+      <a:font script="Cans" typeface="Euphemia"/>
+      <a:font script="Cher" typeface="Plantagenet Cherokee"/>
+      <a:font script="Yiii" typeface="Microsoft Yi Baiti"/>
+      <a:font script="Tibt" typeface="Microsoft Himalaya"/>
+      <a:font script="Thaa" typeface="MV Boli"/>
+      <a:font script="Deva" typeface="Mangal"/>
+      <a:font script="Telu" typeface="Gautami"/>
+      <a:font script="Taml" typeface="Latha"/>
+      <a:font script="Syrc" typeface="Estrangelo Edessa"/>
+      <a:font script="Orya" typeface="Kalinga"/>
+      <a:font script="Mlym" typeface="Kartika"/>
+      <a:font script="Laoo" typeface="DokChampa"/>
+      <a:font script="Sinh" typeface="Iskoola Pota"/>
+      <a:font script="Mong" typeface="Mongolian Baiti"/>
+      <a:font script="Viet" typeface="Times New Roman"/>
+      <a:font script="Uigh" typeface="Microsoft Uighur"/>
+      <a:font script="Geor" typeface="Sylfaen"/>
+    </a:majorFont>
+    <a:minorFont>
+      <a:latin typeface="Calibri"/>
+      <a:ea typeface=""/>
+      <a:cs typeface=""/>
+      <a:font script="Jpan" typeface="ＭＳ Ｐゴシック"/>
+      <a:font script="Hang" typeface="맑은 고딕"/>
+      <a:font script="Hans" typeface="宋体"/>
+      <a:font script="Hant" typeface="新細明體"/>
+      <a:font script="Arab" typeface="Arial"/>
+      <a:font script="Hebr" typeface="Arial"/>
+      <a:font script="Thai" typeface="Tahoma"/>
+      <a:font script="Ethi" typeface="Nyala"/>
+      <a:font script="Beng" typeface="Vrinda"/>
+      <a:font script="Gujr" typeface="Shruti"/>
+      <a:font script="Khmr" typeface="DaunPenh"/>
+      <a:font script="Knda" typeface="Tunga"/>
+      <a:font script="Guru" typeface="Raavi"/>
+      <a:font script="Cans" typeface="Euphemia"/>
+      <a:font script="Cher" typeface="Plantagenet Cherokee"/>
+      <a:font script="Yiii" typeface="Microsoft Yi Baiti"/>
+      <a:font script="Tibt" typeface="Microsoft Himalaya"/>
+      <a:font script="Thaa" typeface="MV Boli"/>
+      <a:font script="Deva" typeface="Mangal"/>
+      <a:font script="Telu" typeface="Gautami"/>
+      <a:font script="Taml" typeface="Latha"/>
+      <a:font script="Syrc" typeface="Estrangelo Edessa"/>
+      <a:font script="Orya" typeface="Kalinga"/>
+      <a:font script="Mlym" typeface="Kartika"/>
+      <a:font script="Laoo" typeface="DokChampa"/>
+      <a:font script="Sinh" typeface="Iskoola Pota"/>
+      <a:font script="Mong" typeface="Mongolian Baiti"/>
+      <a:font script="Viet" typeface="Arial"/>
+      <a:font script="Uigh" typeface="Microsoft Uighur"/>
+      <a:font script="Geor" typeface="Sylfaen"/>
+    </a:minorFont>
+  </a:fontScheme>
+  <a:fmtScheme name="Office">
+    <a:fillStyleLst>
+      <a:solidFill>
+        <a:schemeClr val="phClr"/>
+      </a:solidFill>
+      <a:gradFill rotWithShape="1">
+        <a:gsLst>
+          <a:gs pos="0">
+            <a:schemeClr val="phClr">
+              <a:tint val="50000"/>
+              <a:satMod val="300000"/>
+            </a:schemeClr>
+          </a:gs>
+          <a:gs pos="35000">
+            <a:schemeClr val="phClr">
+              <a:tint val="37000"/>
+              <a:satMod val="300000"/>
+            </a:schemeClr>
+          </a:gs>
+          <a:gs pos="100000">
+            <a:schemeClr val="phClr">
+              <a:tint val="15000"/>
+              <a:satMod val="350000"/>
+            </a:schemeClr>
+          </a:gs>
+        </a:gsLst>
+        <a:lin ang="16200000" scaled="1"/>
+      </a:gradFill>
+      <a:gradFill rotWithShape="1">
+        <a:gsLst>
+          <a:gs pos="0">
+            <a:schemeClr val="phClr">
+              <a:shade val="51000"/>
+              <a:satMod val="130000"/>
+            </a:schemeClr>
+          </a:gs>
+          <a:gs pos="80000">
+            <a:schemeClr val="phClr">
+              <a:shade val="93000"/>
+              <a:satMod val="130000"/>
+            </a:schemeClr>
+          </a:gs>
+          <a:gs pos="100000">
+            <a:schemeClr val="phClr">
+              <a:shade val="94000"/>
+              <a:satMod val="135000"/>
+            </a:schemeClr>
+          </a:gs>
+        </a:gsLst>
+        <a:lin ang="16200000" scaled="0"/>
+      </a:gradFill>
+    </a:fillStyleLst>
+    <a:lnStyleLst>
+      <a:ln w="9525" cap="flat" cmpd="sng" algn="ctr">
+        <a:solidFill>
+          <a:schemeClr val="phClr">
+            <a:shade val="95000"/>
+            <a:satMod val="105000"/>
+          </a:schemeClr>
+        </a:solidFill>
+        <a:prstDash val="solid"/>
+      </a:ln>
+      <a:ln w="25400" cap="flat" cmpd="sng" algn="ctr">
+        <a:solidFill>
+          <a:schemeClr val="phClr"/>
+        </a:solidFill>
+        <a:prstDash val="solid"/>
+      </a:ln>
+      <a:ln w="38100" cap="flat" cmpd="sng" algn="ctr">
+        <a:solidFill>
+          <a:schemeClr val="phClr"/>
+        </a:solidFill>
+        <a:prstDash val="solid"/>
+      </a:ln>
+    </a:lnStyleLst>
+    <a:effectStyleLst>
+      <a:effectStyle>
+        <a:effectLst>
+          <a:outerShdw blurRad="40000" dist="20000" dir="5400000" rotWithShape="0">
+            <a:srgbClr val="000000">
+              <a:alpha val="38000"/>
+            </a:srgbClr>
+          </a:outerShdw>
+        </a:effectLst>
+      </a:effectStyle>
+      <a:effectStyle>
+        <a:effectLst>
+          <a:outerShdw blurRad="40000" dist="23000" dir="5400000" rotWithShape="0">
+            <a:srgbClr val="000000">
+              <a:alpha val="35000"/>
+            </a:srgbClr>
+          </a:outerShdw>
+        </a:effectLst>
+      </a:effectStyle>
+      <a:effectStyle>
+        <a:effectLst>
+          <a:outerShdw blurRad="40000" dist="23000" dir="5400000" rotWithShape="0">
+            <a:srgbClr val="000000">
+              <a:alpha val="35000"/>
+            </a:srgbClr>
+          </a:outerShdw>
+        </a:effectLst>
+        <a:scene3d>
+          <a:camera prst="orthographicFront">
+            <a:rot lat="0" lon="0" rev="0"/>
+          </a:camera>
+          <a:lightRig rig="threePt" dir="t">
+            <a:rot lat="0" lon="0" rev="1200000"/>
+          </a:lightRig>
+        </a:scene3d>
+        <a:sp3d>
+          <a:bevelT w="63500" h="25400"/>
+        </a:sp3d>
+      </a:effectStyle>
+    </a:effectStyleLst>
+    <a:bgFillStyleLst>
+      <a:solidFill>
+        <a:schemeClr val="phClr"/>
+      </a:solidFill>
+      <a:gradFill rotWithShape="1">
+        <a:gsLst>
+          <a:gs pos="0">
+            <a:schemeClr val="phClr">
+              <a:tint val="40000"/>
+              <a:satMod val="350000"/>
+            </a:schemeClr>
+          </a:gs>
+          <a:gs pos="40000">
+            <a:schemeClr val="phClr">
+              <a:tint val="45000"/>
+              <a:shade val="99000"/>
+              <a:satMod val="350000"/>
+            </a:schemeClr>
+          </a:gs>
+          <a:gs pos="100000">
+            <a:schemeClr val="phClr">
+              <a:shade val="20000"/>
+              <a:satMod val="255000"/>
+            </a:schemeClr>
+          </a:gs>
+        </a:gsLst>
+        <a:path path="circle">
+          <a:fillToRect l="50000" t="-80000" r="50000" b="180000"/>
+        </a:path>
+      </a:gradFill>
+      <a:gradFill rotWithShape="1">
+        <a:gsLst>
+          <a:gs pos="0">
+            <a:schemeClr val="phClr">
+              <a:tint val="80000"/>
+              <a:satMod val="300000"/>
+            </a:schemeClr>
+          </a:gs>
+          <a:gs pos="100000">
+            <a:schemeClr val="phClr">
+              <a:shade val="30000"/>
+              <a:satMod val="200000"/>
+            </a:schemeClr>
+          </a:gs>
+        </a:gsLst>
+        <a:path path="circle">
+          <a:fillToRect l="50000" t="50000" r="50000" b="50000"/>
+        </a:path>
+      </a:gradFill>
+    </a:bgFillStyleLst>
+  </a:fmtScheme>
+</a:themeOverride>
 </file>
--- a/NLP Project - G5.pptx
+++ b/NLP Project - G5.pptx
@@ -11,7 +11,7 @@
     <p:sldId id="263" r:id="rId2"/>
     <p:sldId id="257" r:id="rId3"/>
     <p:sldId id="258" r:id="rId4"/>
-    <p:sldId id="259" r:id="rId5"/>
+    <p:sldId id="264" r:id="rId5"/>
     <p:sldId id="260" r:id="rId6"/>
     <p:sldId id="261" r:id="rId7"/>
     <p:sldId id="262" r:id="rId8"/>
@@ -142,25 +142,17 @@
           <a:lstStyle/>
           <a:p>
             <a:pPr>
-              <a:defRPr/>
+              <a:defRPr lang="en-US" noProof="0"/>
             </a:pPr>
             <a:r>
-              <a:rPr lang="de-DE" dirty="0"/>
-              <a:t>Model </a:t>
-            </a:r>
-            <a:r>
-              <a:rPr lang="de-DE" dirty="0" err="1"/>
-              <a:t>Accuracy</a:t>
-            </a:r>
-            <a:r>
-              <a:rPr lang="de-DE" baseline="0" dirty="0"/>
-              <a:t> </a:t>
-            </a:r>
-            <a:r>
-              <a:rPr lang="de-DE" baseline="0" dirty="0" err="1"/>
-              <a:t>Comparison</a:t>
-            </a:r>
-            <a:endParaRPr lang="de-DE" dirty="0"/>
+              <a:rPr lang="en-US" noProof="0" dirty="0"/>
+              <a:t>Model Accuracy</a:t>
+            </a:r>
+            <a:r>
+              <a:rPr lang="en-US" baseline="0" noProof="0" dirty="0"/>
+              <a:t> Comparison</a:t>
+            </a:r>
+            <a:endParaRPr lang="en-US" noProof="0" dirty="0"/>
           </a:p>
         </c:rich>
       </c:tx>
@@ -1260,1347 +1252,6 @@
 </c:chartSpace>
 </file>
 
-<file path=ppt/charts/chart4.xml><?xml version="1.0" encoding="utf-8"?>
-<c:chartSpace xmlns:c="http://schemas.openxmlformats.org/drawingml/2006/chart" xmlns:a="http://schemas.openxmlformats.org/drawingml/2006/main" xmlns:r="http://schemas.openxmlformats.org/officeDocument/2006/relationships" xmlns:c16r2="http://schemas.microsoft.com/office/drawing/2015/06/chart">
-  <c:date1904 val="0"/>
-  <c:lang val="pt-PT"/>
-  <c:roundedCorners val="0"/>
-  <mc:AlternateContent xmlns:mc="http://schemas.openxmlformats.org/markup-compatibility/2006">
-    <mc:Choice xmlns:c14="http://schemas.microsoft.com/office/drawing/2007/8/2/chart" Requires="c14">
-      <c14:style val="102"/>
-    </mc:Choice>
-    <mc:Fallback>
-      <c:style val="2"/>
-    </mc:Fallback>
-  </mc:AlternateContent>
-  <c:chart>
-    <c:title>
-      <c:tx>
-        <c:rich>
-          <a:bodyPr/>
-          <a:lstStyle/>
-          <a:p>
-            <a:pPr>
-              <a:defRPr/>
-            </a:pPr>
-            <a:r>
-              <a:rPr lang="de-DE" dirty="0"/>
-              <a:t>Model </a:t>
-            </a:r>
-            <a:r>
-              <a:rPr lang="de-DE" dirty="0" err="1"/>
-              <a:t>Accuracy</a:t>
-            </a:r>
-            <a:r>
-              <a:rPr lang="de-DE" baseline="0" dirty="0"/>
-              <a:t> </a:t>
-            </a:r>
-            <a:r>
-              <a:rPr lang="de-DE" baseline="0" dirty="0" err="1"/>
-              <a:t>Comparison</a:t>
-            </a:r>
-            <a:endParaRPr lang="de-DE" dirty="0"/>
-          </a:p>
-        </c:rich>
-      </c:tx>
-      <c:overlay val="0"/>
-    </c:title>
-    <c:autoTitleDeleted val="0"/>
-    <c:plotArea>
-      <c:layout/>
-      <c:barChart>
-        <c:barDir val="col"/>
-        <c:grouping val="clustered"/>
-        <c:varyColors val="0"/>
-        <c:ser>
-          <c:idx val="0"/>
-          <c:order val="0"/>
-          <c:tx>
-            <c:strRef>
-              <c:f>main!$D$3</c:f>
-              <c:strCache>
-                <c:ptCount val="1"/>
-                <c:pt idx="0">
-                  <c:v> Word2vec</c:v>
-                </c:pt>
-              </c:strCache>
-            </c:strRef>
-          </c:tx>
-          <c:invertIfNegative val="0"/>
-          <c:cat>
-            <c:strRef>
-              <c:f>main!$C$4:$C$7</c:f>
-              <c:strCache>
-                <c:ptCount val="4"/>
-                <c:pt idx="0">
-                  <c:v>XGBoost</c:v>
-                </c:pt>
-                <c:pt idx="1">
-                  <c:v>Naive Bayes</c:v>
-                </c:pt>
-                <c:pt idx="2">
-                  <c:v>LogR</c:v>
-                </c:pt>
-                <c:pt idx="3">
-                  <c:v>SVM</c:v>
-                </c:pt>
-              </c:strCache>
-            </c:strRef>
-          </c:cat>
-          <c:val>
-            <c:numRef>
-              <c:f>main!$D$4:$D$7</c:f>
-              <c:numCache>
-                <c:formatCode>General</c:formatCode>
-                <c:ptCount val="4"/>
-                <c:pt idx="0">
-                  <c:v>0.83599999999999997</c:v>
-                </c:pt>
-                <c:pt idx="1">
-                  <c:v>0.83899999999999997</c:v>
-                </c:pt>
-                <c:pt idx="2">
-                  <c:v>0.8962</c:v>
-                </c:pt>
-                <c:pt idx="3">
-                  <c:v>0.80259999999999998</c:v>
-                </c:pt>
-              </c:numCache>
-            </c:numRef>
-          </c:val>
-          <c:extLst>
-            <c:ext xmlns:c16="http://schemas.microsoft.com/office/drawing/2014/chart" uri="{C3380CC4-5D6E-409C-BE32-E72D297353CC}">
-              <c16:uniqueId val="{00000000-00A3-4775-8F5E-C124ABDC44BC}"/>
-            </c:ext>
-          </c:extLst>
-        </c:ser>
-        <c:ser>
-          <c:idx val="1"/>
-          <c:order val="1"/>
-          <c:tx>
-            <c:strRef>
-              <c:f>main!$E$3</c:f>
-              <c:strCache>
-                <c:ptCount val="1"/>
-                <c:pt idx="0">
-                  <c:v>BoW</c:v>
-                </c:pt>
-              </c:strCache>
-            </c:strRef>
-          </c:tx>
-          <c:invertIfNegative val="0"/>
-          <c:cat>
-            <c:strRef>
-              <c:f>main!$C$4:$C$7</c:f>
-              <c:strCache>
-                <c:ptCount val="4"/>
-                <c:pt idx="0">
-                  <c:v>XGBoost</c:v>
-                </c:pt>
-                <c:pt idx="1">
-                  <c:v>Naive Bayes</c:v>
-                </c:pt>
-                <c:pt idx="2">
-                  <c:v>LogR</c:v>
-                </c:pt>
-                <c:pt idx="3">
-                  <c:v>SVM</c:v>
-                </c:pt>
-              </c:strCache>
-            </c:strRef>
-          </c:cat>
-          <c:val>
-            <c:numRef>
-              <c:f>main!$E$4:$E$7</c:f>
-              <c:numCache>
-                <c:formatCode>General</c:formatCode>
-                <c:ptCount val="4"/>
-                <c:pt idx="0">
-                  <c:v>0.90839999999999999</c:v>
-                </c:pt>
-                <c:pt idx="1">
-                  <c:v>0.91790000000000005</c:v>
-                </c:pt>
-                <c:pt idx="2">
-                  <c:v>0.92679999999999996</c:v>
-                </c:pt>
-                <c:pt idx="3">
-                  <c:v>0.9264</c:v>
-                </c:pt>
-              </c:numCache>
-            </c:numRef>
-          </c:val>
-          <c:extLst>
-            <c:ext xmlns:c16="http://schemas.microsoft.com/office/drawing/2014/chart" uri="{C3380CC4-5D6E-409C-BE32-E72D297353CC}">
-              <c16:uniqueId val="{00000001-00A3-4775-8F5E-C124ABDC44BC}"/>
-            </c:ext>
-          </c:extLst>
-        </c:ser>
-        <c:ser>
-          <c:idx val="2"/>
-          <c:order val="2"/>
-          <c:tx>
-            <c:strRef>
-              <c:f>main!$F$3</c:f>
-              <c:strCache>
-                <c:ptCount val="1"/>
-                <c:pt idx="0">
-                  <c:v>With TFIDF</c:v>
-                </c:pt>
-              </c:strCache>
-            </c:strRef>
-          </c:tx>
-          <c:invertIfNegative val="0"/>
-          <c:dLbls>
-            <c:spPr>
-              <a:noFill/>
-              <a:ln>
-                <a:noFill/>
-              </a:ln>
-              <a:effectLst/>
-            </c:spPr>
-            <c:showLegendKey val="0"/>
-            <c:showVal val="1"/>
-            <c:showCatName val="0"/>
-            <c:showSerName val="0"/>
-            <c:showPercent val="0"/>
-            <c:showBubbleSize val="0"/>
-            <c:showLeaderLines val="0"/>
-            <c:extLst>
-              <c:ext xmlns:c15="http://schemas.microsoft.com/office/drawing/2012/chart" uri="{CE6537A1-D6FC-4f65-9D91-7224C49458BB}">
-                <c15:showLeaderLines val="0"/>
-              </c:ext>
-            </c:extLst>
-          </c:dLbls>
-          <c:cat>
-            <c:strRef>
-              <c:f>main!$C$4:$C$7</c:f>
-              <c:strCache>
-                <c:ptCount val="4"/>
-                <c:pt idx="0">
-                  <c:v>XGBoost</c:v>
-                </c:pt>
-                <c:pt idx="1">
-                  <c:v>Naive Bayes</c:v>
-                </c:pt>
-                <c:pt idx="2">
-                  <c:v>LogR</c:v>
-                </c:pt>
-                <c:pt idx="3">
-                  <c:v>SVM</c:v>
-                </c:pt>
-              </c:strCache>
-            </c:strRef>
-          </c:cat>
-          <c:val>
-            <c:numRef>
-              <c:f>main!$F$4:$F$7</c:f>
-              <c:numCache>
-                <c:formatCode>General</c:formatCode>
-                <c:ptCount val="4"/>
-                <c:pt idx="0">
-                  <c:v>0.90400000000000003</c:v>
-                </c:pt>
-                <c:pt idx="1">
-                  <c:v>0.91069999999999995</c:v>
-                </c:pt>
-                <c:pt idx="2">
-                  <c:v>0.92579999999999996</c:v>
-                </c:pt>
-                <c:pt idx="3">
-                  <c:v>0.9264</c:v>
-                </c:pt>
-              </c:numCache>
-            </c:numRef>
-          </c:val>
-          <c:extLst>
-            <c:ext xmlns:c16="http://schemas.microsoft.com/office/drawing/2014/chart" uri="{C3380CC4-5D6E-409C-BE32-E72D297353CC}">
-              <c16:uniqueId val="{00000002-00A3-4775-8F5E-C124ABDC44BC}"/>
-            </c:ext>
-          </c:extLst>
-        </c:ser>
-        <c:dLbls>
-          <c:showLegendKey val="0"/>
-          <c:showVal val="0"/>
-          <c:showCatName val="0"/>
-          <c:showSerName val="0"/>
-          <c:showPercent val="0"/>
-          <c:showBubbleSize val="0"/>
-        </c:dLbls>
-        <c:gapWidth val="150"/>
-        <c:axId val="218051328"/>
-        <c:axId val="218052864"/>
-      </c:barChart>
-      <c:catAx>
-        <c:axId val="218051328"/>
-        <c:scaling>
-          <c:orientation val="minMax"/>
-        </c:scaling>
-        <c:delete val="0"/>
-        <c:axPos val="b"/>
-        <c:title>
-          <c:tx>
-            <c:rich>
-              <a:bodyPr/>
-              <a:lstStyle/>
-              <a:p>
-                <a:pPr>
-                  <a:defRPr sz="1200"/>
-                </a:pPr>
-                <a:r>
-                  <a:rPr lang="de-DE" sz="1200"/>
-                  <a:t>Models</a:t>
-                </a:r>
-              </a:p>
-            </c:rich>
-          </c:tx>
-          <c:overlay val="0"/>
-        </c:title>
-        <c:numFmt formatCode="General" sourceLinked="0"/>
-        <c:majorTickMark val="out"/>
-        <c:minorTickMark val="none"/>
-        <c:tickLblPos val="nextTo"/>
-        <c:crossAx val="218052864"/>
-        <c:crosses val="autoZero"/>
-        <c:auto val="1"/>
-        <c:lblAlgn val="ctr"/>
-        <c:lblOffset val="100"/>
-        <c:noMultiLvlLbl val="0"/>
-      </c:catAx>
-      <c:valAx>
-        <c:axId val="218052864"/>
-        <c:scaling>
-          <c:orientation val="minMax"/>
-        </c:scaling>
-        <c:delete val="0"/>
-        <c:axPos val="l"/>
-        <c:majorGridlines/>
-        <c:title>
-          <c:tx>
-            <c:rich>
-              <a:bodyPr rot="-5400000" vert="horz"/>
-              <a:lstStyle/>
-              <a:p>
-                <a:pPr>
-                  <a:defRPr sz="1200"/>
-                </a:pPr>
-                <a:r>
-                  <a:rPr lang="de-DE" sz="1200"/>
-                  <a:t>Accuracy </a:t>
-                </a:r>
-              </a:p>
-            </c:rich>
-          </c:tx>
-          <c:overlay val="0"/>
-        </c:title>
-        <c:numFmt formatCode="General" sourceLinked="1"/>
-        <c:majorTickMark val="out"/>
-        <c:minorTickMark val="none"/>
-        <c:tickLblPos val="nextTo"/>
-        <c:crossAx val="218051328"/>
-        <c:crosses val="autoZero"/>
-        <c:crossBetween val="between"/>
-      </c:valAx>
-    </c:plotArea>
-    <c:legend>
-      <c:legendPos val="t"/>
-      <c:overlay val="0"/>
-    </c:legend>
-    <c:plotVisOnly val="1"/>
-    <c:dispBlanksAs val="gap"/>
-    <c:showDLblsOverMax val="0"/>
-  </c:chart>
-  <c:externalData r:id="rId1">
-    <c:autoUpdate val="0"/>
-  </c:externalData>
-</c:chartSpace>
-</file>
-
-<file path=ppt/charts/chart5.xml><?xml version="1.0" encoding="utf-8"?>
-<c:chartSpace xmlns:c="http://schemas.openxmlformats.org/drawingml/2006/chart" xmlns:a="http://schemas.openxmlformats.org/drawingml/2006/main" xmlns:r="http://schemas.openxmlformats.org/officeDocument/2006/relationships" xmlns:c16r2="http://schemas.microsoft.com/office/drawing/2015/06/chart">
-  <c:date1904 val="0"/>
-  <c:lang val="pt-PT"/>
-  <c:roundedCorners val="0"/>
-  <mc:AlternateContent xmlns:mc="http://schemas.openxmlformats.org/markup-compatibility/2006">
-    <mc:Choice xmlns:c14="http://schemas.microsoft.com/office/drawing/2007/8/2/chart" Requires="c14">
-      <c14:style val="102"/>
-    </mc:Choice>
-    <mc:Fallback>
-      <c:style val="2"/>
-    </mc:Fallback>
-  </mc:AlternateContent>
-  <c:chart>
-    <c:title>
-      <c:tx>
-        <c:rich>
-          <a:bodyPr rot="0" spcFirstLastPara="1" vertOverflow="ellipsis" vert="horz" wrap="square" anchor="ctr" anchorCtr="1"/>
-          <a:lstStyle/>
-          <a:p>
-            <a:pPr>
-              <a:defRPr sz="1862" b="0" i="0" u="none" strike="noStrike" kern="1200" spc="0" baseline="0">
-                <a:solidFill>
-                  <a:schemeClr val="tx1">
-                    <a:lumMod val="65000"/>
-                    <a:lumOff val="35000"/>
-                  </a:schemeClr>
-                </a:solidFill>
-                <a:latin typeface="+mn-lt"/>
-                <a:ea typeface="+mn-ea"/>
-                <a:cs typeface="+mn-cs"/>
-              </a:defRPr>
-            </a:pPr>
-            <a:r>
-              <a:rPr lang="en-US"/>
-              <a:t>Model accuracy</a:t>
-            </a:r>
-          </a:p>
-        </c:rich>
-      </c:tx>
-      <c:overlay val="0"/>
-      <c:spPr>
-        <a:noFill/>
-        <a:ln>
-          <a:noFill/>
-        </a:ln>
-        <a:effectLst/>
-      </c:spPr>
-      <c:txPr>
-        <a:bodyPr rot="0" spcFirstLastPara="1" vertOverflow="ellipsis" vert="horz" wrap="square" anchor="ctr" anchorCtr="1"/>
-        <a:lstStyle/>
-        <a:p>
-          <a:pPr>
-            <a:defRPr sz="1862" b="0" i="0" u="none" strike="noStrike" kern="1200" spc="0" baseline="0">
-              <a:solidFill>
-                <a:schemeClr val="tx1">
-                  <a:lumMod val="65000"/>
-                  <a:lumOff val="35000"/>
-                </a:schemeClr>
-              </a:solidFill>
-              <a:latin typeface="+mn-lt"/>
-              <a:ea typeface="+mn-ea"/>
-              <a:cs typeface="+mn-cs"/>
-            </a:defRPr>
-          </a:pPr>
-          <a:endParaRPr lang="pt-PT"/>
-        </a:p>
-      </c:txPr>
-    </c:title>
-    <c:autoTitleDeleted val="0"/>
-    <c:plotArea>
-      <c:layout/>
-      <c:barChart>
-        <c:barDir val="col"/>
-        <c:grouping val="clustered"/>
-        <c:varyColors val="0"/>
-        <c:ser>
-          <c:idx val="0"/>
-          <c:order val="0"/>
-          <c:tx>
-            <c:strRef>
-              <c:f>Sheet1!$B$1</c:f>
-              <c:strCache>
-                <c:ptCount val="1"/>
-                <c:pt idx="0">
-                  <c:v>Training</c:v>
-                </c:pt>
-              </c:strCache>
-            </c:strRef>
-          </c:tx>
-          <c:spPr>
-            <a:solidFill>
-              <a:schemeClr val="accent1"/>
-            </a:solidFill>
-            <a:ln>
-              <a:noFill/>
-            </a:ln>
-            <a:effectLst/>
-          </c:spPr>
-          <c:invertIfNegative val="0"/>
-          <c:cat>
-            <c:strRef>
-              <c:f>Sheet1!$A$2</c:f>
-              <c:strCache>
-                <c:ptCount val="1"/>
-                <c:pt idx="0">
-                  <c:v>Winner model</c:v>
-                </c:pt>
-              </c:strCache>
-            </c:strRef>
-          </c:cat>
-          <c:val>
-            <c:numRef>
-              <c:f>Sheet1!$B$2</c:f>
-              <c:numCache>
-                <c:formatCode>General</c:formatCode>
-                <c:ptCount val="1"/>
-                <c:pt idx="0">
-                  <c:v>95</c:v>
-                </c:pt>
-              </c:numCache>
-            </c:numRef>
-          </c:val>
-          <c:extLst>
-            <c:ext xmlns:c16="http://schemas.microsoft.com/office/drawing/2014/chart" uri="{C3380CC4-5D6E-409C-BE32-E72D297353CC}">
-              <c16:uniqueId val="{00000000-4D92-8543-80F9-E273A3A8231D}"/>
-            </c:ext>
-          </c:extLst>
-        </c:ser>
-        <c:ser>
-          <c:idx val="1"/>
-          <c:order val="1"/>
-          <c:tx>
-            <c:strRef>
-              <c:f>Sheet1!$C$1</c:f>
-              <c:strCache>
-                <c:ptCount val="1"/>
-                <c:pt idx="0">
-                  <c:v>Testing</c:v>
-                </c:pt>
-              </c:strCache>
-            </c:strRef>
-          </c:tx>
-          <c:spPr>
-            <a:solidFill>
-              <a:schemeClr val="accent2"/>
-            </a:solidFill>
-            <a:ln>
-              <a:noFill/>
-            </a:ln>
-            <a:effectLst/>
-          </c:spPr>
-          <c:invertIfNegative val="0"/>
-          <c:cat>
-            <c:strRef>
-              <c:f>Sheet1!$A$2</c:f>
-              <c:strCache>
-                <c:ptCount val="1"/>
-                <c:pt idx="0">
-                  <c:v>Winner model</c:v>
-                </c:pt>
-              </c:strCache>
-            </c:strRef>
-          </c:cat>
-          <c:val>
-            <c:numRef>
-              <c:f>Sheet1!$C$2</c:f>
-              <c:numCache>
-                <c:formatCode>General</c:formatCode>
-                <c:ptCount val="1"/>
-                <c:pt idx="0">
-                  <c:v>97</c:v>
-                </c:pt>
-              </c:numCache>
-            </c:numRef>
-          </c:val>
-          <c:extLst>
-            <c:ext xmlns:c16="http://schemas.microsoft.com/office/drawing/2014/chart" uri="{C3380CC4-5D6E-409C-BE32-E72D297353CC}">
-              <c16:uniqueId val="{00000001-4D92-8543-80F9-E273A3A8231D}"/>
-            </c:ext>
-          </c:extLst>
-        </c:ser>
-        <c:ser>
-          <c:idx val="2"/>
-          <c:order val="2"/>
-          <c:tx>
-            <c:strRef>
-              <c:f>Sheet1!$D$1</c:f>
-              <c:strCache>
-                <c:ptCount val="1"/>
-                <c:pt idx="0">
-                  <c:v>Validation</c:v>
-                </c:pt>
-              </c:strCache>
-            </c:strRef>
-          </c:tx>
-          <c:spPr>
-            <a:solidFill>
-              <a:schemeClr val="accent3"/>
-            </a:solidFill>
-            <a:ln>
-              <a:noFill/>
-            </a:ln>
-            <a:effectLst/>
-          </c:spPr>
-          <c:invertIfNegative val="0"/>
-          <c:cat>
-            <c:strRef>
-              <c:f>Sheet1!$A$2</c:f>
-              <c:strCache>
-                <c:ptCount val="1"/>
-                <c:pt idx="0">
-                  <c:v>Winner model</c:v>
-                </c:pt>
-              </c:strCache>
-            </c:strRef>
-          </c:cat>
-          <c:val>
-            <c:numRef>
-              <c:f>Sheet1!$D$2</c:f>
-              <c:numCache>
-                <c:formatCode>General</c:formatCode>
-                <c:ptCount val="1"/>
-                <c:pt idx="0">
-                  <c:v>93</c:v>
-                </c:pt>
-              </c:numCache>
-            </c:numRef>
-          </c:val>
-          <c:extLst>
-            <c:ext xmlns:c16="http://schemas.microsoft.com/office/drawing/2014/chart" uri="{C3380CC4-5D6E-409C-BE32-E72D297353CC}">
-              <c16:uniqueId val="{00000000-53E8-B34C-AD6C-BBEA29DE4B70}"/>
-            </c:ext>
-          </c:extLst>
-        </c:ser>
-        <c:dLbls>
-          <c:showLegendKey val="0"/>
-          <c:showVal val="0"/>
-          <c:showCatName val="0"/>
-          <c:showSerName val="0"/>
-          <c:showPercent val="0"/>
-          <c:showBubbleSize val="0"/>
-        </c:dLbls>
-        <c:gapWidth val="150"/>
-        <c:axId val="109254431"/>
-        <c:axId val="109778767"/>
-      </c:barChart>
-      <c:catAx>
-        <c:axId val="109254431"/>
-        <c:scaling>
-          <c:orientation val="minMax"/>
-        </c:scaling>
-        <c:delete val="0"/>
-        <c:axPos val="b"/>
-        <c:numFmt formatCode="General" sourceLinked="1"/>
-        <c:majorTickMark val="none"/>
-        <c:minorTickMark val="none"/>
-        <c:tickLblPos val="nextTo"/>
-        <c:spPr>
-          <a:noFill/>
-          <a:ln w="9525" cap="flat" cmpd="sng" algn="ctr">
-            <a:solidFill>
-              <a:schemeClr val="tx1">
-                <a:lumMod val="15000"/>
-                <a:lumOff val="85000"/>
-              </a:schemeClr>
-            </a:solidFill>
-            <a:round/>
-          </a:ln>
-          <a:effectLst/>
-        </c:spPr>
-        <c:txPr>
-          <a:bodyPr rot="-60000000" spcFirstLastPara="1" vertOverflow="ellipsis" vert="horz" wrap="square" anchor="ctr" anchorCtr="1"/>
-          <a:lstStyle/>
-          <a:p>
-            <a:pPr>
-              <a:defRPr sz="1197" b="0" i="0" u="none" strike="noStrike" kern="1200" baseline="0">
-                <a:solidFill>
-                  <a:schemeClr val="tx1">
-                    <a:lumMod val="65000"/>
-                    <a:lumOff val="35000"/>
-                  </a:schemeClr>
-                </a:solidFill>
-                <a:latin typeface="+mn-lt"/>
-                <a:ea typeface="+mn-ea"/>
-                <a:cs typeface="+mn-cs"/>
-              </a:defRPr>
-            </a:pPr>
-            <a:endParaRPr lang="pt-PT"/>
-          </a:p>
-        </c:txPr>
-        <c:crossAx val="109778767"/>
-        <c:crosses val="autoZero"/>
-        <c:auto val="1"/>
-        <c:lblAlgn val="ctr"/>
-        <c:lblOffset val="100"/>
-        <c:noMultiLvlLbl val="0"/>
-      </c:catAx>
-      <c:valAx>
-        <c:axId val="109778767"/>
-        <c:scaling>
-          <c:orientation val="minMax"/>
-          <c:max val="100"/>
-          <c:min val="0"/>
-        </c:scaling>
-        <c:delete val="0"/>
-        <c:axPos val="l"/>
-        <c:majorGridlines>
-          <c:spPr>
-            <a:ln w="9525" cap="flat" cmpd="sng" algn="ctr">
-              <a:solidFill>
-                <a:schemeClr val="tx1">
-                  <a:lumMod val="15000"/>
-                  <a:lumOff val="85000"/>
-                </a:schemeClr>
-              </a:solidFill>
-              <a:round/>
-            </a:ln>
-            <a:effectLst/>
-          </c:spPr>
-        </c:majorGridlines>
-        <c:numFmt formatCode="General" sourceLinked="1"/>
-        <c:majorTickMark val="none"/>
-        <c:minorTickMark val="none"/>
-        <c:tickLblPos val="nextTo"/>
-        <c:spPr>
-          <a:noFill/>
-          <a:ln>
-            <a:noFill/>
-          </a:ln>
-          <a:effectLst/>
-        </c:spPr>
-        <c:txPr>
-          <a:bodyPr rot="-60000000" spcFirstLastPara="1" vertOverflow="ellipsis" vert="horz" wrap="square" anchor="ctr" anchorCtr="1"/>
-          <a:lstStyle/>
-          <a:p>
-            <a:pPr>
-              <a:defRPr sz="1197" b="0" i="0" u="none" strike="noStrike" kern="1200" baseline="0">
-                <a:solidFill>
-                  <a:schemeClr val="tx1">
-                    <a:lumMod val="65000"/>
-                    <a:lumOff val="35000"/>
-                  </a:schemeClr>
-                </a:solidFill>
-                <a:latin typeface="+mn-lt"/>
-                <a:ea typeface="+mn-ea"/>
-                <a:cs typeface="+mn-cs"/>
-              </a:defRPr>
-            </a:pPr>
-            <a:endParaRPr lang="pt-PT"/>
-          </a:p>
-        </c:txPr>
-        <c:crossAx val="109254431"/>
-        <c:crosses val="autoZero"/>
-        <c:crossBetween val="between"/>
-      </c:valAx>
-      <c:spPr>
-        <a:noFill/>
-        <a:ln>
-          <a:noFill/>
-        </a:ln>
-        <a:effectLst/>
-      </c:spPr>
-    </c:plotArea>
-    <c:legend>
-      <c:legendPos val="b"/>
-      <c:overlay val="0"/>
-      <c:spPr>
-        <a:noFill/>
-        <a:ln>
-          <a:noFill/>
-        </a:ln>
-        <a:effectLst/>
-      </c:spPr>
-      <c:txPr>
-        <a:bodyPr rot="0" spcFirstLastPara="1" vertOverflow="ellipsis" vert="horz" wrap="square" anchor="ctr" anchorCtr="1"/>
-        <a:lstStyle/>
-        <a:p>
-          <a:pPr>
-            <a:defRPr sz="1197" b="0" i="0" u="none" strike="noStrike" kern="1200" baseline="0">
-              <a:solidFill>
-                <a:schemeClr val="tx1">
-                  <a:lumMod val="65000"/>
-                  <a:lumOff val="35000"/>
-                </a:schemeClr>
-              </a:solidFill>
-              <a:latin typeface="+mn-lt"/>
-              <a:ea typeface="+mn-ea"/>
-              <a:cs typeface="+mn-cs"/>
-            </a:defRPr>
-          </a:pPr>
-          <a:endParaRPr lang="pt-PT"/>
-        </a:p>
-      </c:txPr>
-    </c:legend>
-    <c:plotVisOnly val="1"/>
-    <c:dispBlanksAs val="gap"/>
-    <c:extLst>
-      <c:ext xmlns:c16r3="http://schemas.microsoft.com/office/drawing/2017/03/chart" uri="{56B9EC1D-385E-4148-901F-78D8002777C0}">
-        <c16r3:dataDisplayOptions16>
-          <c16r3:dispNaAsBlank val="1"/>
-        </c16r3:dataDisplayOptions16>
-      </c:ext>
-    </c:extLst>
-    <c:showDLblsOverMax val="0"/>
-  </c:chart>
-  <c:spPr>
-    <a:noFill/>
-    <a:ln>
-      <a:noFill/>
-    </a:ln>
-    <a:effectLst/>
-  </c:spPr>
-  <c:txPr>
-    <a:bodyPr/>
-    <a:lstStyle/>
-    <a:p>
-      <a:pPr>
-        <a:defRPr/>
-      </a:pPr>
-      <a:endParaRPr lang="pt-PT"/>
-    </a:p>
-  </c:txPr>
-  <c:externalData r:id="rId3">
-    <c:autoUpdate val="0"/>
-  </c:externalData>
-</c:chartSpace>
-</file>
-
-<file path=ppt/charts/colors1.xml><?xml version="1.0" encoding="utf-8"?>
-<cs:colorStyle xmlns:cs="http://schemas.microsoft.com/office/drawing/2012/chartStyle" xmlns:a="http://schemas.openxmlformats.org/drawingml/2006/main" meth="cycle" id="10">
-  <a:schemeClr val="accent1"/>
-  <a:schemeClr val="accent2"/>
-  <a:schemeClr val="accent3"/>
-  <a:schemeClr val="accent4"/>
-  <a:schemeClr val="accent5"/>
-  <a:schemeClr val="accent6"/>
-  <cs:variation/>
-  <cs:variation>
-    <a:lumMod val="60000"/>
-  </cs:variation>
-  <cs:variation>
-    <a:lumMod val="80000"/>
-    <a:lumOff val="20000"/>
-  </cs:variation>
-  <cs:variation>
-    <a:lumMod val="80000"/>
-  </cs:variation>
-  <cs:variation>
-    <a:lumMod val="60000"/>
-    <a:lumOff val="40000"/>
-  </cs:variation>
-  <cs:variation>
-    <a:lumMod val="50000"/>
-  </cs:variation>
-  <cs:variation>
-    <a:lumMod val="70000"/>
-    <a:lumOff val="30000"/>
-  </cs:variation>
-  <cs:variation>
-    <a:lumMod val="70000"/>
-  </cs:variation>
-  <cs:variation>
-    <a:lumMod val="50000"/>
-    <a:lumOff val="50000"/>
-  </cs:variation>
-</cs:colorStyle>
-</file>
-
-<file path=ppt/charts/style1.xml><?xml version="1.0" encoding="utf-8"?>
-<cs:chartStyle xmlns:cs="http://schemas.microsoft.com/office/drawing/2012/chartStyle" xmlns:a="http://schemas.openxmlformats.org/drawingml/2006/main" id="227">
-  <cs:axisTitle>
-    <cs:lnRef idx="0"/>
-    <cs:fillRef idx="0"/>
-    <cs:effectRef idx="0"/>
-    <cs:fontRef idx="minor">
-      <a:schemeClr val="tx1">
-        <a:lumMod val="65000"/>
-        <a:lumOff val="35000"/>
-      </a:schemeClr>
-    </cs:fontRef>
-    <cs:defRPr sz="1330" kern="1200"/>
-  </cs:axisTitle>
-  <cs:categoryAxis>
-    <cs:lnRef idx="0"/>
-    <cs:fillRef idx="0"/>
-    <cs:effectRef idx="0"/>
-    <cs:fontRef idx="minor">
-      <a:schemeClr val="tx1">
-        <a:lumMod val="65000"/>
-        <a:lumOff val="35000"/>
-      </a:schemeClr>
-    </cs:fontRef>
-    <cs:spPr>
-      <a:ln w="9525" cap="flat" cmpd="sng" algn="ctr">
-        <a:solidFill>
-          <a:schemeClr val="tx1">
-            <a:lumMod val="15000"/>
-            <a:lumOff val="85000"/>
-          </a:schemeClr>
-        </a:solidFill>
-        <a:round/>
-      </a:ln>
-    </cs:spPr>
-    <cs:defRPr sz="1197" kern="1200"/>
-  </cs:categoryAxis>
-  <cs:chartArea mods="allowNoFillOverride allowNoLineOverride">
-    <cs:lnRef idx="0"/>
-    <cs:fillRef idx="0"/>
-    <cs:effectRef idx="0"/>
-    <cs:fontRef idx="minor">
-      <a:schemeClr val="tx1"/>
-    </cs:fontRef>
-    <cs:spPr>
-      <a:solidFill>
-        <a:schemeClr val="bg1"/>
-      </a:solidFill>
-      <a:ln w="9525" cap="flat" cmpd="sng" algn="ctr">
-        <a:solidFill>
-          <a:schemeClr val="tx1">
-            <a:lumMod val="15000"/>
-            <a:lumOff val="85000"/>
-          </a:schemeClr>
-        </a:solidFill>
-        <a:round/>
-      </a:ln>
-    </cs:spPr>
-    <cs:defRPr sz="1330" kern="1200"/>
-  </cs:chartArea>
-  <cs:dataLabel>
-    <cs:lnRef idx="0"/>
-    <cs:fillRef idx="0"/>
-    <cs:effectRef idx="0"/>
-    <cs:fontRef idx="minor">
-      <a:schemeClr val="tx1">
-        <a:lumMod val="75000"/>
-        <a:lumOff val="25000"/>
-      </a:schemeClr>
-    </cs:fontRef>
-    <cs:defRPr sz="1197" kern="1200"/>
-  </cs:dataLabel>
-  <cs:dataLabelCallout>
-    <cs:lnRef idx="0"/>
-    <cs:fillRef idx="0"/>
-    <cs:effectRef idx="0"/>
-    <cs:fontRef idx="minor">
-      <a:schemeClr val="dk1">
-        <a:lumMod val="65000"/>
-        <a:lumOff val="35000"/>
-      </a:schemeClr>
-    </cs:fontRef>
-    <cs:spPr>
-      <a:solidFill>
-        <a:schemeClr val="lt1"/>
-      </a:solidFill>
-      <a:ln>
-        <a:solidFill>
-          <a:schemeClr val="dk1">
-            <a:lumMod val="25000"/>
-            <a:lumOff val="75000"/>
-          </a:schemeClr>
-        </a:solidFill>
-      </a:ln>
-    </cs:spPr>
-    <cs:defRPr sz="1197" kern="1200"/>
-    <cs:bodyPr rot="0" spcFirstLastPara="1" vertOverflow="clip" horzOverflow="clip" vert="horz" wrap="square" lIns="36576" tIns="18288" rIns="36576" bIns="18288" anchor="ctr" anchorCtr="1">
-      <a:spAutoFit/>
-    </cs:bodyPr>
-  </cs:dataLabelCallout>
-  <cs:dataPoint>
-    <cs:lnRef idx="0"/>
-    <cs:fillRef idx="1">
-      <cs:styleClr val="auto"/>
-    </cs:fillRef>
-    <cs:effectRef idx="0"/>
-    <cs:fontRef idx="minor">
-      <a:schemeClr val="tx1"/>
-    </cs:fontRef>
-    <cs:spPr>
-      <a:solidFill>
-        <a:schemeClr val="phClr"/>
-      </a:solidFill>
-    </cs:spPr>
-  </cs:dataPoint>
-  <cs:dataPoint3D>
-    <cs:lnRef idx="0"/>
-    <cs:fillRef idx="1">
-      <cs:styleClr val="auto"/>
-    </cs:fillRef>
-    <cs:effectRef idx="0"/>
-    <cs:fontRef idx="minor">
-      <a:schemeClr val="tx1"/>
-    </cs:fontRef>
-    <cs:spPr>
-      <a:solidFill>
-        <a:schemeClr val="phClr"/>
-      </a:solidFill>
-    </cs:spPr>
-  </cs:dataPoint3D>
-  <cs:dataPointLine>
-    <cs:lnRef idx="0">
-      <cs:styleClr val="auto"/>
-    </cs:lnRef>
-    <cs:fillRef idx="1"/>
-    <cs:effectRef idx="0"/>
-    <cs:fontRef idx="minor">
-      <a:schemeClr val="tx1"/>
-    </cs:fontRef>
-    <cs:spPr>
-      <a:ln w="28575" cap="rnd">
-        <a:solidFill>
-          <a:schemeClr val="phClr"/>
-        </a:solidFill>
-        <a:round/>
-      </a:ln>
-    </cs:spPr>
-  </cs:dataPointLine>
-  <cs:dataPointMarker>
-    <cs:lnRef idx="0">
-      <cs:styleClr val="auto"/>
-    </cs:lnRef>
-    <cs:fillRef idx="1">
-      <cs:styleClr val="auto"/>
-    </cs:fillRef>
-    <cs:effectRef idx="0"/>
-    <cs:fontRef idx="minor">
-      <a:schemeClr val="tx1"/>
-    </cs:fontRef>
-    <cs:spPr>
-      <a:solidFill>
-        <a:schemeClr val="phClr"/>
-      </a:solidFill>
-      <a:ln w="9525">
-        <a:solidFill>
-          <a:schemeClr val="phClr"/>
-        </a:solidFill>
-      </a:ln>
-    </cs:spPr>
-  </cs:dataPointMarker>
-  <cs:dataPointMarkerLayout symbol="circle" size="5"/>
-  <cs:dataPointWireframe>
-    <cs:lnRef idx="0">
-      <cs:styleClr val="auto"/>
-    </cs:lnRef>
-    <cs:fillRef idx="1"/>
-    <cs:effectRef idx="0"/>
-    <cs:fontRef idx="minor">
-      <a:schemeClr val="tx1"/>
-    </cs:fontRef>
-    <cs:spPr>
-      <a:ln w="9525" cap="rnd">
-        <a:solidFill>
-          <a:schemeClr val="phClr"/>
-        </a:solidFill>
-        <a:round/>
-      </a:ln>
-    </cs:spPr>
-  </cs:dataPointWireframe>
-  <cs:dataTable>
-    <cs:lnRef idx="0"/>
-    <cs:fillRef idx="0"/>
-    <cs:effectRef idx="0"/>
-    <cs:fontRef idx="minor">
-      <a:schemeClr val="tx1">
-        <a:lumMod val="65000"/>
-        <a:lumOff val="35000"/>
-      </a:schemeClr>
-    </cs:fontRef>
-    <cs:spPr>
-      <a:noFill/>
-      <a:ln w="9525" cap="flat" cmpd="sng" algn="ctr">
-        <a:solidFill>
-          <a:schemeClr val="tx1">
-            <a:lumMod val="15000"/>
-            <a:lumOff val="85000"/>
-          </a:schemeClr>
-        </a:solidFill>
-        <a:round/>
-      </a:ln>
-    </cs:spPr>
-    <cs:defRPr sz="1197" kern="1200"/>
-  </cs:dataTable>
-  <cs:downBar>
-    <cs:lnRef idx="0"/>
-    <cs:fillRef idx="0"/>
-    <cs:effectRef idx="0"/>
-    <cs:fontRef idx="minor">
-      <a:schemeClr val="dk1"/>
-    </cs:fontRef>
-    <cs:spPr>
-      <a:solidFill>
-        <a:schemeClr val="dk1">
-          <a:lumMod val="65000"/>
-          <a:lumOff val="35000"/>
-        </a:schemeClr>
-      </a:solidFill>
-      <a:ln w="9525">
-        <a:solidFill>
-          <a:schemeClr val="tx1">
-            <a:lumMod val="65000"/>
-            <a:lumOff val="35000"/>
-          </a:schemeClr>
-        </a:solidFill>
-      </a:ln>
-    </cs:spPr>
-  </cs:downBar>
-  <cs:dropLine>
-    <cs:lnRef idx="0"/>
-    <cs:fillRef idx="0"/>
-    <cs:effectRef idx="0"/>
-    <cs:fontRef idx="minor">
-      <a:schemeClr val="tx1"/>
-    </cs:fontRef>
-    <cs:spPr>
-      <a:ln w="9525" cap="flat" cmpd="sng" algn="ctr">
-        <a:solidFill>
-          <a:schemeClr val="tx1">
-            <a:lumMod val="35000"/>
-            <a:lumOff val="65000"/>
-          </a:schemeClr>
-        </a:solidFill>
-        <a:round/>
-      </a:ln>
-    </cs:spPr>
-  </cs:dropLine>
-  <cs:errorBar>
-    <cs:lnRef idx="0"/>
-    <cs:fillRef idx="0"/>
-    <cs:effectRef idx="0"/>
-    <cs:fontRef idx="minor">
-      <a:schemeClr val="tx1"/>
-    </cs:fontRef>
-    <cs:spPr>
-      <a:ln w="9525" cap="flat" cmpd="sng" algn="ctr">
-        <a:solidFill>
-          <a:schemeClr val="tx1">
-            <a:lumMod val="65000"/>
-            <a:lumOff val="35000"/>
-          </a:schemeClr>
-        </a:solidFill>
-        <a:round/>
-      </a:ln>
-    </cs:spPr>
-  </cs:errorBar>
-  <cs:floor>
-    <cs:lnRef idx="0"/>
-    <cs:fillRef idx="0"/>
-    <cs:effectRef idx="0"/>
-    <cs:fontRef idx="minor">
-      <a:schemeClr val="tx1"/>
-    </cs:fontRef>
-    <cs:spPr>
-      <a:noFill/>
-      <a:ln>
-        <a:noFill/>
-      </a:ln>
-    </cs:spPr>
-  </cs:floor>
-  <cs:gridlineMajor>
-    <cs:lnRef idx="0"/>
-    <cs:fillRef idx="0"/>
-    <cs:effectRef idx="0"/>
-    <cs:fontRef idx="minor">
-      <a:schemeClr val="tx1"/>
-    </cs:fontRef>
-    <cs:spPr>
-      <a:ln w="9525" cap="flat" cmpd="sng" algn="ctr">
-        <a:solidFill>
-          <a:schemeClr val="tx1">
-            <a:lumMod val="15000"/>
-            <a:lumOff val="85000"/>
-          </a:schemeClr>
-        </a:solidFill>
-        <a:round/>
-      </a:ln>
-    </cs:spPr>
-  </cs:gridlineMajor>
-  <cs:gridlineMinor>
-    <cs:lnRef idx="0"/>
-    <cs:fillRef idx="0"/>
-    <cs:effectRef idx="0"/>
-    <cs:fontRef idx="minor">
-      <a:schemeClr val="tx1"/>
-    </cs:fontRef>
-    <cs:spPr>
-      <a:ln w="9525" cap="flat" cmpd="sng" algn="ctr">
-        <a:solidFill>
-          <a:schemeClr val="tx1">
-            <a:lumMod val="5000"/>
-            <a:lumOff val="95000"/>
-          </a:schemeClr>
-        </a:solidFill>
-        <a:round/>
-      </a:ln>
-    </cs:spPr>
-  </cs:gridlineMinor>
-  <cs:hiLoLine>
-    <cs:lnRef idx="0"/>
-    <cs:fillRef idx="0"/>
-    <cs:effectRef idx="0"/>
-    <cs:fontRef idx="minor">
-      <a:schemeClr val="tx1"/>
-    </cs:fontRef>
-    <cs:spPr>
-      <a:ln w="9525" cap="flat" cmpd="sng" algn="ctr">
-        <a:solidFill>
-          <a:schemeClr val="tx1">
-            <a:lumMod val="75000"/>
-            <a:lumOff val="25000"/>
-          </a:schemeClr>
-        </a:solidFill>
-        <a:round/>
-      </a:ln>
-    </cs:spPr>
-  </cs:hiLoLine>
-  <cs:leaderLine>
-    <cs:lnRef idx="0"/>
-    <cs:fillRef idx="0"/>
-    <cs:effectRef idx="0"/>
-    <cs:fontRef idx="minor">
-      <a:schemeClr val="tx1"/>
-    </cs:fontRef>
-    <cs:spPr>
-      <a:ln w="9525" cap="flat" cmpd="sng" algn="ctr">
-        <a:solidFill>
-          <a:schemeClr val="tx1">
-            <a:lumMod val="35000"/>
-            <a:lumOff val="65000"/>
-          </a:schemeClr>
-        </a:solidFill>
-        <a:round/>
-      </a:ln>
-    </cs:spPr>
-  </cs:leaderLine>
-  <cs:legend>
-    <cs:lnRef idx="0"/>
-    <cs:fillRef idx="0"/>
-    <cs:effectRef idx="0"/>
-    <cs:fontRef idx="minor">
-      <a:schemeClr val="tx1">
-        <a:lumMod val="65000"/>
-        <a:lumOff val="35000"/>
-      </a:schemeClr>
-    </cs:fontRef>
-    <cs:defRPr sz="1197" kern="1200"/>
-  </cs:legend>
-  <cs:plotArea mods="allowNoFillOverride allowNoLineOverride">
-    <cs:lnRef idx="0"/>
-    <cs:fillRef idx="0"/>
-    <cs:effectRef idx="0"/>
-    <cs:fontRef idx="minor">
-      <a:schemeClr val="tx1"/>
-    </cs:fontRef>
-  </cs:plotArea>
-  <cs:plotArea3D mods="allowNoFillOverride allowNoLineOverride">
-    <cs:lnRef idx="0"/>
-    <cs:fillRef idx="0"/>
-    <cs:effectRef idx="0"/>
-    <cs:fontRef idx="minor">
-      <a:schemeClr val="tx1"/>
-    </cs:fontRef>
-  </cs:plotArea3D>
-  <cs:seriesAxis>
-    <cs:lnRef idx="0"/>
-    <cs:fillRef idx="0"/>
-    <cs:effectRef idx="0"/>
-    <cs:fontRef idx="minor">
-      <a:schemeClr val="tx1">
-        <a:lumMod val="65000"/>
-        <a:lumOff val="35000"/>
-      </a:schemeClr>
-    </cs:fontRef>
-    <cs:defRPr sz="1197" kern="1200"/>
-  </cs:seriesAxis>
-  <cs:seriesLine>
-    <cs:lnRef idx="0"/>
-    <cs:fillRef idx="0"/>
-    <cs:effectRef idx="0"/>
-    <cs:fontRef idx="minor">
-      <a:schemeClr val="tx1"/>
-    </cs:fontRef>
-    <cs:spPr>
-      <a:ln w="9525" cap="flat" cmpd="sng" algn="ctr">
-        <a:solidFill>
-          <a:schemeClr val="tx1">
-            <a:lumMod val="35000"/>
-            <a:lumOff val="65000"/>
-          </a:schemeClr>
-        </a:solidFill>
-        <a:round/>
-      </a:ln>
-    </cs:spPr>
-  </cs:seriesLine>
-  <cs:title>
-    <cs:lnRef idx="0"/>
-    <cs:fillRef idx="0"/>
-    <cs:effectRef idx="0"/>
-    <cs:fontRef idx="minor">
-      <a:schemeClr val="tx1">
-        <a:lumMod val="65000"/>
-        <a:lumOff val="35000"/>
-      </a:schemeClr>
-    </cs:fontRef>
-    <cs:defRPr sz="1862" b="0" kern="1200" spc="0" baseline="0"/>
-  </cs:title>
-  <cs:trendline>
-    <cs:lnRef idx="0">
-      <cs:styleClr val="auto"/>
-    </cs:lnRef>
-    <cs:fillRef idx="0"/>
-    <cs:effectRef idx="0"/>
-    <cs:fontRef idx="minor">
-      <a:schemeClr val="tx1"/>
-    </cs:fontRef>
-    <cs:spPr>
-      <a:ln w="19050" cap="rnd">
-        <a:solidFill>
-          <a:schemeClr val="phClr"/>
-        </a:solidFill>
-        <a:prstDash val="sysDot"/>
-      </a:ln>
-    </cs:spPr>
-  </cs:trendline>
-  <cs:trendlineLabel>
-    <cs:lnRef idx="0"/>
-    <cs:fillRef idx="0"/>
-    <cs:effectRef idx="0"/>
-    <cs:fontRef idx="minor">
-      <a:schemeClr val="tx1">
-        <a:lumMod val="65000"/>
-        <a:lumOff val="35000"/>
-      </a:schemeClr>
-    </cs:fontRef>
-    <cs:defRPr sz="1197" kern="1200"/>
-  </cs:trendlineLabel>
-  <cs:upBar>
-    <cs:lnRef idx="0"/>
-    <cs:fillRef idx="0"/>
-    <cs:effectRef idx="0"/>
-    <cs:fontRef idx="minor">
-      <a:schemeClr val="dk1"/>
-    </cs:fontRef>
-    <cs:spPr>
-      <a:solidFill>
-        <a:schemeClr val="lt1"/>
-      </a:solidFill>
-      <a:ln w="9525">
-        <a:solidFill>
-          <a:schemeClr val="tx1">
-            <a:lumMod val="15000"/>
-            <a:lumOff val="85000"/>
-          </a:schemeClr>
-        </a:solidFill>
-      </a:ln>
-    </cs:spPr>
-  </cs:upBar>
-  <cs:valueAxis>
-    <cs:lnRef idx="0"/>
-    <cs:fillRef idx="0"/>
-    <cs:effectRef idx="0"/>
-    <cs:fontRef idx="minor">
-      <a:schemeClr val="tx1">
-        <a:lumMod val="65000"/>
-        <a:lumOff val="35000"/>
-      </a:schemeClr>
-    </cs:fontRef>
-    <cs:defRPr sz="1197" kern="1200"/>
-  </cs:valueAxis>
-  <cs:wall>
-    <cs:lnRef idx="0"/>
-    <cs:fillRef idx="0"/>
-    <cs:effectRef idx="0"/>
-    <cs:fontRef idx="minor">
-      <a:schemeClr val="tx1"/>
-    </cs:fontRef>
-    <cs:spPr>
-      <a:noFill/>
-      <a:ln>
-        <a:noFill/>
-      </a:ln>
-    </cs:spPr>
-  </cs:wall>
-</cs:chartStyle>
-</file>
-
 <file path=ppt/notesMasters/notesMaster1.xml><?xml version="1.0" encoding="utf-8"?>
 <p:notesMaster xmlns:a="http://schemas.openxmlformats.org/drawingml/2006/main" xmlns:r="http://schemas.openxmlformats.org/officeDocument/2006/relationships" xmlns:p="http://schemas.openxmlformats.org/presentationml/2006/main">
   <p:cSld>
@@ -3015,7 +1666,7 @@
           <a:p>
             <a:fld id="{36E6DCC6-AD03-4529-8785-52C9E9DDBC13}" type="slidenum">
               <a:rPr lang="pt-PT" smtClean="0"/>
-              <a:t>2</a:t>
+              <a:t>1</a:t>
             </a:fld>
             <a:endParaRPr lang="pt-PT"/>
           </a:p>
@@ -3024,7 +1675,7 @@
     </p:spTree>
     <p:extLst>
       <p:ext uri="{BB962C8B-B14F-4D97-AF65-F5344CB8AC3E}">
-        <p14:creationId xmlns:p14="http://schemas.microsoft.com/office/powerpoint/2010/main" val="792058972"/>
+        <p14:creationId xmlns:p14="http://schemas.microsoft.com/office/powerpoint/2010/main" val="1215725559"/>
       </p:ext>
     </p:extLst>
   </p:cSld>
@@ -3079,20 +1730,144 @@
           <a:lstStyle/>
           <a:p>
             <a:r>
-              <a:rPr lang="en-US" sz="1200" dirty="0"/>
-              <a:t>How you approached the dataset, cleaning, preprocessing...</a:t>
-            </a:r>
-          </a:p>
-          <a:p>
-            <a:r>
-              <a:rPr lang="en-US" sz="1200" dirty="0"/>
-              <a:t>Techniques you tried. Did you end up using all of them? Did you discard any, for some reason?</a:t>
-            </a:r>
-          </a:p>
-          <a:p>
-            <a:r>
-              <a:rPr lang="en-US" sz="1200" dirty="0"/>
-              <a:t>Charts that display the impact of the techniques on accuracy</a:t>
+              <a:rPr lang="pt-PT" dirty="0"/>
+              <a:t>KK</a:t>
+            </a:r>
+          </a:p>
+        </p:txBody>
+      </p:sp>
+      <p:sp>
+        <p:nvSpPr>
+          <p:cNvPr id="4" name="Marcador de Posição do Número do Diapositivo 3"/>
+          <p:cNvSpPr>
+            <a:spLocks noGrp="1"/>
+          </p:cNvSpPr>
+          <p:nvPr>
+            <p:ph type="sldNum" sz="quarter" idx="5"/>
+          </p:nvPr>
+        </p:nvSpPr>
+        <p:spPr/>
+        <p:txBody>
+          <a:bodyPr/>
+          <a:lstStyle/>
+          <a:p>
+            <a:fld id="{36E6DCC6-AD03-4529-8785-52C9E9DDBC13}" type="slidenum">
+              <a:rPr lang="pt-PT" smtClean="0"/>
+              <a:t>2</a:t>
+            </a:fld>
+            <a:endParaRPr lang="pt-PT"/>
+          </a:p>
+        </p:txBody>
+      </p:sp>
+    </p:spTree>
+    <p:extLst>
+      <p:ext uri="{BB962C8B-B14F-4D97-AF65-F5344CB8AC3E}">
+        <p14:creationId xmlns:p14="http://schemas.microsoft.com/office/powerpoint/2010/main" val="792058972"/>
+      </p:ext>
+    </p:extLst>
+  </p:cSld>
+  <p:clrMapOvr>
+    <a:masterClrMapping/>
+  </p:clrMapOvr>
+</p:notes>
+</file>
+
+<file path=ppt/notesSlides/notesSlide3.xml><?xml version="1.0" encoding="utf-8"?>
+<p:notes xmlns:a="http://schemas.openxmlformats.org/drawingml/2006/main" xmlns:r="http://schemas.openxmlformats.org/officeDocument/2006/relationships" xmlns:p="http://schemas.openxmlformats.org/presentationml/2006/main">
+  <p:cSld>
+    <p:spTree>
+      <p:nvGrpSpPr>
+        <p:cNvPr id="1" name=""/>
+        <p:cNvGrpSpPr/>
+        <p:nvPr/>
+      </p:nvGrpSpPr>
+      <p:grpSpPr>
+        <a:xfrm>
+          <a:off x="0" y="0"/>
+          <a:ext cx="0" cy="0"/>
+          <a:chOff x="0" y="0"/>
+          <a:chExt cx="0" cy="0"/>
+        </a:xfrm>
+      </p:grpSpPr>
+      <p:sp>
+        <p:nvSpPr>
+          <p:cNvPr id="2" name="Marcador de Posição da Imagem do Diapositivo 1"/>
+          <p:cNvSpPr>
+            <a:spLocks noGrp="1" noRot="1" noChangeAspect="1"/>
+          </p:cNvSpPr>
+          <p:nvPr>
+            <p:ph type="sldImg"/>
+          </p:nvPr>
+        </p:nvSpPr>
+        <p:spPr/>
+      </p:sp>
+      <p:sp>
+        <p:nvSpPr>
+          <p:cNvPr id="3" name="Marcador de Posição de Notas 2"/>
+          <p:cNvSpPr>
+            <a:spLocks noGrp="1"/>
+          </p:cNvSpPr>
+          <p:nvPr>
+            <p:ph type="body" idx="1"/>
+          </p:nvPr>
+        </p:nvSpPr>
+        <p:spPr/>
+        <p:txBody>
+          <a:bodyPr/>
+          <a:lstStyle/>
+          <a:p>
+            <a:endParaRPr lang="en-US" b="1" dirty="0"/>
+          </a:p>
+          <a:p>
+            <a:r>
+              <a:rPr lang="en-US" b="1" dirty="0"/>
+              <a:t>JA</a:t>
+            </a:r>
+          </a:p>
+          <a:p>
+            <a:r>
+              <a:rPr lang="en-US" b="1" dirty="0"/>
+              <a:t>Model Performance</a:t>
+            </a:r>
+            <a:r>
+              <a:rPr lang="en-US" dirty="0"/>
+              <a:t>: SVM and Logistic Regression generally provide higher accuracy across all preprocessing techniques compared to Naive Bayes and </a:t>
+            </a:r>
+            <a:r>
+              <a:rPr lang="en-US" dirty="0" err="1"/>
+              <a:t>XGBoost</a:t>
+            </a:r>
+            <a:r>
+              <a:rPr lang="en-US" dirty="0"/>
+              <a:t>.</a:t>
+            </a:r>
+          </a:p>
+          <a:p>
+            <a:r>
+              <a:rPr lang="en-US" b="1" dirty="0"/>
+              <a:t>Impact of Preprocessing</a:t>
+            </a:r>
+            <a:r>
+              <a:rPr lang="en-US" dirty="0"/>
+              <a:t>: Applying cleaning, tokenization, and lemmatization improves performance slightly, but these improvements are model and task-dependent. Preprocessing like </a:t>
+            </a:r>
+            <a:r>
+              <a:rPr lang="en-US" dirty="0" err="1"/>
+              <a:t>stopword</a:t>
+            </a:r>
+            <a:r>
+              <a:rPr lang="en-US" dirty="0"/>
+              <a:t> removal had minimal impact on accuracy compared to other steps.</a:t>
+            </a:r>
+          </a:p>
+          <a:p>
+            <a:r>
+              <a:rPr lang="en-US" b="1" dirty="0"/>
+              <a:t>Bag of Words vs. TF-IDF</a:t>
+            </a:r>
+            <a:r>
+              <a:rPr lang="en-US" dirty="0"/>
+              <a:t>: show similar performance across most models, with slight variations in accuracy.</a:t>
             </a:r>
           </a:p>
           <a:p>
@@ -3127,6 +1902,388 @@
     <p:extLst>
       <p:ext uri="{BB962C8B-B14F-4D97-AF65-F5344CB8AC3E}">
         <p14:creationId xmlns:p14="http://schemas.microsoft.com/office/powerpoint/2010/main" val="1500461212"/>
+      </p:ext>
+    </p:extLst>
+  </p:cSld>
+  <p:clrMapOvr>
+    <a:masterClrMapping/>
+  </p:clrMapOvr>
+</p:notes>
+</file>
+
+<file path=ppt/notesSlides/notesSlide4.xml><?xml version="1.0" encoding="utf-8"?>
+<p:notes xmlns:a="http://schemas.openxmlformats.org/drawingml/2006/main" xmlns:r="http://schemas.openxmlformats.org/officeDocument/2006/relationships" xmlns:p="http://schemas.openxmlformats.org/presentationml/2006/main">
+  <p:cSld>
+    <p:spTree>
+      <p:nvGrpSpPr>
+        <p:cNvPr id="1" name=""/>
+        <p:cNvGrpSpPr/>
+        <p:nvPr/>
+      </p:nvGrpSpPr>
+      <p:grpSpPr>
+        <a:xfrm>
+          <a:off x="0" y="0"/>
+          <a:ext cx="0" cy="0"/>
+          <a:chOff x="0" y="0"/>
+          <a:chExt cx="0" cy="0"/>
+        </a:xfrm>
+      </p:grpSpPr>
+      <p:sp>
+        <p:nvSpPr>
+          <p:cNvPr id="2" name="Marcador de Posição da Imagem do Diapositivo 1"/>
+          <p:cNvSpPr>
+            <a:spLocks noGrp="1" noRot="1" noChangeAspect="1"/>
+          </p:cNvSpPr>
+          <p:nvPr>
+            <p:ph type="sldImg"/>
+          </p:nvPr>
+        </p:nvSpPr>
+        <p:spPr/>
+      </p:sp>
+      <p:sp>
+        <p:nvSpPr>
+          <p:cNvPr id="3" name="Marcador de Posição de Notas 2"/>
+          <p:cNvSpPr>
+            <a:spLocks noGrp="1"/>
+          </p:cNvSpPr>
+          <p:nvPr>
+            <p:ph type="body" idx="1"/>
+          </p:nvPr>
+        </p:nvSpPr>
+        <p:spPr/>
+        <p:txBody>
+          <a:bodyPr/>
+          <a:lstStyle/>
+          <a:p>
+            <a:r>
+              <a:rPr lang="en-US" b="1" dirty="0"/>
+              <a:t>MG</a:t>
+            </a:r>
+          </a:p>
+          <a:p>
+            <a:r>
+              <a:rPr lang="en-US" b="1" dirty="0"/>
+              <a:t>Model Performance</a:t>
+            </a:r>
+            <a:r>
+              <a:rPr lang="en-US" dirty="0"/>
+              <a:t>: SVM and Logistic Regression generally provide higher accuracy across all preprocessing techniques compared to Naive Bayes and </a:t>
+            </a:r>
+            <a:r>
+              <a:rPr lang="en-US" dirty="0" err="1"/>
+              <a:t>XGBoost</a:t>
+            </a:r>
+            <a:r>
+              <a:rPr lang="en-US" dirty="0"/>
+              <a:t>.</a:t>
+            </a:r>
+          </a:p>
+          <a:p>
+            <a:r>
+              <a:rPr lang="en-US" b="1" dirty="0"/>
+              <a:t>Impact of Preprocessing</a:t>
+            </a:r>
+            <a:r>
+              <a:rPr lang="en-US" dirty="0"/>
+              <a:t>: Applying cleaning, tokenization, and lemmatization improves performance slightly, but these improvements are model and task-dependent. Preprocessing like </a:t>
+            </a:r>
+            <a:r>
+              <a:rPr lang="en-US" dirty="0" err="1"/>
+              <a:t>stopword</a:t>
+            </a:r>
+            <a:r>
+              <a:rPr lang="en-US" dirty="0"/>
+              <a:t> removal had minimal impact on accuracy compared to other steps.</a:t>
+            </a:r>
+          </a:p>
+          <a:p>
+            <a:r>
+              <a:rPr lang="en-US" b="1" dirty="0"/>
+              <a:t>Bag of Words vs. TF-IDF</a:t>
+            </a:r>
+            <a:r>
+              <a:rPr lang="en-US" dirty="0"/>
+              <a:t>: show similar performance across most models, with slight variations in accuracy.</a:t>
+            </a:r>
+          </a:p>
+          <a:p>
+            <a:endParaRPr lang="pt-PT" dirty="0"/>
+          </a:p>
+        </p:txBody>
+      </p:sp>
+      <p:sp>
+        <p:nvSpPr>
+          <p:cNvPr id="4" name="Marcador de Posição do Número do Diapositivo 3"/>
+          <p:cNvSpPr>
+            <a:spLocks noGrp="1"/>
+          </p:cNvSpPr>
+          <p:nvPr>
+            <p:ph type="sldNum" sz="quarter" idx="5"/>
+          </p:nvPr>
+        </p:nvSpPr>
+        <p:spPr/>
+        <p:txBody>
+          <a:bodyPr/>
+          <a:lstStyle/>
+          <a:p>
+            <a:fld id="{36E6DCC6-AD03-4529-8785-52C9E9DDBC13}" type="slidenum">
+              <a:rPr lang="pt-PT" smtClean="0"/>
+              <a:t>4</a:t>
+            </a:fld>
+            <a:endParaRPr lang="pt-PT"/>
+          </a:p>
+        </p:txBody>
+      </p:sp>
+    </p:spTree>
+    <p:extLst>
+      <p:ext uri="{BB962C8B-B14F-4D97-AF65-F5344CB8AC3E}">
+        <p14:creationId xmlns:p14="http://schemas.microsoft.com/office/powerpoint/2010/main" val="3920148605"/>
+      </p:ext>
+    </p:extLst>
+  </p:cSld>
+  <p:clrMapOvr>
+    <a:masterClrMapping/>
+  </p:clrMapOvr>
+</p:notes>
+</file>
+
+<file path=ppt/notesSlides/notesSlide5.xml><?xml version="1.0" encoding="utf-8"?>
+<p:notes xmlns:a="http://schemas.openxmlformats.org/drawingml/2006/main" xmlns:r="http://schemas.openxmlformats.org/officeDocument/2006/relationships" xmlns:p="http://schemas.openxmlformats.org/presentationml/2006/main">
+  <p:cSld>
+    <p:spTree>
+      <p:nvGrpSpPr>
+        <p:cNvPr id="1" name=""/>
+        <p:cNvGrpSpPr/>
+        <p:nvPr/>
+      </p:nvGrpSpPr>
+      <p:grpSpPr>
+        <a:xfrm>
+          <a:off x="0" y="0"/>
+          <a:ext cx="0" cy="0"/>
+          <a:chOff x="0" y="0"/>
+          <a:chExt cx="0" cy="0"/>
+        </a:xfrm>
+      </p:grpSpPr>
+      <p:sp>
+        <p:nvSpPr>
+          <p:cNvPr id="2" name="Marcador de Posição da Imagem do Diapositivo 1"/>
+          <p:cNvSpPr>
+            <a:spLocks noGrp="1" noRot="1" noChangeAspect="1"/>
+          </p:cNvSpPr>
+          <p:nvPr>
+            <p:ph type="sldImg"/>
+          </p:nvPr>
+        </p:nvSpPr>
+        <p:spPr/>
+      </p:sp>
+      <p:sp>
+        <p:nvSpPr>
+          <p:cNvPr id="3" name="Marcador de Posição de Notas 2"/>
+          <p:cNvSpPr>
+            <a:spLocks noGrp="1"/>
+          </p:cNvSpPr>
+          <p:nvPr>
+            <p:ph type="body" idx="1"/>
+          </p:nvPr>
+        </p:nvSpPr>
+        <p:spPr/>
+        <p:txBody>
+          <a:bodyPr/>
+          <a:lstStyle/>
+          <a:p>
+            <a:endParaRPr lang="pt-PT" dirty="0"/>
+          </a:p>
+        </p:txBody>
+      </p:sp>
+      <p:sp>
+        <p:nvSpPr>
+          <p:cNvPr id="4" name="Marcador de Posição do Número do Diapositivo 3"/>
+          <p:cNvSpPr>
+            <a:spLocks noGrp="1"/>
+          </p:cNvSpPr>
+          <p:nvPr>
+            <p:ph type="sldNum" sz="quarter" idx="5"/>
+          </p:nvPr>
+        </p:nvSpPr>
+        <p:spPr/>
+        <p:txBody>
+          <a:bodyPr/>
+          <a:lstStyle/>
+          <a:p>
+            <a:fld id="{36E6DCC6-AD03-4529-8785-52C9E9DDBC13}" type="slidenum">
+              <a:rPr lang="pt-PT" smtClean="0"/>
+              <a:t>5</a:t>
+            </a:fld>
+            <a:endParaRPr lang="pt-PT"/>
+          </a:p>
+        </p:txBody>
+      </p:sp>
+    </p:spTree>
+    <p:extLst>
+      <p:ext uri="{BB962C8B-B14F-4D97-AF65-F5344CB8AC3E}">
+        <p14:creationId xmlns:p14="http://schemas.microsoft.com/office/powerpoint/2010/main" val="140582455"/>
+      </p:ext>
+    </p:extLst>
+  </p:cSld>
+  <p:clrMapOvr>
+    <a:masterClrMapping/>
+  </p:clrMapOvr>
+</p:notes>
+</file>
+
+<file path=ppt/notesSlides/notesSlide6.xml><?xml version="1.0" encoding="utf-8"?>
+<p:notes xmlns:a="http://schemas.openxmlformats.org/drawingml/2006/main" xmlns:r="http://schemas.openxmlformats.org/officeDocument/2006/relationships" xmlns:p="http://schemas.openxmlformats.org/presentationml/2006/main">
+  <p:cSld>
+    <p:spTree>
+      <p:nvGrpSpPr>
+        <p:cNvPr id="1" name=""/>
+        <p:cNvGrpSpPr/>
+        <p:nvPr/>
+      </p:nvGrpSpPr>
+      <p:grpSpPr>
+        <a:xfrm>
+          <a:off x="0" y="0"/>
+          <a:ext cx="0" cy="0"/>
+          <a:chOff x="0" y="0"/>
+          <a:chExt cx="0" cy="0"/>
+        </a:xfrm>
+      </p:grpSpPr>
+      <p:sp>
+        <p:nvSpPr>
+          <p:cNvPr id="2" name="Marcador de Posição da Imagem do Diapositivo 1"/>
+          <p:cNvSpPr>
+            <a:spLocks noGrp="1" noRot="1" noChangeAspect="1"/>
+          </p:cNvSpPr>
+          <p:nvPr>
+            <p:ph type="sldImg"/>
+          </p:nvPr>
+        </p:nvSpPr>
+        <p:spPr/>
+      </p:sp>
+      <p:sp>
+        <p:nvSpPr>
+          <p:cNvPr id="3" name="Marcador de Posição de Notas 2"/>
+          <p:cNvSpPr>
+            <a:spLocks noGrp="1"/>
+          </p:cNvSpPr>
+          <p:nvPr>
+            <p:ph type="body" idx="1"/>
+          </p:nvPr>
+        </p:nvSpPr>
+        <p:spPr/>
+        <p:txBody>
+          <a:bodyPr/>
+          <a:lstStyle/>
+          <a:p>
+            <a:r>
+              <a:rPr lang="en-US" b="1" dirty="0"/>
+              <a:t>JA </a:t>
+            </a:r>
+          </a:p>
+          <a:p>
+            <a:endParaRPr lang="en-US" dirty="0"/>
+          </a:p>
+          <a:p>
+            <a:r>
+              <a:rPr lang="en-US" dirty="0"/>
+              <a:t>The preprocessing step that had the most significant impact on improving accuracy was </a:t>
+            </a:r>
+            <a:r>
+              <a:rPr lang="en-US" b="1" dirty="0"/>
+              <a:t>cleaning and tokenization</a:t>
+            </a:r>
+            <a:r>
+              <a:rPr lang="en-US" dirty="0"/>
+              <a:t>. </a:t>
+            </a:r>
+          </a:p>
+          <a:p>
+            <a:r>
+              <a:rPr lang="en-US" b="1" dirty="0"/>
+              <a:t>Key Points:</a:t>
+            </a:r>
+          </a:p>
+          <a:p>
+            <a:pPr lvl="1"/>
+            <a:r>
+              <a:rPr lang="en-US" b="1" dirty="0"/>
+              <a:t>Cleaning and Tokenization</a:t>
+            </a:r>
+            <a:r>
+              <a:rPr lang="en-US" dirty="0"/>
+              <a:t> resulted in noticeable improvements across most models, particularly for Logistic Regression and SVM.</a:t>
+            </a:r>
+          </a:p>
+          <a:p>
+            <a:pPr lvl="1"/>
+            <a:r>
+              <a:rPr lang="en-US" b="1" dirty="0"/>
+              <a:t>Lemmatization</a:t>
+            </a:r>
+            <a:r>
+              <a:rPr lang="en-US" dirty="0"/>
+              <a:t> and </a:t>
+            </a:r>
+            <a:r>
+              <a:rPr lang="en-US" b="1" dirty="0" err="1"/>
+              <a:t>Stopwords</a:t>
+            </a:r>
+            <a:r>
+              <a:rPr lang="en-US" b="1" dirty="0"/>
+              <a:t> removal</a:t>
+            </a:r>
+            <a:r>
+              <a:rPr lang="en-US" dirty="0"/>
+              <a:t> had a smaller, more task-dependent impact. In some cases, they provided minor boosts in accuracy, but the improvements were not as consistent.</a:t>
+            </a:r>
+          </a:p>
+          <a:p>
+            <a:pPr lvl="1"/>
+            <a:r>
+              <a:rPr lang="en-US" dirty="0"/>
+              <a:t>Thus, </a:t>
+            </a:r>
+            <a:r>
+              <a:rPr lang="en-US" b="1" dirty="0"/>
+              <a:t>cleaning and tokenization</a:t>
+            </a:r>
+            <a:r>
+              <a:rPr lang="en-US" dirty="0"/>
+              <a:t> tend to be the most effective preprocessing steps for enhancing model accuracy in text classification tasks.</a:t>
+            </a:r>
+          </a:p>
+          <a:p>
+            <a:endParaRPr lang="pt-PT" dirty="0"/>
+          </a:p>
+        </p:txBody>
+      </p:sp>
+      <p:sp>
+        <p:nvSpPr>
+          <p:cNvPr id="4" name="Marcador de Posição do Número do Diapositivo 3"/>
+          <p:cNvSpPr>
+            <a:spLocks noGrp="1"/>
+          </p:cNvSpPr>
+          <p:nvPr>
+            <p:ph type="sldNum" sz="quarter" idx="5"/>
+          </p:nvPr>
+        </p:nvSpPr>
+        <p:spPr/>
+        <p:txBody>
+          <a:bodyPr/>
+          <a:lstStyle/>
+          <a:p>
+            <a:fld id="{36E6DCC6-AD03-4529-8785-52C9E9DDBC13}" type="slidenum">
+              <a:rPr lang="pt-PT" smtClean="0"/>
+              <a:t>6</a:t>
+            </a:fld>
+            <a:endParaRPr lang="pt-PT"/>
+          </a:p>
+        </p:txBody>
+      </p:sp>
+    </p:spTree>
+    <p:extLst>
+      <p:ext uri="{BB962C8B-B14F-4D97-AF65-F5344CB8AC3E}">
+        <p14:creationId xmlns:p14="http://schemas.microsoft.com/office/powerpoint/2010/main" val="3289151839"/>
       </p:ext>
     </p:extLst>
   </p:cSld>
@@ -6343,56 +5500,41 @@
           <a:p>
             <a:pPr algn="ctr"/>
             <a:r>
-              <a:rPr lang="pt-PT" sz="1800" dirty="0" err="1">
+              <a:rPr lang="pt-PT" dirty="0" err="1">
                 <a:solidFill>
                   <a:srgbClr val="32C3FF"/>
                 </a:solidFill>
-                <a:latin typeface="+mn-lt"/>
-                <a:ea typeface="+mn-ea"/>
-                <a:cs typeface="+mn-cs"/>
               </a:rPr>
               <a:t>The</a:t>
             </a:r>
             <a:r>
-              <a:rPr lang="pt-PT" sz="1800" dirty="0">
+              <a:rPr lang="pt-PT" dirty="0">
                 <a:solidFill>
                   <a:srgbClr val="32C3FF"/>
                 </a:solidFill>
-                <a:latin typeface="+mn-lt"/>
-                <a:ea typeface="+mn-ea"/>
-                <a:cs typeface="+mn-cs"/>
               </a:rPr>
               <a:t> </a:t>
             </a:r>
             <a:r>
-              <a:rPr lang="pt-PT" sz="1800" dirty="0" err="1">
+              <a:rPr lang="pt-PT" dirty="0" err="1">
                 <a:solidFill>
                   <a:srgbClr val="32C3FF"/>
                 </a:solidFill>
-                <a:latin typeface="+mn-lt"/>
-                <a:ea typeface="+mn-ea"/>
-                <a:cs typeface="+mn-cs"/>
               </a:rPr>
               <a:t>fabulous</a:t>
             </a:r>
             <a:r>
-              <a:rPr lang="pt-PT" sz="1800" dirty="0">
+              <a:rPr lang="pt-PT" dirty="0">
                 <a:solidFill>
                   <a:srgbClr val="32C3FF"/>
                 </a:solidFill>
-                <a:latin typeface="+mn-lt"/>
-                <a:ea typeface="+mn-ea"/>
-                <a:cs typeface="+mn-cs"/>
               </a:rPr>
               <a:t> G5</a:t>
             </a:r>
-            <a:endParaRPr sz="1800" dirty="0">
+            <a:endParaRPr dirty="0">
               <a:solidFill>
                 <a:srgbClr val="32C3FF"/>
               </a:solidFill>
-              <a:latin typeface="+mn-lt"/>
-              <a:ea typeface="+mn-ea"/>
-              <a:cs typeface="+mn-cs"/>
             </a:endParaRPr>
           </a:p>
         </p:txBody>
@@ -6412,7 +5554,7 @@
           <p:nvPr/>
         </p:nvPicPr>
         <p:blipFill>
-          <a:blip r:embed="rId2"/>
+          <a:blip r:embed="rId3"/>
           <a:stretch>
             <a:fillRect/>
           </a:stretch>
@@ -6430,13 +5572,7 @@
               <a:schemeClr val="bg1"/>
             </a:solidFill>
           </a:ln>
-          <a:effectLst>
-            <a:outerShdw blurRad="381000" dist="292100" dir="5400000" sx="-80000" sy="-18000" rotWithShape="0">
-              <a:srgbClr val="000000">
-                <a:alpha val="22000"/>
-              </a:srgbClr>
-            </a:outerShdw>
-          </a:effectLst>
+          <a:effectLst/>
           <a:scene3d>
             <a:camera prst="orthographicFront"/>
             <a:lightRig rig="contrasting" dir="t">
@@ -6681,7 +5817,7 @@
           <p:nvPr/>
         </p:nvPicPr>
         <p:blipFill>
-          <a:blip r:embed="rId3"/>
+          <a:blip r:embed="rId4"/>
           <a:stretch>
             <a:fillRect/>
           </a:stretch>
@@ -6735,7 +5871,7 @@
           <p:nvPr/>
         </p:nvPicPr>
         <p:blipFill>
-          <a:blip r:embed="rId4"/>
+          <a:blip r:embed="rId5"/>
           <a:stretch>
             <a:fillRect/>
           </a:stretch>
@@ -6753,13 +5889,7 @@
               <a:schemeClr val="bg1"/>
             </a:solidFill>
           </a:ln>
-          <a:effectLst>
-            <a:outerShdw blurRad="381000" dist="292100" dir="5400000" sx="-80000" sy="-18000" rotWithShape="0">
-              <a:schemeClr val="tx1">
-                <a:alpha val="22000"/>
-              </a:schemeClr>
-            </a:outerShdw>
-          </a:effectLst>
+          <a:effectLst/>
           <a:scene3d>
             <a:camera prst="orthographicFront"/>
             <a:lightRig rig="contrasting" dir="t">
@@ -6859,7 +5989,9 @@
           </a:xfrm>
         </p:spPr>
         <p:txBody>
-          <a:bodyPr/>
+          <a:bodyPr>
+            <a:normAutofit/>
+          </a:bodyPr>
           <a:lstStyle/>
           <a:p>
             <a:pPr>
@@ -6868,12 +6000,43 @@
               </a:buClr>
             </a:pPr>
             <a:r>
-              <a:rPr lang="en-US" dirty="0">
-                <a:latin typeface="Arial" panose="020B0604020202020204" pitchFamily="34" charset="0"/>
-                <a:cs typeface="Arial" panose="020B0604020202020204" pitchFamily="34" charset="0"/>
+              <a:rPr lang="pt-PT" sz="2200" b="1" dirty="0" err="1">
+                <a:effectLst/>
+                <a:latin typeface="Segoe UI" panose="020B0502040204020203" pitchFamily="34" charset="0"/>
               </a:rPr>
-              <a:t>Accuracy Achieved : 0.9264</a:t>
-            </a:r>
+              <a:t>Accuracy</a:t>
+            </a:r>
+            <a:r>
+              <a:rPr lang="pt-PT" sz="2200" b="1" dirty="0">
+                <a:effectLst/>
+                <a:latin typeface="Segoe UI" panose="020B0502040204020203" pitchFamily="34" charset="0"/>
+              </a:rPr>
+              <a:t> </a:t>
+            </a:r>
+            <a:r>
+              <a:rPr lang="pt-PT" sz="2200" b="1" dirty="0" err="1">
+                <a:effectLst/>
+                <a:latin typeface="Segoe UI" panose="020B0502040204020203" pitchFamily="34" charset="0"/>
+              </a:rPr>
+              <a:t>Achieved</a:t>
+            </a:r>
+            <a:r>
+              <a:rPr lang="pt-PT" sz="2200" b="1" dirty="0">
+                <a:effectLst/>
+                <a:latin typeface="Segoe UI" panose="020B0502040204020203" pitchFamily="34" charset="0"/>
+              </a:rPr>
+              <a:t>: </a:t>
+            </a:r>
+            <a:r>
+              <a:rPr lang="pt-PT" sz="2200" dirty="0">
+                <a:effectLst/>
+                <a:latin typeface="Segoe UI" panose="020B0502040204020203" pitchFamily="34" charset="0"/>
+              </a:rPr>
+              <a:t>0.9264</a:t>
+            </a:r>
+            <a:endParaRPr lang="pt-PT" sz="2200" dirty="0">
+              <a:latin typeface="Segoe UI" panose="020B0502040204020203" pitchFamily="34" charset="0"/>
+            </a:endParaRPr>
           </a:p>
           <a:p>
             <a:pPr>
@@ -6882,12 +6045,36 @@
               </a:buClr>
             </a:pPr>
             <a:r>
-              <a:rPr lang="en-US" dirty="0">
-                <a:latin typeface="Arial" panose="020B0604020202020204" pitchFamily="34" charset="0"/>
-                <a:cs typeface="Arial" panose="020B0604020202020204" pitchFamily="34" charset="0"/>
+              <a:rPr lang="pt-PT" sz="2200" b="1" dirty="0">
+                <a:effectLst/>
+                <a:latin typeface="Segoe UI" panose="020B0502040204020203" pitchFamily="34" charset="0"/>
+              </a:rPr>
+              <a:t>Final </a:t>
+            </a:r>
+            <a:r>
+              <a:rPr lang="pt-PT" sz="2200" b="1" dirty="0" err="1">
+                <a:effectLst/>
+                <a:latin typeface="Segoe UI" panose="020B0502040204020203" pitchFamily="34" charset="0"/>
+              </a:rPr>
+              <a:t>model</a:t>
+            </a:r>
+            <a:r>
+              <a:rPr lang="pt-PT" sz="2200" b="1" dirty="0">
+                <a:effectLst/>
+                <a:latin typeface="Segoe UI" panose="020B0502040204020203" pitchFamily="34" charset="0"/>
+              </a:rPr>
+              <a:t>: </a:t>
+            </a:r>
+            <a:r>
+              <a:rPr lang="pt-PT" sz="2200" dirty="0">
+                <a:effectLst/>
+                <a:latin typeface="Segoe UI" panose="020B0502040204020203" pitchFamily="34" charset="0"/>
               </a:rPr>
               <a:t>SVM</a:t>
             </a:r>
+            <a:endParaRPr lang="pt-PT" sz="2200" dirty="0">
+              <a:latin typeface="Segoe UI" panose="020B0502040204020203" pitchFamily="34" charset="0"/>
+            </a:endParaRPr>
           </a:p>
           <a:p>
             <a:pPr>
@@ -6896,36 +6083,105 @@
               </a:buClr>
             </a:pPr>
             <a:r>
-              <a:rPr lang="en-US" dirty="0">
-                <a:latin typeface="Arial" panose="020B0604020202020204" pitchFamily="34" charset="0"/>
-                <a:cs typeface="Arial" panose="020B0604020202020204" pitchFamily="34" charset="0"/>
+              <a:rPr lang="pt-PT" sz="2200" b="1" dirty="0" err="1">
+                <a:effectLst/>
+                <a:latin typeface="Segoe UI" panose="020B0502040204020203" pitchFamily="34" charset="0"/>
               </a:rPr>
-              <a:t>LOGR, </a:t>
-            </a:r>
-            <a:r>
-              <a:rPr lang="en-US" dirty="0" err="1">
-                <a:latin typeface="Arial" panose="020B0604020202020204" pitchFamily="34" charset="0"/>
-                <a:cs typeface="Arial" panose="020B0604020202020204" pitchFamily="34" charset="0"/>
+              <a:t>Alternative</a:t>
+            </a:r>
+            <a:r>
+              <a:rPr lang="pt-PT" sz="2200" b="1" dirty="0">
+                <a:effectLst/>
+                <a:latin typeface="Segoe UI" panose="020B0502040204020203" pitchFamily="34" charset="0"/>
               </a:rPr>
-              <a:t>NaiveBayes</a:t>
-            </a:r>
-            <a:r>
-              <a:rPr lang="en-US" dirty="0">
-                <a:latin typeface="Arial" panose="020B0604020202020204" pitchFamily="34" charset="0"/>
-                <a:cs typeface="Arial" panose="020B0604020202020204" pitchFamily="34" charset="0"/>
+              <a:t> </a:t>
+            </a:r>
+            <a:r>
+              <a:rPr lang="pt-PT" sz="2200" b="1" dirty="0" err="1">
+                <a:effectLst/>
+                <a:latin typeface="Segoe UI" panose="020B0502040204020203" pitchFamily="34" charset="0"/>
+              </a:rPr>
+              <a:t>models</a:t>
+            </a:r>
+            <a:r>
+              <a:rPr lang="pt-PT" sz="2200" b="1" dirty="0">
+                <a:effectLst/>
+                <a:latin typeface="Segoe UI" panose="020B0502040204020203" pitchFamily="34" charset="0"/>
+              </a:rPr>
+              <a:t>:</a:t>
+            </a:r>
+            <a:br>
+              <a:rPr lang="pt-PT" sz="2200" dirty="0">
+                <a:effectLst/>
+                <a:latin typeface="Segoe UI" panose="020B0502040204020203" pitchFamily="34" charset="0"/>
+              </a:rPr>
+            </a:br>
+            <a:r>
+              <a:rPr lang="pt-PT" sz="2200" dirty="0" err="1">
+                <a:effectLst/>
+                <a:latin typeface="Segoe UI" panose="020B0502040204020203" pitchFamily="34" charset="0"/>
+              </a:rPr>
+              <a:t>Logistic</a:t>
+            </a:r>
+            <a:r>
+              <a:rPr lang="pt-PT" sz="2200" dirty="0">
+                <a:effectLst/>
+                <a:latin typeface="Segoe UI" panose="020B0502040204020203" pitchFamily="34" charset="0"/>
+              </a:rPr>
+              <a:t> </a:t>
+            </a:r>
+            <a:r>
+              <a:rPr lang="pt-PT" sz="2200" dirty="0" err="1">
+                <a:effectLst/>
+                <a:latin typeface="Segoe UI" panose="020B0502040204020203" pitchFamily="34" charset="0"/>
+              </a:rPr>
+              <a:t>Regression</a:t>
+            </a:r>
+            <a:r>
+              <a:rPr lang="pt-PT" sz="2200" dirty="0">
+                <a:effectLst/>
+                <a:latin typeface="Segoe UI" panose="020B0502040204020203" pitchFamily="34" charset="0"/>
               </a:rPr>
               <a:t>, </a:t>
             </a:r>
             <a:r>
-              <a:rPr lang="en-US" dirty="0" err="1">
-                <a:latin typeface="Arial" panose="020B0604020202020204" pitchFamily="34" charset="0"/>
-                <a:cs typeface="Arial" panose="020B0604020202020204" pitchFamily="34" charset="0"/>
+              <a:rPr lang="pt-PT" sz="2200" dirty="0" err="1">
+                <a:effectLst/>
+                <a:latin typeface="Segoe UI" panose="020B0502040204020203" pitchFamily="34" charset="0"/>
               </a:rPr>
-              <a:t>Xgboost</a:t>
-            </a:r>
-            <a:endParaRPr lang="en-US" dirty="0">
-              <a:latin typeface="Arial" panose="020B0604020202020204" pitchFamily="34" charset="0"/>
-              <a:cs typeface="Arial" panose="020B0604020202020204" pitchFamily="34" charset="0"/>
+              <a:t>Naive</a:t>
+            </a:r>
+            <a:r>
+              <a:rPr lang="pt-PT" sz="2200" dirty="0">
+                <a:effectLst/>
+                <a:latin typeface="Segoe UI" panose="020B0502040204020203" pitchFamily="34" charset="0"/>
+              </a:rPr>
+              <a:t> </a:t>
+            </a:r>
+            <a:r>
+              <a:rPr lang="pt-PT" sz="2200" dirty="0" err="1">
+                <a:effectLst/>
+                <a:latin typeface="Segoe UI" panose="020B0502040204020203" pitchFamily="34" charset="0"/>
+              </a:rPr>
+              <a:t>Bayes</a:t>
+            </a:r>
+            <a:r>
+              <a:rPr lang="pt-PT" sz="2200" dirty="0">
+                <a:effectLst/>
+                <a:latin typeface="Segoe UI" panose="020B0502040204020203" pitchFamily="34" charset="0"/>
+              </a:rPr>
+              <a:t>, XGB </a:t>
+            </a:r>
+            <a:r>
+              <a:rPr lang="pt-PT" sz="2200" dirty="0" err="1">
+                <a:effectLst/>
+                <a:latin typeface="Segoe UI" panose="020B0502040204020203" pitchFamily="34" charset="0"/>
+              </a:rPr>
+              <a:t>Classifier</a:t>
+            </a:r>
+            <a:endParaRPr lang="pt-PT" sz="2200" dirty="0">
+              <a:effectLst/>
+              <a:latin typeface="Segoe UI" panose="020B0502040204020203" pitchFamily="34" charset="0"/>
             </a:endParaRPr>
           </a:p>
           <a:p>
@@ -6935,22 +6191,62 @@
               </a:buClr>
             </a:pPr>
             <a:r>
-              <a:rPr lang="en-US" dirty="0">
-                <a:latin typeface="Arial" panose="020B0604020202020204" pitchFamily="34" charset="0"/>
-                <a:cs typeface="Arial" panose="020B0604020202020204" pitchFamily="34" charset="0"/>
+              <a:rPr lang="pt-PT" sz="2200" b="1" dirty="0" err="1">
+                <a:effectLst/>
+                <a:latin typeface="Segoe UI" panose="020B0502040204020203" pitchFamily="34" charset="0"/>
               </a:rPr>
-              <a:t>TD-IDF and </a:t>
-            </a:r>
-            <a:r>
-              <a:rPr lang="en-US" dirty="0" err="1">
-                <a:latin typeface="Arial" panose="020B0604020202020204" pitchFamily="34" charset="0"/>
-                <a:cs typeface="Arial" panose="020B0604020202020204" pitchFamily="34" charset="0"/>
+              <a:t>Vectorization</a:t>
+            </a:r>
+            <a:r>
+              <a:rPr lang="pt-PT" sz="2200" b="1" dirty="0">
+                <a:effectLst/>
+                <a:latin typeface="Segoe UI" panose="020B0502040204020203" pitchFamily="34" charset="0"/>
+              </a:rPr>
+              <a:t> </a:t>
+            </a:r>
+            <a:r>
+              <a:rPr lang="pt-PT" sz="2200" b="1" dirty="0" err="1">
+                <a:effectLst/>
+                <a:latin typeface="Segoe UI" panose="020B0502040204020203" pitchFamily="34" charset="0"/>
+              </a:rPr>
+              <a:t>methods</a:t>
+            </a:r>
+            <a:r>
+              <a:rPr lang="pt-PT" sz="2200" b="1" dirty="0">
+                <a:effectLst/>
+                <a:latin typeface="Segoe UI" panose="020B0502040204020203" pitchFamily="34" charset="0"/>
+              </a:rPr>
+              <a:t>:</a:t>
+            </a:r>
+            <a:br>
+              <a:rPr lang="pt-PT" sz="2200" dirty="0">
+                <a:effectLst/>
+                <a:latin typeface="Segoe UI" panose="020B0502040204020203" pitchFamily="34" charset="0"/>
+              </a:rPr>
+            </a:br>
+            <a:r>
+              <a:rPr lang="pt-PT" sz="2200" dirty="0">
+                <a:effectLst/>
+                <a:latin typeface="Segoe UI" panose="020B0502040204020203" pitchFamily="34" charset="0"/>
+              </a:rPr>
+              <a:t>Word2Vec, </a:t>
+            </a:r>
+            <a:r>
+              <a:rPr lang="pt-PT" sz="2200" dirty="0" err="1">
+                <a:effectLst/>
+                <a:latin typeface="Segoe UI" panose="020B0502040204020203" pitchFamily="34" charset="0"/>
               </a:rPr>
               <a:t>BoW</a:t>
             </a:r>
-            <a:endParaRPr lang="en-US" dirty="0">
-              <a:latin typeface="Arial" panose="020B0604020202020204" pitchFamily="34" charset="0"/>
-              <a:cs typeface="Arial" panose="020B0604020202020204" pitchFamily="34" charset="0"/>
+            <a:r>
+              <a:rPr lang="pt-PT" sz="2200" dirty="0">
+                <a:effectLst/>
+                <a:latin typeface="Segoe UI" panose="020B0502040204020203" pitchFamily="34" charset="0"/>
+              </a:rPr>
+              <a:t> and TD-IDF</a:t>
+            </a:r>
+            <a:endParaRPr lang="pt-PT" sz="2200" dirty="0">
+              <a:latin typeface="Segoe UI" panose="020B0502040204020203" pitchFamily="34" charset="0"/>
             </a:endParaRPr>
           </a:p>
           <a:p>
@@ -6960,12 +6256,106 @@
               </a:buClr>
             </a:pPr>
             <a:r>
-              <a:rPr lang="en-US" dirty="0">
-                <a:latin typeface="Arial" panose="020B0604020202020204" pitchFamily="34" charset="0"/>
-                <a:cs typeface="Arial" panose="020B0604020202020204" pitchFamily="34" charset="0"/>
+              <a:rPr lang="pt-PT" sz="2200" b="1" dirty="0" err="1">
+                <a:effectLst/>
+                <a:latin typeface="Segoe UI" panose="020B0502040204020203" pitchFamily="34" charset="0"/>
               </a:rPr>
-              <a:t>Cleaning with and without Tokenization, Lemmatization and Stop Words</a:t>
-            </a:r>
+              <a:t>Pre-processing</a:t>
+            </a:r>
+            <a:r>
+              <a:rPr lang="pt-PT" sz="2200" b="1" dirty="0">
+                <a:effectLst/>
+                <a:latin typeface="Segoe UI" panose="020B0502040204020203" pitchFamily="34" charset="0"/>
+              </a:rPr>
+              <a:t> steps </a:t>
+            </a:r>
+            <a:r>
+              <a:rPr lang="pt-PT" sz="2200" b="1" dirty="0" err="1">
+                <a:effectLst/>
+                <a:latin typeface="Segoe UI" panose="020B0502040204020203" pitchFamily="34" charset="0"/>
+              </a:rPr>
+              <a:t>tried</a:t>
+            </a:r>
+            <a:r>
+              <a:rPr lang="pt-PT" sz="2200" b="1" dirty="0">
+                <a:effectLst/>
+                <a:latin typeface="Segoe UI" panose="020B0502040204020203" pitchFamily="34" charset="0"/>
+              </a:rPr>
+              <a:t>:</a:t>
+            </a:r>
+            <a:br>
+              <a:rPr lang="pt-PT" sz="2200" dirty="0">
+                <a:effectLst/>
+                <a:latin typeface="Segoe UI" panose="020B0502040204020203" pitchFamily="34" charset="0"/>
+              </a:rPr>
+            </a:br>
+            <a:r>
+              <a:rPr lang="pt-PT" sz="2200" dirty="0" err="1">
+                <a:effectLst/>
+                <a:latin typeface="Segoe UI" panose="020B0502040204020203" pitchFamily="34" charset="0"/>
+              </a:rPr>
+              <a:t>Cleaning</a:t>
+            </a:r>
+            <a:r>
+              <a:rPr lang="pt-PT" sz="2200" dirty="0">
+                <a:effectLst/>
+                <a:latin typeface="Segoe UI" panose="020B0502040204020203" pitchFamily="34" charset="0"/>
+              </a:rPr>
+              <a:t>, </a:t>
+            </a:r>
+            <a:r>
+              <a:rPr lang="pt-PT" sz="2200" dirty="0" err="1">
+                <a:effectLst/>
+                <a:latin typeface="Segoe UI" panose="020B0502040204020203" pitchFamily="34" charset="0"/>
+              </a:rPr>
+              <a:t>Tokenization</a:t>
+            </a:r>
+            <a:r>
+              <a:rPr lang="pt-PT" sz="2200" dirty="0">
+                <a:effectLst/>
+                <a:latin typeface="Segoe UI" panose="020B0502040204020203" pitchFamily="34" charset="0"/>
+              </a:rPr>
+              <a:t>, </a:t>
+            </a:r>
+            <a:r>
+              <a:rPr lang="pt-PT" sz="2200" dirty="0" err="1">
+                <a:effectLst/>
+                <a:latin typeface="Segoe UI" panose="020B0502040204020203" pitchFamily="34" charset="0"/>
+              </a:rPr>
+              <a:t>Lemmatization</a:t>
+            </a:r>
+            <a:r>
+              <a:rPr lang="pt-PT" sz="2200" dirty="0">
+                <a:effectLst/>
+                <a:latin typeface="Segoe UI" panose="020B0502040204020203" pitchFamily="34" charset="0"/>
+              </a:rPr>
+              <a:t>, and </a:t>
+            </a:r>
+            <a:r>
+              <a:rPr lang="pt-PT" sz="2200" dirty="0" err="1">
+                <a:effectLst/>
+                <a:latin typeface="Segoe UI" panose="020B0502040204020203" pitchFamily="34" charset="0"/>
+              </a:rPr>
+              <a:t>StopWords</a:t>
+            </a:r>
+            <a:r>
+              <a:rPr lang="pt-PT" sz="2200" dirty="0">
+                <a:effectLst/>
+                <a:latin typeface="Segoe UI" panose="020B0502040204020203" pitchFamily="34" charset="0"/>
+              </a:rPr>
+              <a:t> </a:t>
+            </a:r>
+            <a:r>
+              <a:rPr lang="pt-PT" sz="2200" dirty="0" err="1">
+                <a:effectLst/>
+                <a:latin typeface="Segoe UI" panose="020B0502040204020203" pitchFamily="34" charset="0"/>
+              </a:rPr>
+              <a:t>removal</a:t>
+            </a:r>
+            <a:endParaRPr lang="en-US" sz="2200" dirty="0">
+              <a:latin typeface="Arial" panose="020B0604020202020204" pitchFamily="34" charset="0"/>
+              <a:cs typeface="Arial" panose="020B0604020202020204" pitchFamily="34" charset="0"/>
+            </a:endParaRPr>
           </a:p>
         </p:txBody>
       </p:sp>
@@ -6984,7 +6374,7 @@
           <p:nvPr>
             <p:extLst>
               <p:ext uri="{D42A27DB-BD31-4B8C-83A1-F6EECF244321}">
-                <p14:modId xmlns:p14="http://schemas.microsoft.com/office/powerpoint/2010/main" val="3214501682"/>
+                <p14:modId xmlns:p14="http://schemas.microsoft.com/office/powerpoint/2010/main" val="2534639200"/>
               </p:ext>
             </p:extLst>
           </p:nvPr>
@@ -7056,12 +6446,9 @@
                   <a:srgbClr val="32C3FF"/>
                 </a:solidFill>
               </a:rPr>
-              <a:t>Methods (preprocessing</a:t>
-            </a:r>
-            <a:r>
-              <a:rPr lang="en-US" dirty="0"/>
-              <a:t>)</a:t>
-            </a:r>
+              <a:t>Methods</a:t>
+            </a:r>
+            <a:endParaRPr lang="en-US" dirty="0"/>
           </a:p>
         </p:txBody>
       </p:sp>
@@ -7141,6 +6528,11 @@
 <file path=ppt/slides/slide4.xml><?xml version="1.0" encoding="utf-8"?>
 <p:sld xmlns:a="http://schemas.openxmlformats.org/drawingml/2006/main" xmlns:r="http://schemas.openxmlformats.org/officeDocument/2006/relationships" xmlns:p="http://schemas.openxmlformats.org/presentationml/2006/main">
   <p:cSld>
+    <p:bg>
+      <p:bgRef idx="1001">
+        <a:schemeClr val="bg1"/>
+      </p:bgRef>
+    </p:bg>
     <p:spTree>
       <p:nvGrpSpPr>
         <p:cNvPr id="1" name=""/>
@@ -7177,110 +6569,62 @@
           <a:lstStyle/>
           <a:p>
             <a:r>
-              <a:rPr lang="en-US"/>
-              <a:t>Methods (models) – 1 or 2 slides</a:t>
-            </a:r>
-          </a:p>
-        </p:txBody>
-      </p:sp>
-      <p:sp>
-        <p:nvSpPr>
-          <p:cNvPr id="3" name="Content Placeholder 2">
-            <a:extLst>
-              <a:ext uri="{FF2B5EF4-FFF2-40B4-BE49-F238E27FC236}">
-                <a16:creationId xmlns:a16="http://schemas.microsoft.com/office/drawing/2014/main" id="{F9085543-BAEE-863C-37C8-06656B914EC0}"/>
-              </a:ext>
-            </a:extLst>
-          </p:cNvPr>
-          <p:cNvSpPr>
-            <a:spLocks noGrp="1"/>
-          </p:cNvSpPr>
-          <p:nvPr>
-            <p:ph idx="1"/>
-          </p:nvPr>
-        </p:nvSpPr>
+              <a:rPr lang="en-US" dirty="0">
+                <a:solidFill>
+                  <a:srgbClr val="32C3FF"/>
+                </a:solidFill>
+              </a:rPr>
+              <a:t>Methods</a:t>
+            </a:r>
+            <a:endParaRPr lang="en-US" dirty="0"/>
+          </a:p>
+        </p:txBody>
+      </p:sp>
+      <p:pic>
+        <p:nvPicPr>
+          <p:cNvPr id="10" name="Imagem 9" descr="Uma imagem com texto, captura de ecrã, número&#10;&#10;Descrição gerada automaticamente">
+            <a:extLst>
+              <a:ext uri="{FF2B5EF4-FFF2-40B4-BE49-F238E27FC236}">
+                <a16:creationId xmlns:a16="http://schemas.microsoft.com/office/drawing/2014/main" id="{A1DEE33A-38D3-244B-2592-6654405A8FC6}"/>
+              </a:ext>
+            </a:extLst>
+          </p:cNvPr>
+          <p:cNvPicPr>
+            <a:picLocks noChangeAspect="1"/>
+          </p:cNvPicPr>
+          <p:nvPr/>
+        </p:nvPicPr>
+        <p:blipFill>
+          <a:blip r:embed="rId4"/>
+          <a:stretch>
+            <a:fillRect/>
+          </a:stretch>
+        </p:blipFill>
         <p:spPr>
           <a:xfrm>
-            <a:off x="838200" y="1571391"/>
-            <a:ext cx="8444696" cy="3494401"/>
+            <a:off x="2601169" y="1385341"/>
+            <a:ext cx="7619277" cy="5107534"/>
           </a:xfrm>
+          <a:prstGeom prst="rect">
+            <a:avLst/>
+          </a:prstGeom>
         </p:spPr>
-        <p:txBody>
-          <a:bodyPr/>
-          <a:lstStyle/>
-          <a:p>
-            <a:r>
-              <a:rPr lang="en-US" dirty="0"/>
-              <a:t>Explain the models you tried and why</a:t>
-            </a:r>
-          </a:p>
-          <a:p>
-            <a:r>
-              <a:rPr lang="en-US" dirty="0"/>
-              <a:t>Chart comparing them. </a:t>
-            </a:r>
-          </a:p>
-          <a:p>
-            <a:pPr lvl="1"/>
-            <a:r>
-              <a:rPr lang="en-US" dirty="0"/>
-              <a:t>Try to capture subtleties but don’t make it too complicated. </a:t>
-            </a:r>
-          </a:p>
-          <a:p>
-            <a:pPr lvl="1"/>
-            <a:r>
-              <a:rPr lang="en-US" dirty="0"/>
-              <a:t>For example, if a model didn’t improve with preprocessing then don’t include it. But if a model was very affected by preprocessing/hyperparameters then it’s interesting to see how</a:t>
-            </a:r>
-          </a:p>
-        </p:txBody>
-      </p:sp>
-      <p:graphicFrame>
-        <p:nvGraphicFramePr>
-          <p:cNvPr id="5" name="Chart 3" title="Model accuracy vs Vectorizers">
-            <a:extLst>
-              <a:ext uri="{FF2B5EF4-FFF2-40B4-BE49-F238E27FC236}">
-                <a16:creationId xmlns:a16="http://schemas.microsoft.com/office/drawing/2014/main" id="{383B6D4D-FE28-B6DD-9040-239FF4F2FC86}"/>
-              </a:ext>
-            </a:extLst>
-          </p:cNvPr>
-          <p:cNvGraphicFramePr>
-            <a:graphicFrameLocks/>
-          </p:cNvGraphicFramePr>
-          <p:nvPr>
-            <p:extLst>
-              <p:ext uri="{D42A27DB-BD31-4B8C-83A1-F6EECF244321}">
-                <p14:modId xmlns:p14="http://schemas.microsoft.com/office/powerpoint/2010/main" val="3470116504"/>
-              </p:ext>
-            </p:extLst>
-          </p:nvPr>
-        </p:nvGraphicFramePr>
-        <p:xfrm>
-          <a:off x="6096000" y="3704065"/>
-          <a:ext cx="5666015" cy="3116036"/>
-        </p:xfrm>
-        <a:graphic>
-          <a:graphicData uri="http://schemas.openxmlformats.org/drawingml/2006/chart">
-            <c:chart xmlns:c="http://schemas.openxmlformats.org/drawingml/2006/chart" xmlns:r="http://schemas.openxmlformats.org/officeDocument/2006/relationships" r:id="rId2"/>
-          </a:graphicData>
-        </a:graphic>
-      </p:graphicFrame>
+      </p:pic>
     </p:spTree>
     <p:extLst>
       <p:ext uri="{BB962C8B-B14F-4D97-AF65-F5344CB8AC3E}">
-        <p14:creationId xmlns:p14="http://schemas.microsoft.com/office/powerpoint/2010/main" val="3237876696"/>
+        <p14:creationId xmlns:p14="http://schemas.microsoft.com/office/powerpoint/2010/main" val="2980641701"/>
       </p:ext>
     </p:extLst>
   </p:cSld>
   <p:clrMapOvr>
-    <a:masterClrMapping/>
+    <a:overrideClrMapping bg1="lt1" tx1="dk1" bg2="lt2" tx2="dk2" accent1="accent1" accent2="accent2" accent3="accent3" accent4="accent4" accent5="accent5" accent6="accent6" hlink="hlink" folHlink="folHlink"/>
   </p:clrMapOvr>
 </p:sld>
 </file>
 
 <file path=ppt/slides/slide5.xml><?xml version="1.0" encoding="utf-8"?>
-<p:sld xmlns:a="http://schemas.openxmlformats.org/drawingml/2006/main" xmlns:r="http://schemas.openxmlformats.org/officeDocument/2006/relationships" xmlns:p="http://schemas.openxmlformats.org/presentationml/2006/main">
+<p:sld xmlns:a="http://schemas.openxmlformats.org/drawingml/2006/main" xmlns:r="http://schemas.openxmlformats.org/officeDocument/2006/relationships" xmlns:p="http://schemas.openxmlformats.org/presentationml/2006/main" show="0">
   <p:cSld>
     <p:spTree>
       <p:nvGrpSpPr>
@@ -7314,78 +6658,50 @@
         </p:nvSpPr>
         <p:spPr/>
         <p:txBody>
+          <a:bodyPr>
+            <a:normAutofit/>
+          </a:bodyPr>
+          <a:lstStyle/>
+          <a:p>
+            <a:r>
+              <a:rPr lang="en-US" dirty="0">
+                <a:solidFill>
+                  <a:srgbClr val="32C3FF"/>
+                </a:solidFill>
+              </a:rPr>
+              <a:t>Testing vs Validation accuracy</a:t>
+            </a:r>
+          </a:p>
+        </p:txBody>
+      </p:sp>
+      <p:sp>
+        <p:nvSpPr>
+          <p:cNvPr id="3" name="Content Placeholder 2">
+            <a:extLst>
+              <a:ext uri="{FF2B5EF4-FFF2-40B4-BE49-F238E27FC236}">
+                <a16:creationId xmlns:a16="http://schemas.microsoft.com/office/drawing/2014/main" id="{F9085543-BAEE-863C-37C8-06656B914EC0}"/>
+              </a:ext>
+            </a:extLst>
+          </p:cNvPr>
+          <p:cNvSpPr>
+            <a:spLocks noGrp="1"/>
+          </p:cNvSpPr>
+          <p:nvPr>
+            <p:ph idx="1"/>
+          </p:nvPr>
+        </p:nvSpPr>
+        <p:spPr/>
+        <p:txBody>
           <a:bodyPr/>
           <a:lstStyle/>
           <a:p>
             <a:r>
-              <a:rPr lang="en-US"/>
-              <a:t>Testing vs Validation accuracy</a:t>
-            </a:r>
-          </a:p>
-        </p:txBody>
-      </p:sp>
-      <p:sp>
-        <p:nvSpPr>
-          <p:cNvPr id="3" name="Content Placeholder 2">
-            <a:extLst>
-              <a:ext uri="{FF2B5EF4-FFF2-40B4-BE49-F238E27FC236}">
-                <a16:creationId xmlns:a16="http://schemas.microsoft.com/office/drawing/2014/main" id="{F9085543-BAEE-863C-37C8-06656B914EC0}"/>
-              </a:ext>
-            </a:extLst>
-          </p:cNvPr>
-          <p:cNvSpPr>
-            <a:spLocks noGrp="1"/>
-          </p:cNvSpPr>
-          <p:nvPr>
-            <p:ph idx="1"/>
-          </p:nvPr>
-        </p:nvSpPr>
-        <p:spPr/>
-        <p:txBody>
-          <a:bodyPr/>
-          <a:lstStyle/>
-          <a:p>
-            <a:r>
-              <a:rPr lang="en-US"/>
-              <a:t>Compare both numbers</a:t>
-            </a:r>
-          </a:p>
-          <a:p>
-            <a:r>
-              <a:rPr lang="en-US"/>
-              <a:t>If they are very different, explain why</a:t>
-            </a:r>
-          </a:p>
-        </p:txBody>
-      </p:sp>
-      <p:graphicFrame>
-        <p:nvGraphicFramePr>
-          <p:cNvPr id="4" name="Chart 3">
-            <a:extLst>
-              <a:ext uri="{FF2B5EF4-FFF2-40B4-BE49-F238E27FC236}">
-                <a16:creationId xmlns:a16="http://schemas.microsoft.com/office/drawing/2014/main" id="{6A9C027C-ADBD-953C-5C24-6FC7F9F59C03}"/>
-              </a:ext>
-            </a:extLst>
-          </p:cNvPr>
-          <p:cNvGraphicFramePr/>
-          <p:nvPr>
-            <p:extLst>
-              <p:ext uri="{D42A27DB-BD31-4B8C-83A1-F6EECF244321}">
-                <p14:modId xmlns:p14="http://schemas.microsoft.com/office/powerpoint/2010/main" val="799440586"/>
-              </p:ext>
-            </p:extLst>
-          </p:nvPr>
-        </p:nvGraphicFramePr>
-        <p:xfrm>
-          <a:off x="8573530" y="1282380"/>
-          <a:ext cx="2780270" cy="2757780"/>
-        </p:xfrm>
-        <a:graphic>
-          <a:graphicData uri="http://schemas.openxmlformats.org/drawingml/2006/chart">
-            <c:chart xmlns:c="http://schemas.openxmlformats.org/drawingml/2006/chart" xmlns:r="http://schemas.openxmlformats.org/officeDocument/2006/relationships" r:id="rId2"/>
-          </a:graphicData>
-        </a:graphic>
-      </p:graphicFrame>
+              <a:rPr lang="en-US" dirty="0"/>
+              <a:t>Predicted Accuracy for the Testing Data Set is : 0.9264 </a:t>
+            </a:r>
+          </a:p>
+        </p:txBody>
+      </p:sp>
     </p:spTree>
     <p:extLst>
       <p:ext uri="{BB962C8B-B14F-4D97-AF65-F5344CB8AC3E}">
@@ -7434,11 +6750,17 @@
         </p:nvSpPr>
         <p:spPr/>
         <p:txBody>
-          <a:bodyPr/>
+          <a:bodyPr>
+            <a:normAutofit/>
+          </a:bodyPr>
           <a:lstStyle/>
           <a:p>
             <a:r>
-              <a:rPr lang="en-US"/>
+              <a:rPr lang="en-US" dirty="0">
+                <a:solidFill>
+                  <a:srgbClr val="32C3FF"/>
+                </a:solidFill>
+              </a:rPr>
               <a:t>Takeaways</a:t>
             </a:r>
           </a:p>
@@ -7462,25 +6784,88 @@
         </p:nvSpPr>
         <p:spPr/>
         <p:txBody>
-          <a:bodyPr/>
+          <a:bodyPr>
+            <a:normAutofit/>
+          </a:bodyPr>
           <a:lstStyle/>
           <a:p>
-            <a:r>
-              <a:rPr lang="en-US"/>
-              <a:t>Recap / conclusions</a:t>
-            </a:r>
-          </a:p>
-          <a:p>
-            <a:r>
-              <a:rPr lang="en-US"/>
-              <a:t>Challenges</a:t>
-            </a:r>
-          </a:p>
-          <a:p>
-            <a:r>
-              <a:rPr lang="en-US"/>
-              <a:t>Key learnings</a:t>
-            </a:r>
+            <a:pPr lvl="1"/>
+            <a:endParaRPr lang="en-US" sz="2400" dirty="0"/>
+          </a:p>
+          <a:p>
+            <a:pPr lvl="1">
+              <a:buClr>
+                <a:srgbClr val="32C3FF"/>
+              </a:buClr>
+            </a:pPr>
+            <a:r>
+              <a:rPr lang="en-US" b="1" dirty="0">
+                <a:effectLst/>
+                <a:latin typeface="Segoe UI" panose="020B0502040204020203" pitchFamily="34" charset="0"/>
+              </a:rPr>
+              <a:t>Challenges:</a:t>
+            </a:r>
+            <a:r>
+              <a:rPr lang="en-US" dirty="0">
+                <a:effectLst/>
+                <a:latin typeface="Segoe UI" panose="020B0502040204020203" pitchFamily="34" charset="0"/>
+              </a:rPr>
+              <a:t> Being able to identify where to focus during testing (Model selection, Pre-processing, Hyperparameters, etc.).</a:t>
+            </a:r>
+          </a:p>
+          <a:p>
+            <a:pPr lvl="1">
+              <a:buClr>
+                <a:srgbClr val="32C3FF"/>
+              </a:buClr>
+            </a:pPr>
+            <a:endParaRPr lang="en-US" dirty="0">
+              <a:latin typeface="Segoe UI" panose="020B0502040204020203" pitchFamily="34" charset="0"/>
+            </a:endParaRPr>
+          </a:p>
+          <a:p>
+            <a:pPr marL="457200" lvl="1" indent="0">
+              <a:buClr>
+                <a:srgbClr val="32C3FF"/>
+              </a:buClr>
+              <a:buNone/>
+            </a:pPr>
+            <a:endParaRPr lang="en-US" dirty="0"/>
+          </a:p>
+          <a:p>
+            <a:pPr lvl="1">
+              <a:buClr>
+                <a:srgbClr val="32C3FF"/>
+              </a:buClr>
+            </a:pPr>
+            <a:r>
+              <a:rPr lang="en-US" b="1" dirty="0">
+                <a:latin typeface="Segoe UI" panose="020B0502040204020203" pitchFamily="34" charset="0"/>
+              </a:rPr>
+              <a:t>Conclusion</a:t>
+            </a:r>
+            <a:r>
+              <a:rPr lang="en-US" sz="2400" dirty="0"/>
+              <a:t> : One size does not fit all!</a:t>
+            </a:r>
+            <a:endParaRPr lang="en-US" dirty="0"/>
+          </a:p>
+          <a:p>
+            <a:pPr lvl="1"/>
+            <a:endParaRPr lang="en-US" dirty="0"/>
+          </a:p>
+          <a:p>
+            <a:pPr lvl="1"/>
+            <a:endParaRPr lang="en-US" dirty="0"/>
+          </a:p>
+          <a:p>
+            <a:pPr marL="0" indent="0">
+              <a:buNone/>
+            </a:pPr>
+            <a:endParaRPr lang="en-US" dirty="0"/>
+          </a:p>
+          <a:p>
+            <a:endParaRPr lang="en-US" dirty="0"/>
           </a:p>
         </p:txBody>
       </p:sp>
@@ -7498,7 +6883,7 @@
 </file>
 
 <file path=ppt/slides/slide7.xml><?xml version="1.0" encoding="utf-8"?>
-<p:sld xmlns:a="http://schemas.openxmlformats.org/drawingml/2006/main" xmlns:r="http://schemas.openxmlformats.org/officeDocument/2006/relationships" xmlns:p="http://schemas.openxmlformats.org/presentationml/2006/main">
+<p:sld xmlns:a="http://schemas.openxmlformats.org/drawingml/2006/main" xmlns:r="http://schemas.openxmlformats.org/officeDocument/2006/relationships" xmlns:p="http://schemas.openxmlformats.org/presentationml/2006/main" show="0">
   <p:cSld>
     <p:bg>
       <p:bgPr>
@@ -8925,4 +8310,47 @@
     </a:bgFillStyleLst>
   </a:fmtScheme>
 </a:themeOverride>
+</file>
+
+<file path=ppt/theme/themeOverride4.xml><?xml version="1.0" encoding="utf-8"?>
+<a:themeOverride xmlns:a="http://schemas.openxmlformats.org/drawingml/2006/main">
+  <a:clrScheme name="Office">
+    <a:dk1>
+      <a:sysClr val="windowText" lastClr="000000"/>
+    </a:dk1>
+    <a:lt1>
+      <a:sysClr val="window" lastClr="FFFFFF"/>
+    </a:lt1>
+    <a:dk2>
+      <a:srgbClr val="44546A"/>
+    </a:dk2>
+    <a:lt2>
+      <a:srgbClr val="E7E6E6"/>
+    </a:lt2>
+    <a:accent1>
+      <a:srgbClr val="4472C4"/>
+    </a:accent1>
+    <a:accent2>
+      <a:srgbClr val="ED7D31"/>
+    </a:accent2>
+    <a:accent3>
+      <a:srgbClr val="A5A5A5"/>
+    </a:accent3>
+    <a:accent4>
+      <a:srgbClr val="FFC000"/>
+    </a:accent4>
+    <a:accent5>
+      <a:srgbClr val="5B9BD5"/>
+    </a:accent5>
+    <a:accent6>
+      <a:srgbClr val="70AD47"/>
+    </a:accent6>
+    <a:hlink>
+      <a:srgbClr val="0563C1"/>
+    </a:hlink>
+    <a:folHlink>
+      <a:srgbClr val="954F72"/>
+    </a:folHlink>
+  </a:clrScheme>
+</a:themeOverride>
 </file>